--- a/OCA Chapter 4 part 3.pptx
+++ b/OCA Chapter 4 part 3.pptx
@@ -6,7 +6,7 @@
     <p:sldMasterId id="2147483667" r:id="rId2"/>
   </p:sldMasterIdLst>
   <p:notesMasterIdLst>
-    <p:notesMasterId r:id="rId31"/>
+    <p:notesMasterId r:id="rId32"/>
   </p:notesMasterIdLst>
   <p:sldIdLst>
     <p:sldId id="256" r:id="rId3"/>
@@ -30,33 +30,34 @@
     <p:sldId id="386" r:id="rId21"/>
     <p:sldId id="394" r:id="rId22"/>
     <p:sldId id="395" r:id="rId23"/>
-    <p:sldId id="396" r:id="rId24"/>
-    <p:sldId id="397" r:id="rId25"/>
-    <p:sldId id="398" r:id="rId26"/>
-    <p:sldId id="399" r:id="rId27"/>
-    <p:sldId id="400" r:id="rId28"/>
-    <p:sldId id="401" r:id="rId29"/>
-    <p:sldId id="402" r:id="rId30"/>
+    <p:sldId id="403" r:id="rId24"/>
+    <p:sldId id="396" r:id="rId25"/>
+    <p:sldId id="397" r:id="rId26"/>
+    <p:sldId id="398" r:id="rId27"/>
+    <p:sldId id="399" r:id="rId28"/>
+    <p:sldId id="400" r:id="rId29"/>
+    <p:sldId id="401" r:id="rId30"/>
+    <p:sldId id="402" r:id="rId31"/>
   </p:sldIdLst>
   <p:sldSz cx="9144000" cy="5143500" type="screen16x9"/>
   <p:notesSz cx="6858000" cy="9144000"/>
   <p:embeddedFontLst>
     <p:embeddedFont>
       <p:font typeface="Work Sans" panose="020B0604020202020204" charset="0"/>
-      <p:regular r:id="rId32"/>
-      <p:bold r:id="rId33"/>
+      <p:regular r:id="rId33"/>
+      <p:bold r:id="rId34"/>
+    </p:embeddedFont>
+    <p:embeddedFont>
+      <p:font typeface="Calibri" panose="020F0502020204030204" pitchFamily="34" charset="0"/>
+      <p:regular r:id="rId35"/>
+      <p:bold r:id="rId36"/>
+      <p:italic r:id="rId37"/>
+      <p:boldItalic r:id="rId38"/>
     </p:embeddedFont>
     <p:embeddedFont>
       <p:font typeface="Work Sans Light" panose="020B0604020202020204" charset="0"/>
-      <p:regular r:id="rId34"/>
-      <p:bold r:id="rId35"/>
-    </p:embeddedFont>
-    <p:embeddedFont>
-      <p:font typeface="Calibri" panose="020F0502020204030204" pitchFamily="34" charset="0"/>
-      <p:regular r:id="rId36"/>
-      <p:bold r:id="rId37"/>
-      <p:italic r:id="rId38"/>
-      <p:boldItalic r:id="rId39"/>
+      <p:regular r:id="rId39"/>
+      <p:bold r:id="rId40"/>
     </p:embeddedFont>
   </p:embeddedFontLst>
   <p:defaultTextStyle>
@@ -290,7 +291,7 @@
   </p:defaultTextStyle>
   <p:extLst>
     <p:ext uri="{EFAFB233-063F-42B5-8137-9DF3F51BA10A}">
-      <p15:sldGuideLst xmlns:p15="http://schemas.microsoft.com/office/powerpoint/2012/main" xmlns="">
+      <p15:sldGuideLst xmlns="" xmlns:p15="http://schemas.microsoft.com/office/powerpoint/2012/main">
         <p15:guide id="1" orient="horz" pos="1620">
           <p15:clr>
             <a:srgbClr val="A4A3A4"/>
@@ -24503,11 +24504,7 @@
             <a:pPr lvl="0"/>
             <a:r>
               <a:rPr lang="en-US" sz="2400" dirty="0" smtClean="0"/>
-              <a:t>Example </a:t>
-            </a:r>
-            <a:r>
-              <a:rPr lang="en-US" sz="2400" dirty="0" smtClean="0"/>
-              <a:t>2</a:t>
+              <a:t>Example 2</a:t>
             </a:r>
             <a:endParaRPr sz="2400" dirty="0"/>
           </a:p>
@@ -25391,11 +25388,7 @@
             <a:pPr lvl="0"/>
             <a:r>
               <a:rPr lang="en-US" sz="2400" dirty="0" smtClean="0"/>
-              <a:t>Example </a:t>
-            </a:r>
-            <a:r>
-              <a:rPr lang="en-US" sz="2400" dirty="0" smtClean="0"/>
-              <a:t>2</a:t>
+              <a:t>Example 2</a:t>
             </a:r>
             <a:endParaRPr sz="2400" dirty="0"/>
           </a:p>
@@ -26297,11 +26290,7 @@
             <a:pPr lvl="0"/>
             <a:r>
               <a:rPr lang="en-US" sz="2400" dirty="0" smtClean="0"/>
-              <a:t>Example </a:t>
-            </a:r>
-            <a:r>
-              <a:rPr lang="en-US" sz="2400" dirty="0" smtClean="0"/>
-              <a:t>3</a:t>
+              <a:t>Example 3</a:t>
             </a:r>
             <a:endParaRPr sz="2400" dirty="0"/>
           </a:p>
@@ -27068,11 +27057,7 @@
             <a:pPr lvl="0"/>
             <a:r>
               <a:rPr lang="en-US" sz="2400" dirty="0" smtClean="0"/>
-              <a:t>Example </a:t>
-            </a:r>
-            <a:r>
-              <a:rPr lang="en-US" sz="2400" dirty="0" smtClean="0"/>
-              <a:t>3</a:t>
+              <a:t>Example 3</a:t>
             </a:r>
             <a:endParaRPr sz="2400" dirty="0"/>
           </a:p>
@@ -31561,9 +31546,6 @@
               </a:rPr>
               <a:t>know about JavaBeans for the exam is the naming conventions listed in Table 4.5.</a:t>
             </a:r>
-            <a:endParaRPr lang="en-US" sz="1200" dirty="0">
-              <a:latin typeface="Work Sans Light" panose="020B0604020202020204" charset="0"/>
-            </a:endParaRPr>
           </a:p>
         </p:txBody>
       </p:sp>
@@ -31633,6 +31615,557 @@
   <p:cSld>
     <p:spTree>
       <p:nvGrpSpPr>
+        <p:cNvPr id="1" name=""/>
+        <p:cNvGrpSpPr/>
+        <p:nvPr/>
+      </p:nvGrpSpPr>
+      <p:grpSpPr>
+        <a:xfrm>
+          <a:off x="0" y="0"/>
+          <a:ext cx="0" cy="0"/>
+          <a:chOff x="0" y="0"/>
+          <a:chExt cx="0" cy="0"/>
+        </a:xfrm>
+      </p:grpSpPr>
+      <p:sp>
+        <p:nvSpPr>
+          <p:cNvPr id="2" name="Заголовок 1"/>
+          <p:cNvSpPr>
+            <a:spLocks noGrp="1"/>
+          </p:cNvSpPr>
+          <p:nvPr>
+            <p:ph type="title"/>
+          </p:nvPr>
+        </p:nvSpPr>
+        <p:spPr>
+          <a:xfrm>
+            <a:off x="630891" y="-285742"/>
+            <a:ext cx="5092200" cy="1360200"/>
+          </a:xfrm>
+        </p:spPr>
+        <p:txBody>
+          <a:bodyPr/>
+          <a:lstStyle/>
+          <a:p>
+            <a:r>
+              <a:rPr lang="en-US" b="0" dirty="0" smtClean="0"/>
+              <a:t>Java Beans</a:t>
+            </a:r>
+            <a:endParaRPr lang="ru-RU" b="0" dirty="0"/>
+          </a:p>
+        </p:txBody>
+      </p:sp>
+      <p:sp>
+        <p:nvSpPr>
+          <p:cNvPr id="3" name="Текст 2"/>
+          <p:cNvSpPr>
+            <a:spLocks noGrp="1"/>
+          </p:cNvSpPr>
+          <p:nvPr>
+            <p:ph type="body" idx="1"/>
+          </p:nvPr>
+        </p:nvSpPr>
+        <p:spPr>
+          <a:xfrm flipV="1">
+            <a:off x="225206" y="4985528"/>
+            <a:ext cx="3594600" cy="157972"/>
+          </a:xfrm>
+        </p:spPr>
+        <p:txBody>
+          <a:bodyPr/>
+          <a:lstStyle/>
+          <a:p>
+            <a:endParaRPr lang="ru-RU" dirty="0"/>
+          </a:p>
+        </p:txBody>
+      </p:sp>
+      <p:sp>
+        <p:nvSpPr>
+          <p:cNvPr id="4" name="Текст 3"/>
+          <p:cNvSpPr>
+            <a:spLocks noGrp="1"/>
+          </p:cNvSpPr>
+          <p:nvPr>
+            <p:ph type="body" idx="2"/>
+          </p:nvPr>
+        </p:nvSpPr>
+        <p:spPr>
+          <a:xfrm>
+            <a:off x="4776668" y="5075443"/>
+            <a:ext cx="3594600" cy="2133300"/>
+          </a:xfrm>
+        </p:spPr>
+        <p:txBody>
+          <a:bodyPr/>
+          <a:lstStyle/>
+          <a:p>
+            <a:endParaRPr lang="ru-RU" dirty="0"/>
+          </a:p>
+        </p:txBody>
+      </p:sp>
+      <p:sp>
+        <p:nvSpPr>
+          <p:cNvPr id="5" name="Номер слайда 4"/>
+          <p:cNvSpPr>
+            <a:spLocks noGrp="1"/>
+          </p:cNvSpPr>
+          <p:nvPr>
+            <p:ph type="sldNum" idx="12"/>
+          </p:nvPr>
+        </p:nvSpPr>
+        <p:spPr/>
+        <p:txBody>
+          <a:bodyPr/>
+          <a:lstStyle/>
+          <a:p>
+            <a:pPr marL="0" lvl="0" indent="0" algn="r" rtl="0">
+              <a:spcBef>
+                <a:spcPts val="0"/>
+              </a:spcBef>
+              <a:spcAft>
+                <a:spcPts val="0"/>
+              </a:spcAft>
+              <a:buNone/>
+            </a:pPr>
+            <a:fld id="{00000000-1234-1234-1234-123412341234}" type="slidenum">
+              <a:rPr lang="en" smtClean="0"/>
+              <a:t>22</a:t>
+            </a:fld>
+            <a:endParaRPr lang="en"/>
+          </a:p>
+        </p:txBody>
+      </p:sp>
+      <p:sp>
+        <p:nvSpPr>
+          <p:cNvPr id="6" name="Прямоугольник 5"/>
+          <p:cNvSpPr/>
+          <p:nvPr/>
+        </p:nvSpPr>
+        <p:spPr>
+          <a:xfrm>
+            <a:off x="618186" y="1094198"/>
+            <a:ext cx="7772400" cy="1200329"/>
+          </a:xfrm>
+          <a:prstGeom prst="rect">
+            <a:avLst/>
+          </a:prstGeom>
+        </p:spPr>
+        <p:txBody>
+          <a:bodyPr wrap="square">
+            <a:spAutoFit/>
+          </a:bodyPr>
+          <a:lstStyle/>
+          <a:p>
+            <a:r>
+              <a:rPr lang="en-US" sz="1200" dirty="0">
+                <a:latin typeface="Work Sans Light" panose="020B0604020202020204" charset="0"/>
+              </a:rPr>
+              <a:t>In computing based on the Java Platform, </a:t>
+            </a:r>
+            <a:r>
+              <a:rPr lang="en-US" sz="1200" b="1" dirty="0">
+                <a:latin typeface="Work Sans Light" panose="020B0604020202020204" charset="0"/>
+              </a:rPr>
+              <a:t>JavaBeans</a:t>
+            </a:r>
+            <a:r>
+              <a:rPr lang="en-US" sz="1200" dirty="0">
+                <a:latin typeface="Work Sans Light" panose="020B0604020202020204" charset="0"/>
+              </a:rPr>
+              <a:t> are classes that encapsulate many </a:t>
+            </a:r>
+            <a:r>
+              <a:rPr lang="en-US" sz="1200" dirty="0">
+                <a:latin typeface="Work Sans Light" panose="020B0604020202020204" charset="0"/>
+                <a:hlinkClick r:id="rId2" tooltip="Object (computer science)"/>
+              </a:rPr>
+              <a:t>objects</a:t>
+            </a:r>
+            <a:r>
+              <a:rPr lang="en-US" sz="1200" dirty="0">
+                <a:latin typeface="Work Sans Light" panose="020B0604020202020204" charset="0"/>
+              </a:rPr>
+              <a:t> into a single object (the bean). They are </a:t>
+            </a:r>
+            <a:r>
+              <a:rPr lang="en-US" sz="1200" dirty="0">
+                <a:latin typeface="Work Sans Light" panose="020B0604020202020204" charset="0"/>
+                <a:hlinkClick r:id="rId3" tooltip="Serialization"/>
+              </a:rPr>
+              <a:t>serializable</a:t>
+            </a:r>
+            <a:r>
+              <a:rPr lang="en-US" sz="1200" dirty="0">
+                <a:latin typeface="Work Sans Light" panose="020B0604020202020204" charset="0"/>
+              </a:rPr>
+              <a:t>, have a </a:t>
+            </a:r>
+            <a:r>
+              <a:rPr lang="en-US" sz="1200" dirty="0">
+                <a:latin typeface="Work Sans Light" panose="020B0604020202020204" charset="0"/>
+                <a:hlinkClick r:id="rId4" tooltip="Nullary constructor"/>
+              </a:rPr>
+              <a:t>zero-argument constructor</a:t>
+            </a:r>
+            <a:r>
+              <a:rPr lang="en-US" sz="1200" dirty="0">
+                <a:latin typeface="Work Sans Light" panose="020B0604020202020204" charset="0"/>
+              </a:rPr>
+              <a:t>, and allow access to properties using </a:t>
+            </a:r>
+            <a:r>
+              <a:rPr lang="en-US" sz="1200" dirty="0">
+                <a:latin typeface="Work Sans Light" panose="020B0604020202020204" charset="0"/>
+                <a:hlinkClick r:id="rId5" tooltip="Mutator method"/>
+              </a:rPr>
+              <a:t>getter and setter methods</a:t>
+            </a:r>
+            <a:r>
+              <a:rPr lang="en-US" sz="1200" dirty="0">
+                <a:latin typeface="Work Sans Light" panose="020B0604020202020204" charset="0"/>
+              </a:rPr>
+              <a:t>. The name "Bean" was given to encompass this standard, which aims to create </a:t>
+            </a:r>
+            <a:r>
+              <a:rPr lang="en-US" sz="1200" dirty="0">
+                <a:latin typeface="Work Sans Light" panose="020B0604020202020204" charset="0"/>
+                <a:hlinkClick r:id="rId6" tooltip="Code reuse"/>
+              </a:rPr>
+              <a:t>reusable</a:t>
+            </a:r>
+            <a:r>
+              <a:rPr lang="en-US" sz="1200" dirty="0">
+                <a:latin typeface="Work Sans Light" panose="020B0604020202020204" charset="0"/>
+              </a:rPr>
+              <a:t> </a:t>
+            </a:r>
+            <a:r>
+              <a:rPr lang="en-US" sz="1200" dirty="0">
+                <a:latin typeface="Work Sans Light" panose="020B0604020202020204" charset="0"/>
+                <a:hlinkClick r:id="rId7" tooltip="Component-based software engineering"/>
+              </a:rPr>
+              <a:t>software components</a:t>
+            </a:r>
+            <a:r>
+              <a:rPr lang="en-US" sz="1200" dirty="0">
+                <a:latin typeface="Work Sans Light" panose="020B0604020202020204" charset="0"/>
+              </a:rPr>
+              <a:t> for </a:t>
+            </a:r>
+            <a:r>
+              <a:rPr lang="en-US" sz="1200" dirty="0">
+                <a:latin typeface="Work Sans Light" panose="020B0604020202020204" charset="0"/>
+                <a:hlinkClick r:id="rId8" tooltip="Java (programming language)"/>
+              </a:rPr>
+              <a:t>Java</a:t>
+            </a:r>
+            <a:r>
+              <a:rPr lang="en-US" sz="1200" dirty="0">
+                <a:latin typeface="Work Sans Light" panose="020B0604020202020204" charset="0"/>
+              </a:rPr>
+              <a:t>. </a:t>
+            </a:r>
+          </a:p>
+          <a:p>
+            <a:r>
+              <a:rPr lang="en-US" sz="1200" dirty="0">
+                <a:latin typeface="Work Sans Light" panose="020B0604020202020204" charset="0"/>
+              </a:rPr>
+              <a:t>It is a reusable software component written in Java that can be manipulated visually in an application builder tool. </a:t>
+            </a:r>
+            <a:endParaRPr lang="en-US" sz="1200" dirty="0">
+              <a:effectLst/>
+              <a:latin typeface="Work Sans Light" panose="020B0604020202020204" charset="0"/>
+            </a:endParaRPr>
+          </a:p>
+        </p:txBody>
+      </p:sp>
+      <p:sp>
+        <p:nvSpPr>
+          <p:cNvPr id="7" name="Прямоугольник 6"/>
+          <p:cNvSpPr/>
+          <p:nvPr/>
+        </p:nvSpPr>
+        <p:spPr>
+          <a:xfrm>
+            <a:off x="618186" y="2191496"/>
+            <a:ext cx="7566339" cy="2492990"/>
+          </a:xfrm>
+          <a:prstGeom prst="rect">
+            <a:avLst/>
+          </a:prstGeom>
+        </p:spPr>
+        <p:txBody>
+          <a:bodyPr wrap="square">
+            <a:spAutoFit/>
+          </a:bodyPr>
+          <a:lstStyle/>
+          <a:p>
+            <a:r>
+              <a:rPr lang="en-US" sz="1200" dirty="0">
+                <a:latin typeface="Work Sans Light" panose="020B0604020202020204" charset="0"/>
+              </a:rPr>
+              <a:t>In order to function as a JavaBean </a:t>
+            </a:r>
+            <a:r>
+              <a:rPr lang="en-US" sz="1200" dirty="0">
+                <a:latin typeface="Work Sans Light" panose="020B0604020202020204" charset="0"/>
+                <a:hlinkClick r:id="rId9" tooltip="Class (computer science)"/>
+              </a:rPr>
+              <a:t>class</a:t>
+            </a:r>
+            <a:r>
+              <a:rPr lang="en-US" sz="1200" dirty="0">
+                <a:latin typeface="Work Sans Light" panose="020B0604020202020204" charset="0"/>
+              </a:rPr>
+              <a:t>, an object class must obey certain conventions about method naming, construction, and </a:t>
+            </a:r>
+            <a:r>
+              <a:rPr lang="en-US" sz="1200" dirty="0" err="1">
+                <a:latin typeface="Work Sans Light" panose="020B0604020202020204" charset="0"/>
+              </a:rPr>
+              <a:t>behaviour</a:t>
+            </a:r>
+            <a:r>
+              <a:rPr lang="en-US" sz="1200" dirty="0">
+                <a:latin typeface="Work Sans Light" panose="020B0604020202020204" charset="0"/>
+              </a:rPr>
+              <a:t>. These conventions make it possible to have tools that can use, reuse, replace, and connect Java Beans. </a:t>
+            </a:r>
+          </a:p>
+          <a:p>
+            <a:r>
+              <a:rPr lang="en-US" sz="1200" dirty="0">
+                <a:latin typeface="Work Sans Light" panose="020B0604020202020204" charset="0"/>
+              </a:rPr>
+              <a:t>The required conventions are as follows: </a:t>
+            </a:r>
+          </a:p>
+          <a:p>
+            <a:pPr marL="228600" indent="-228600">
+              <a:buFont typeface="+mj-lt"/>
+              <a:buAutoNum type="arabicPeriod"/>
+            </a:pPr>
+            <a:r>
+              <a:rPr lang="en-US" sz="1200" dirty="0">
+                <a:latin typeface="Work Sans Light" panose="020B0604020202020204" charset="0"/>
+              </a:rPr>
+              <a:t>The class must have a public </a:t>
+            </a:r>
+            <a:r>
+              <a:rPr lang="en-US" sz="1200" dirty="0">
+                <a:latin typeface="Work Sans Light" panose="020B0604020202020204" charset="0"/>
+                <a:hlinkClick r:id="rId10" tooltip="Default constructor"/>
+              </a:rPr>
+              <a:t>default constructor</a:t>
+            </a:r>
+            <a:r>
+              <a:rPr lang="en-US" sz="1200" dirty="0">
+                <a:latin typeface="Work Sans Light" panose="020B0604020202020204" charset="0"/>
+              </a:rPr>
+              <a:t> (with no arguments). This allows easy instantiation within editing and activation frameworks.</a:t>
+            </a:r>
+          </a:p>
+          <a:p>
+            <a:pPr marL="228600" indent="-228600">
+              <a:buFont typeface="+mj-lt"/>
+              <a:buAutoNum type="arabicPeriod"/>
+            </a:pPr>
+            <a:r>
+              <a:rPr lang="en-US" sz="1200" dirty="0">
+                <a:latin typeface="Work Sans Light" panose="020B0604020202020204" charset="0"/>
+              </a:rPr>
+              <a:t>The class </a:t>
+            </a:r>
+            <a:r>
+              <a:rPr lang="en-US" sz="1200" dirty="0">
+                <a:latin typeface="Work Sans Light" panose="020B0604020202020204" charset="0"/>
+                <a:hlinkClick r:id="rId11" tooltip="Property (programming)"/>
+              </a:rPr>
+              <a:t>properties</a:t>
+            </a:r>
+            <a:r>
+              <a:rPr lang="en-US" sz="1200" dirty="0">
+                <a:latin typeface="Work Sans Light" panose="020B0604020202020204" charset="0"/>
+              </a:rPr>
+              <a:t> must be accessible using </a:t>
+            </a:r>
+            <a:r>
+              <a:rPr lang="en-US" sz="1200" i="1" dirty="0">
+                <a:latin typeface="Work Sans Light" panose="020B0604020202020204" charset="0"/>
+              </a:rPr>
+              <a:t>get</a:t>
+            </a:r>
+            <a:r>
+              <a:rPr lang="en-US" sz="1200" dirty="0">
+                <a:latin typeface="Work Sans Light" panose="020B0604020202020204" charset="0"/>
+              </a:rPr>
+              <a:t>, </a:t>
+            </a:r>
+            <a:r>
+              <a:rPr lang="en-US" sz="1200" i="1" dirty="0">
+                <a:latin typeface="Work Sans Light" panose="020B0604020202020204" charset="0"/>
+              </a:rPr>
+              <a:t>set</a:t>
+            </a:r>
+            <a:r>
+              <a:rPr lang="en-US" sz="1200" dirty="0">
+                <a:latin typeface="Work Sans Light" panose="020B0604020202020204" charset="0"/>
+              </a:rPr>
+              <a:t>, </a:t>
+            </a:r>
+            <a:r>
+              <a:rPr lang="en-US" sz="1200" i="1" dirty="0">
+                <a:latin typeface="Work Sans Light" panose="020B0604020202020204" charset="0"/>
+              </a:rPr>
+              <a:t>is</a:t>
+            </a:r>
+            <a:r>
+              <a:rPr lang="en-US" sz="1200" dirty="0">
+                <a:latin typeface="Work Sans Light" panose="020B0604020202020204" charset="0"/>
+              </a:rPr>
+              <a:t> (can be used for </a:t>
+            </a:r>
+            <a:r>
+              <a:rPr lang="en-US" sz="1200" dirty="0" err="1">
+                <a:latin typeface="Work Sans Light" panose="020B0604020202020204" charset="0"/>
+              </a:rPr>
+              <a:t>boolean</a:t>
+            </a:r>
+            <a:r>
+              <a:rPr lang="en-US" sz="1200" dirty="0">
+                <a:latin typeface="Work Sans Light" panose="020B0604020202020204" charset="0"/>
+              </a:rPr>
+              <a:t> properties instead of get), </a:t>
+            </a:r>
+            <a:r>
+              <a:rPr lang="en-US" sz="1200" i="1" dirty="0">
+                <a:latin typeface="Work Sans Light" panose="020B0604020202020204" charset="0"/>
+              </a:rPr>
+              <a:t>to</a:t>
+            </a:r>
+            <a:r>
+              <a:rPr lang="en-US" sz="1200" dirty="0">
+                <a:latin typeface="Work Sans Light" panose="020B0604020202020204" charset="0"/>
+              </a:rPr>
+              <a:t> and other methods (so-called </a:t>
+            </a:r>
+            <a:r>
+              <a:rPr lang="en-US" sz="1200" dirty="0">
+                <a:latin typeface="Work Sans Light" panose="020B0604020202020204" charset="0"/>
+                <a:hlinkClick r:id="rId12" tooltip="Accessor"/>
+              </a:rPr>
+              <a:t>accessor methods</a:t>
+            </a:r>
+            <a:r>
+              <a:rPr lang="en-US" sz="1200" dirty="0">
+                <a:latin typeface="Work Sans Light" panose="020B0604020202020204" charset="0"/>
+              </a:rPr>
+              <a:t> and </a:t>
+            </a:r>
+            <a:r>
+              <a:rPr lang="en-US" sz="1200" dirty="0" err="1">
+                <a:latin typeface="Work Sans Light" panose="020B0604020202020204" charset="0"/>
+                <a:hlinkClick r:id="rId5" tooltip="Mutator method"/>
+              </a:rPr>
+              <a:t>mutator</a:t>
+            </a:r>
+            <a:r>
+              <a:rPr lang="en-US" sz="1200" dirty="0">
+                <a:latin typeface="Work Sans Light" panose="020B0604020202020204" charset="0"/>
+                <a:hlinkClick r:id="rId5" tooltip="Mutator method"/>
+              </a:rPr>
+              <a:t> methods</a:t>
+            </a:r>
+            <a:r>
+              <a:rPr lang="en-US" sz="1200" dirty="0">
+                <a:latin typeface="Work Sans Light" panose="020B0604020202020204" charset="0"/>
+              </a:rPr>
+              <a:t>) according to a standard </a:t>
+            </a:r>
+            <a:r>
+              <a:rPr lang="en-US" sz="1200" dirty="0">
+                <a:latin typeface="Work Sans Light" panose="020B0604020202020204" charset="0"/>
+                <a:hlinkClick r:id="rId13" tooltip="Naming conventions (programming)"/>
+              </a:rPr>
+              <a:t>naming convention</a:t>
+            </a:r>
+            <a:r>
+              <a:rPr lang="en-US" sz="1200" dirty="0">
+                <a:latin typeface="Work Sans Light" panose="020B0604020202020204" charset="0"/>
+              </a:rPr>
+              <a:t>. This allows easy automated inspection and updating of bean state within frameworks, many of which include custom editors for various types of properties. Setters can have one or more than one argument.</a:t>
+            </a:r>
+          </a:p>
+          <a:p>
+            <a:pPr marL="228600" indent="-228600">
+              <a:buFont typeface="+mj-lt"/>
+              <a:buAutoNum type="arabicPeriod"/>
+            </a:pPr>
+            <a:r>
+              <a:rPr lang="en-US" sz="1200" dirty="0">
+                <a:latin typeface="Work Sans Light" panose="020B0604020202020204" charset="0"/>
+              </a:rPr>
+              <a:t>The class should be </a:t>
+            </a:r>
+            <a:r>
+              <a:rPr lang="en-US" sz="1200" dirty="0">
+                <a:latin typeface="Work Sans Light" panose="020B0604020202020204" charset="0"/>
+                <a:hlinkClick r:id="rId14" tooltip="Serialization"/>
+              </a:rPr>
+              <a:t>serializable</a:t>
+            </a:r>
+            <a:r>
+              <a:rPr lang="en-US" sz="1200" dirty="0">
+                <a:latin typeface="Work Sans Light" panose="020B0604020202020204" charset="0"/>
+              </a:rPr>
+              <a:t>. (This allows applications and frameworks to reliably save, store, and restore the bean's state in a manner independent of the </a:t>
+            </a:r>
+            <a:r>
+              <a:rPr lang="en-US" sz="1200" dirty="0">
+                <a:latin typeface="Work Sans Light" panose="020B0604020202020204" charset="0"/>
+                <a:hlinkClick r:id="rId15" tooltip="Virtual machine"/>
+              </a:rPr>
+              <a:t>VM</a:t>
+            </a:r>
+            <a:r>
+              <a:rPr lang="en-US" sz="1200" dirty="0">
+                <a:latin typeface="Work Sans Light" panose="020B0604020202020204" charset="0"/>
+              </a:rPr>
+              <a:t> and of the platform.)</a:t>
+            </a:r>
+            <a:endParaRPr lang="en-US" sz="1200" dirty="0">
+              <a:effectLst/>
+              <a:latin typeface="Work Sans Light" panose="020B0604020202020204" charset="0"/>
+            </a:endParaRPr>
+          </a:p>
+        </p:txBody>
+      </p:sp>
+    </p:spTree>
+    <p:extLst>
+      <p:ext uri="{BB962C8B-B14F-4D97-AF65-F5344CB8AC3E}">
+        <p14:creationId xmlns:p14="http://schemas.microsoft.com/office/powerpoint/2010/main" val="1712160787"/>
+      </p:ext>
+    </p:extLst>
+  </p:cSld>
+  <p:clrMapOvr>
+    <a:masterClrMapping/>
+  </p:clrMapOvr>
+  <p:timing>
+    <p:tnLst>
+      <p:par>
+        <p:cTn id="1" dur="indefinite" restart="never" nodeType="tmRoot"/>
+      </p:par>
+    </p:tnLst>
+  </p:timing>
+</p:sld>
+</file>
+
+<file path=ppt/slides/slide23.xml><?xml version="1.0" encoding="utf-8"?>
+<p:sld xmlns:a="http://schemas.openxmlformats.org/drawingml/2006/main" xmlns:r="http://schemas.openxmlformats.org/officeDocument/2006/relationships" xmlns:p="http://schemas.openxmlformats.org/presentationml/2006/main">
+  <p:cSld>
+    <p:spTree>
+      <p:nvGrpSpPr>
         <p:cNvPr id="1" name="Shape 424"/>
         <p:cNvGrpSpPr/>
         <p:nvPr/>
@@ -32283,7 +32816,7 @@
                 <a:cs typeface="Work Sans"/>
                 <a:sym typeface="Work Sans"/>
               </a:rPr>
-              <a:t>22</a:t>
+              <a:t>23</a:t>
             </a:fld>
             <a:endParaRPr sz="1300" b="1" i="0" u="none" strike="noStrike" cap="none">
               <a:solidFill>
@@ -32504,9 +33037,6 @@
               </a:rPr>
               <a:t>(String n) { name = n; }</a:t>
             </a:r>
-            <a:endParaRPr lang="en-US" dirty="0">
-              <a:latin typeface="Work Sans Light" panose="020B0604020202020204" charset="0"/>
-            </a:endParaRPr>
           </a:p>
         </p:txBody>
       </p:sp>
@@ -32930,862 +33460,6 @@
 </p:sld>
 </file>
 
-<file path=ppt/slides/slide23.xml><?xml version="1.0" encoding="utf-8"?>
-<p:sld xmlns:a="http://schemas.openxmlformats.org/drawingml/2006/main" xmlns:r="http://schemas.openxmlformats.org/officeDocument/2006/relationships" xmlns:p="http://schemas.openxmlformats.org/presentationml/2006/main">
-  <p:cSld>
-    <p:spTree>
-      <p:nvGrpSpPr>
-        <p:cNvPr id="1" name="Shape 424"/>
-        <p:cNvGrpSpPr/>
-        <p:nvPr/>
-      </p:nvGrpSpPr>
-      <p:grpSpPr>
-        <a:xfrm>
-          <a:off x="0" y="0"/>
-          <a:ext cx="0" cy="0"/>
-          <a:chOff x="0" y="0"/>
-          <a:chExt cx="0" cy="0"/>
-        </a:xfrm>
-      </p:grpSpPr>
-      <p:sp>
-        <p:nvSpPr>
-          <p:cNvPr id="425" name="Google Shape;425;p51"/>
-          <p:cNvSpPr txBox="1">
-            <a:spLocks noGrp="1"/>
-          </p:cNvSpPr>
-          <p:nvPr>
-            <p:ph type="body" idx="1"/>
-          </p:nvPr>
-        </p:nvSpPr>
-        <p:spPr>
-          <a:xfrm>
-            <a:off x="471326" y="642996"/>
-            <a:ext cx="7244400" cy="2077500"/>
-          </a:xfrm>
-          <a:prstGeom prst="rect">
-            <a:avLst/>
-          </a:prstGeom>
-          <a:noFill/>
-          <a:ln>
-            <a:noFill/>
-          </a:ln>
-        </p:spPr>
-        <p:txBody>
-          <a:bodyPr spcFirstLastPara="1" wrap="square" lIns="91425" tIns="91425" rIns="91425" bIns="91425" anchor="t" anchorCtr="0">
-            <a:noAutofit/>
-          </a:bodyPr>
-          <a:lstStyle/>
-          <a:p>
-            <a:pPr marL="127000" marR="0" lvl="0" indent="0" algn="l" rtl="0">
-              <a:lnSpc>
-                <a:spcPct val="100000"/>
-              </a:lnSpc>
-              <a:spcBef>
-                <a:spcPts val="600"/>
-              </a:spcBef>
-              <a:spcAft>
-                <a:spcPts val="0"/>
-              </a:spcAft>
-              <a:buClr>
-                <a:schemeClr val="dk1"/>
-              </a:buClr>
-              <a:buSzPts val="1100"/>
-              <a:buFont typeface="Arial"/>
-              <a:buNone/>
-            </a:pPr>
-            <a:endParaRPr sz="1400" dirty="0" smtClean="0">
-              <a:solidFill>
-                <a:srgbClr val="000000"/>
-              </a:solidFill>
-              <a:highlight>
-                <a:srgbClr val="FFFFFF"/>
-              </a:highlight>
-              <a:latin typeface="Arial"/>
-              <a:ea typeface="Arial"/>
-              <a:cs typeface="Arial"/>
-              <a:sym typeface="Arial"/>
-            </a:endParaRPr>
-          </a:p>
-          <a:p>
-            <a:pPr marL="127000" marR="0" lvl="0" indent="0" algn="l" rtl="0">
-              <a:lnSpc>
-                <a:spcPct val="100000"/>
-              </a:lnSpc>
-              <a:spcBef>
-                <a:spcPts val="600"/>
-              </a:spcBef>
-              <a:spcAft>
-                <a:spcPts val="0"/>
-              </a:spcAft>
-              <a:buClr>
-                <a:schemeClr val="dk1"/>
-              </a:buClr>
-              <a:buSzPts val="1100"/>
-              <a:buFont typeface="Arial"/>
-              <a:buNone/>
-            </a:pPr>
-            <a:endParaRPr sz="1400" dirty="0">
-              <a:solidFill>
-                <a:srgbClr val="000000"/>
-              </a:solidFill>
-              <a:highlight>
-                <a:srgbClr val="FFFFFF"/>
-              </a:highlight>
-              <a:latin typeface="Arial"/>
-              <a:ea typeface="Arial"/>
-              <a:cs typeface="Arial"/>
-              <a:sym typeface="Arial"/>
-            </a:endParaRPr>
-          </a:p>
-          <a:p>
-            <a:pPr marL="127000" marR="0" lvl="0" indent="0" algn="l" rtl="0">
-              <a:lnSpc>
-                <a:spcPct val="100000"/>
-              </a:lnSpc>
-              <a:spcBef>
-                <a:spcPts val="600"/>
-              </a:spcBef>
-              <a:spcAft>
-                <a:spcPts val="0"/>
-              </a:spcAft>
-              <a:buClr>
-                <a:schemeClr val="dk1"/>
-              </a:buClr>
-              <a:buSzPts val="1100"/>
-              <a:buFont typeface="Arial"/>
-              <a:buNone/>
-            </a:pPr>
-            <a:endParaRPr sz="1400" dirty="0">
-              <a:solidFill>
-                <a:srgbClr val="000000"/>
-              </a:solidFill>
-              <a:highlight>
-                <a:srgbClr val="FFFFFF"/>
-              </a:highlight>
-              <a:latin typeface="Arial"/>
-              <a:ea typeface="Arial"/>
-              <a:cs typeface="Arial"/>
-              <a:sym typeface="Arial"/>
-            </a:endParaRPr>
-          </a:p>
-          <a:p>
-            <a:pPr marL="127000" marR="0" lvl="0" indent="0" algn="l" rtl="0">
-              <a:lnSpc>
-                <a:spcPct val="100000"/>
-              </a:lnSpc>
-              <a:spcBef>
-                <a:spcPts val="600"/>
-              </a:spcBef>
-              <a:spcAft>
-                <a:spcPts val="0"/>
-              </a:spcAft>
-              <a:buClr>
-                <a:schemeClr val="dk1"/>
-              </a:buClr>
-              <a:buSzPts val="1100"/>
-              <a:buFont typeface="Arial"/>
-              <a:buNone/>
-            </a:pPr>
-            <a:endParaRPr sz="1400" b="1" dirty="0" smtClean="0">
-              <a:solidFill>
-                <a:srgbClr val="000000"/>
-              </a:solidFill>
-              <a:highlight>
-                <a:srgbClr val="FFFFFF"/>
-              </a:highlight>
-              <a:latin typeface="Courier New"/>
-              <a:ea typeface="Courier New"/>
-              <a:cs typeface="Courier New"/>
-              <a:sym typeface="Courier New"/>
-            </a:endParaRPr>
-          </a:p>
-          <a:p>
-            <a:pPr marL="127000" marR="0" lvl="0" indent="0" algn="l" rtl="0">
-              <a:lnSpc>
-                <a:spcPct val="100000"/>
-              </a:lnSpc>
-              <a:spcBef>
-                <a:spcPts val="600"/>
-              </a:spcBef>
-              <a:spcAft>
-                <a:spcPts val="0"/>
-              </a:spcAft>
-              <a:buClr>
-                <a:schemeClr val="dk1"/>
-              </a:buClr>
-              <a:buSzPts val="1100"/>
-              <a:buFont typeface="Arial"/>
-              <a:buNone/>
-            </a:pPr>
-            <a:endParaRPr sz="1400" b="1" dirty="0">
-              <a:solidFill>
-                <a:srgbClr val="000000"/>
-              </a:solidFill>
-              <a:highlight>
-                <a:srgbClr val="FFFFFF"/>
-              </a:highlight>
-              <a:latin typeface="Courier New"/>
-              <a:ea typeface="Courier New"/>
-              <a:cs typeface="Courier New"/>
-              <a:sym typeface="Courier New"/>
-            </a:endParaRPr>
-          </a:p>
-          <a:p>
-            <a:pPr marL="127000" marR="0" lvl="0" indent="0" algn="l" rtl="0">
-              <a:lnSpc>
-                <a:spcPct val="100000"/>
-              </a:lnSpc>
-              <a:spcBef>
-                <a:spcPts val="600"/>
-              </a:spcBef>
-              <a:spcAft>
-                <a:spcPts val="0"/>
-              </a:spcAft>
-              <a:buClr>
-                <a:schemeClr val="dk1"/>
-              </a:buClr>
-              <a:buSzPts val="1100"/>
-              <a:buFont typeface="Arial"/>
-              <a:buNone/>
-            </a:pPr>
-            <a:endParaRPr sz="1400" dirty="0">
-              <a:solidFill>
-                <a:srgbClr val="000000"/>
-              </a:solidFill>
-              <a:highlight>
-                <a:srgbClr val="FFFFFF"/>
-              </a:highlight>
-              <a:latin typeface="Arial"/>
-              <a:ea typeface="Arial"/>
-              <a:cs typeface="Arial"/>
-              <a:sym typeface="Arial"/>
-            </a:endParaRPr>
-          </a:p>
-          <a:p>
-            <a:pPr marL="127000" marR="0" lvl="0" indent="0" algn="l" rtl="0">
-              <a:lnSpc>
-                <a:spcPct val="100000"/>
-              </a:lnSpc>
-              <a:spcBef>
-                <a:spcPts val="600"/>
-              </a:spcBef>
-              <a:spcAft>
-                <a:spcPts val="0"/>
-              </a:spcAft>
-              <a:buClr>
-                <a:schemeClr val="dk1"/>
-              </a:buClr>
-              <a:buSzPts val="1100"/>
-              <a:buFont typeface="Arial"/>
-              <a:buNone/>
-            </a:pPr>
-            <a:endParaRPr sz="1400" b="1" dirty="0">
-              <a:solidFill>
-                <a:srgbClr val="000000"/>
-              </a:solidFill>
-              <a:highlight>
-                <a:srgbClr val="FFFFFF"/>
-              </a:highlight>
-              <a:latin typeface="Courier New"/>
-              <a:ea typeface="Courier New"/>
-              <a:cs typeface="Courier New"/>
-              <a:sym typeface="Courier New"/>
-            </a:endParaRPr>
-          </a:p>
-          <a:p>
-            <a:pPr marL="127000" marR="0" lvl="0" indent="0" algn="l" rtl="0">
-              <a:lnSpc>
-                <a:spcPct val="100000"/>
-              </a:lnSpc>
-              <a:spcBef>
-                <a:spcPts val="600"/>
-              </a:spcBef>
-              <a:spcAft>
-                <a:spcPts val="0"/>
-              </a:spcAft>
-              <a:buClr>
-                <a:schemeClr val="dk1"/>
-              </a:buClr>
-              <a:buSzPts val="1100"/>
-              <a:buFont typeface="Arial"/>
-              <a:buNone/>
-            </a:pPr>
-            <a:endParaRPr sz="1400" dirty="0">
-              <a:solidFill>
-                <a:srgbClr val="000000"/>
-              </a:solidFill>
-              <a:highlight>
-                <a:srgbClr val="FFFFFF"/>
-              </a:highlight>
-              <a:latin typeface="Arial"/>
-              <a:ea typeface="Arial"/>
-              <a:cs typeface="Arial"/>
-              <a:sym typeface="Arial"/>
-            </a:endParaRPr>
-          </a:p>
-          <a:p>
-            <a:pPr marL="127000" marR="0" lvl="0" indent="0" algn="l" rtl="0">
-              <a:lnSpc>
-                <a:spcPct val="100000"/>
-              </a:lnSpc>
-              <a:spcBef>
-                <a:spcPts val="600"/>
-              </a:spcBef>
-              <a:spcAft>
-                <a:spcPts val="0"/>
-              </a:spcAft>
-              <a:buClr>
-                <a:schemeClr val="dk1"/>
-              </a:buClr>
-              <a:buSzPts val="1100"/>
-              <a:buFont typeface="Arial"/>
-              <a:buNone/>
-            </a:pPr>
-            <a:endParaRPr sz="1400" b="1" dirty="0">
-              <a:solidFill>
-                <a:srgbClr val="000000"/>
-              </a:solidFill>
-              <a:highlight>
-                <a:srgbClr val="FFFFFF"/>
-              </a:highlight>
-              <a:latin typeface="Courier New"/>
-              <a:ea typeface="Courier New"/>
-              <a:cs typeface="Courier New"/>
-              <a:sym typeface="Courier New"/>
-            </a:endParaRPr>
-          </a:p>
-          <a:p>
-            <a:pPr marL="127000" marR="0" lvl="0" indent="0" algn="l" rtl="0">
-              <a:lnSpc>
-                <a:spcPct val="100000"/>
-              </a:lnSpc>
-              <a:spcBef>
-                <a:spcPts val="600"/>
-              </a:spcBef>
-              <a:spcAft>
-                <a:spcPts val="0"/>
-              </a:spcAft>
-              <a:buClr>
-                <a:schemeClr val="dk1"/>
-              </a:buClr>
-              <a:buSzPts val="1100"/>
-              <a:buFont typeface="Arial"/>
-              <a:buNone/>
-            </a:pPr>
-            <a:endParaRPr sz="1400" b="1" dirty="0">
-              <a:solidFill>
-                <a:srgbClr val="000000"/>
-              </a:solidFill>
-              <a:highlight>
-                <a:srgbClr val="FFFFFF"/>
-              </a:highlight>
-              <a:latin typeface="Courier New"/>
-              <a:ea typeface="Courier New"/>
-              <a:cs typeface="Courier New"/>
-              <a:sym typeface="Courier New"/>
-            </a:endParaRPr>
-          </a:p>
-          <a:p>
-            <a:pPr marL="127000" marR="0" lvl="0" indent="0" algn="l" rtl="0">
-              <a:lnSpc>
-                <a:spcPct val="100000"/>
-              </a:lnSpc>
-              <a:spcBef>
-                <a:spcPts val="600"/>
-              </a:spcBef>
-              <a:spcAft>
-                <a:spcPts val="0"/>
-              </a:spcAft>
-              <a:buClr>
-                <a:schemeClr val="dk1"/>
-              </a:buClr>
-              <a:buSzPts val="1100"/>
-              <a:buFont typeface="Arial"/>
-              <a:buNone/>
-            </a:pPr>
-            <a:endParaRPr sz="1400" b="1" dirty="0">
-              <a:solidFill>
-                <a:srgbClr val="000000"/>
-              </a:solidFill>
-              <a:highlight>
-                <a:srgbClr val="FFFFFF"/>
-              </a:highlight>
-              <a:latin typeface="Courier New"/>
-              <a:ea typeface="Courier New"/>
-              <a:cs typeface="Courier New"/>
-              <a:sym typeface="Courier New"/>
-            </a:endParaRPr>
-          </a:p>
-          <a:p>
-            <a:pPr marL="127000" marR="0" lvl="0" indent="0" algn="l" rtl="0">
-              <a:lnSpc>
-                <a:spcPct val="100000"/>
-              </a:lnSpc>
-              <a:spcBef>
-                <a:spcPts val="600"/>
-              </a:spcBef>
-              <a:spcAft>
-                <a:spcPts val="0"/>
-              </a:spcAft>
-              <a:buClr>
-                <a:schemeClr val="dk1"/>
-              </a:buClr>
-              <a:buSzPts val="1100"/>
-              <a:buFont typeface="Arial"/>
-              <a:buNone/>
-            </a:pPr>
-            <a:endParaRPr sz="1400" b="1" dirty="0">
-              <a:solidFill>
-                <a:srgbClr val="000000"/>
-              </a:solidFill>
-              <a:highlight>
-                <a:srgbClr val="FFFFFF"/>
-              </a:highlight>
-              <a:latin typeface="Courier New"/>
-              <a:ea typeface="Courier New"/>
-              <a:cs typeface="Courier New"/>
-              <a:sym typeface="Courier New"/>
-            </a:endParaRPr>
-          </a:p>
-          <a:p>
-            <a:pPr marL="127000" marR="0" lvl="0" indent="0" algn="l" rtl="0">
-              <a:lnSpc>
-                <a:spcPct val="100000"/>
-              </a:lnSpc>
-              <a:spcBef>
-                <a:spcPts val="600"/>
-              </a:spcBef>
-              <a:spcAft>
-                <a:spcPts val="0"/>
-              </a:spcAft>
-              <a:buClr>
-                <a:schemeClr val="dk1"/>
-              </a:buClr>
-              <a:buSzPts val="1100"/>
-              <a:buFont typeface="Arial"/>
-              <a:buNone/>
-            </a:pPr>
-            <a:endParaRPr sz="1400" dirty="0">
-              <a:solidFill>
-                <a:srgbClr val="000000"/>
-              </a:solidFill>
-              <a:highlight>
-                <a:srgbClr val="FFFFFF"/>
-              </a:highlight>
-              <a:latin typeface="Arial"/>
-              <a:ea typeface="Arial"/>
-              <a:cs typeface="Arial"/>
-              <a:sym typeface="Arial"/>
-            </a:endParaRPr>
-          </a:p>
-          <a:p>
-            <a:pPr marL="127000" marR="0" lvl="0" indent="0" algn="l" rtl="0">
-              <a:lnSpc>
-                <a:spcPct val="100000"/>
-              </a:lnSpc>
-              <a:spcBef>
-                <a:spcPts val="600"/>
-              </a:spcBef>
-              <a:spcAft>
-                <a:spcPts val="0"/>
-              </a:spcAft>
-              <a:buClr>
-                <a:schemeClr val="dk1"/>
-              </a:buClr>
-              <a:buSzPts val="1100"/>
-              <a:buFont typeface="Arial"/>
-              <a:buNone/>
-            </a:pPr>
-            <a:endParaRPr sz="1400" dirty="0">
-              <a:solidFill>
-                <a:srgbClr val="000000"/>
-              </a:solidFill>
-              <a:highlight>
-                <a:srgbClr val="FFFFFF"/>
-              </a:highlight>
-              <a:latin typeface="Arial"/>
-              <a:ea typeface="Arial"/>
-              <a:cs typeface="Arial"/>
-              <a:sym typeface="Arial"/>
-            </a:endParaRPr>
-          </a:p>
-          <a:p>
-            <a:pPr marL="127000" marR="0" lvl="0" indent="0" algn="l" rtl="0">
-              <a:lnSpc>
-                <a:spcPct val="100000"/>
-              </a:lnSpc>
-              <a:spcBef>
-                <a:spcPts val="600"/>
-              </a:spcBef>
-              <a:spcAft>
-                <a:spcPts val="0"/>
-              </a:spcAft>
-              <a:buClr>
-                <a:schemeClr val="dk1"/>
-              </a:buClr>
-              <a:buSzPts val="1100"/>
-              <a:buFont typeface="Arial"/>
-              <a:buNone/>
-            </a:pPr>
-            <a:endParaRPr sz="1400" dirty="0">
-              <a:solidFill>
-                <a:srgbClr val="000000"/>
-              </a:solidFill>
-              <a:highlight>
-                <a:srgbClr val="FFFFFF"/>
-              </a:highlight>
-              <a:latin typeface="Arial"/>
-              <a:ea typeface="Arial"/>
-              <a:cs typeface="Arial"/>
-              <a:sym typeface="Arial"/>
-            </a:endParaRPr>
-          </a:p>
-          <a:p>
-            <a:pPr marL="127000" marR="0" lvl="0" indent="0" algn="l" rtl="0">
-              <a:lnSpc>
-                <a:spcPct val="100000"/>
-              </a:lnSpc>
-              <a:spcBef>
-                <a:spcPts val="600"/>
-              </a:spcBef>
-              <a:spcAft>
-                <a:spcPts val="0"/>
-              </a:spcAft>
-              <a:buClr>
-                <a:schemeClr val="dk1"/>
-              </a:buClr>
-              <a:buSzPts val="1100"/>
-              <a:buFont typeface="Arial"/>
-              <a:buNone/>
-            </a:pPr>
-            <a:endParaRPr sz="1800" dirty="0">
-              <a:solidFill>
-                <a:srgbClr val="000000"/>
-              </a:solidFill>
-              <a:highlight>
-                <a:srgbClr val="FFFFFF"/>
-              </a:highlight>
-              <a:latin typeface="Arial"/>
-              <a:ea typeface="Arial"/>
-              <a:cs typeface="Arial"/>
-              <a:sym typeface="Arial"/>
-            </a:endParaRPr>
-          </a:p>
-          <a:p>
-            <a:pPr marL="0" marR="0" lvl="0" indent="0" algn="l" rtl="0">
-              <a:lnSpc>
-                <a:spcPct val="100000"/>
-              </a:lnSpc>
-              <a:spcBef>
-                <a:spcPts val="600"/>
-              </a:spcBef>
-              <a:spcAft>
-                <a:spcPts val="0"/>
-              </a:spcAft>
-              <a:buClr>
-                <a:schemeClr val="dk1"/>
-              </a:buClr>
-              <a:buSzPts val="800"/>
-              <a:buFont typeface="Arial"/>
-              <a:buNone/>
-            </a:pPr>
-            <a:endParaRPr sz="1050" dirty="0">
-              <a:solidFill>
-                <a:srgbClr val="000000"/>
-              </a:solidFill>
-              <a:highlight>
-                <a:srgbClr val="FFFFFF"/>
-              </a:highlight>
-              <a:latin typeface="Arial"/>
-              <a:ea typeface="Arial"/>
-              <a:cs typeface="Arial"/>
-              <a:sym typeface="Arial"/>
-            </a:endParaRPr>
-          </a:p>
-          <a:p>
-            <a:pPr marL="127000" marR="0" lvl="0" indent="0" algn="l" rtl="0">
-              <a:lnSpc>
-                <a:spcPct val="100000"/>
-              </a:lnSpc>
-              <a:spcBef>
-                <a:spcPts val="600"/>
-              </a:spcBef>
-              <a:spcAft>
-                <a:spcPts val="0"/>
-              </a:spcAft>
-              <a:buClr>
-                <a:schemeClr val="dk1"/>
-              </a:buClr>
-              <a:buSzPts val="1200"/>
-              <a:buFont typeface="Work Sans Light"/>
-              <a:buNone/>
-            </a:pPr>
-            <a:endParaRPr dirty="0">
-              <a:latin typeface="Work Sans"/>
-              <a:ea typeface="Work Sans"/>
-              <a:cs typeface="Work Sans"/>
-              <a:sym typeface="Work Sans"/>
-            </a:endParaRPr>
-          </a:p>
-        </p:txBody>
-      </p:sp>
-      <p:sp>
-        <p:nvSpPr>
-          <p:cNvPr id="430" name="Google Shape;430;p51"/>
-          <p:cNvSpPr txBox="1">
-            <a:spLocks noGrp="1"/>
-          </p:cNvSpPr>
-          <p:nvPr>
-            <p:ph type="sldNum" idx="12"/>
-          </p:nvPr>
-        </p:nvSpPr>
-        <p:spPr>
-          <a:xfrm>
-            <a:off x="8159499" y="4393278"/>
-            <a:ext cx="548700" cy="393600"/>
-          </a:xfrm>
-          <a:prstGeom prst="rect">
-            <a:avLst/>
-          </a:prstGeom>
-          <a:noFill/>
-          <a:ln>
-            <a:noFill/>
-          </a:ln>
-        </p:spPr>
-        <p:txBody>
-          <a:bodyPr spcFirstLastPara="1" wrap="square" lIns="91425" tIns="91425" rIns="91425" bIns="91425" anchor="ctr" anchorCtr="0">
-            <a:noAutofit/>
-          </a:bodyPr>
-          <a:lstStyle/>
-          <a:p>
-            <a:pPr marL="0" marR="0" lvl="0" indent="0" algn="r" rtl="0">
-              <a:lnSpc>
-                <a:spcPct val="100000"/>
-              </a:lnSpc>
-              <a:spcBef>
-                <a:spcPts val="0"/>
-              </a:spcBef>
-              <a:spcAft>
-                <a:spcPts val="0"/>
-              </a:spcAft>
-              <a:buClr>
-                <a:srgbClr val="000000"/>
-              </a:buClr>
-              <a:buSzPts val="1300"/>
-              <a:buFont typeface="Arial"/>
-              <a:buNone/>
-            </a:pPr>
-            <a:fld id="{00000000-1234-1234-1234-123412341234}" type="slidenum">
-              <a:rPr lang="en" sz="1300" b="1" i="0" u="none" strike="noStrike" cap="none">
-                <a:solidFill>
-                  <a:schemeClr val="dk1"/>
-                </a:solidFill>
-                <a:latin typeface="Work Sans"/>
-                <a:ea typeface="Work Sans"/>
-                <a:cs typeface="Work Sans"/>
-                <a:sym typeface="Work Sans"/>
-              </a:rPr>
-              <a:t>23</a:t>
-            </a:fld>
-            <a:endParaRPr sz="1300" b="1" i="0" u="none" strike="noStrike" cap="none">
-              <a:solidFill>
-                <a:schemeClr val="dk1"/>
-              </a:solidFill>
-              <a:latin typeface="Work Sans"/>
-              <a:ea typeface="Work Sans"/>
-              <a:cs typeface="Work Sans"/>
-              <a:sym typeface="Work Sans"/>
-            </a:endParaRPr>
-          </a:p>
-        </p:txBody>
-      </p:sp>
-      <p:sp>
-        <p:nvSpPr>
-          <p:cNvPr id="431" name="Google Shape;431;p51"/>
-          <p:cNvSpPr txBox="1">
-            <a:spLocks noGrp="1"/>
-          </p:cNvSpPr>
-          <p:nvPr>
-            <p:ph type="title"/>
-          </p:nvPr>
-        </p:nvSpPr>
-        <p:spPr>
-          <a:xfrm>
-            <a:off x="584368" y="62736"/>
-            <a:ext cx="7290300" cy="903300"/>
-          </a:xfrm>
-          <a:prstGeom prst="rect">
-            <a:avLst/>
-          </a:prstGeom>
-          <a:noFill/>
-          <a:ln>
-            <a:noFill/>
-          </a:ln>
-        </p:spPr>
-        <p:txBody>
-          <a:bodyPr spcFirstLastPara="1" wrap="square" lIns="91425" tIns="91425" rIns="91425" bIns="91425" anchor="b" anchorCtr="0">
-            <a:noAutofit/>
-          </a:bodyPr>
-          <a:lstStyle/>
-          <a:p>
-            <a:pPr lvl="0"/>
-            <a:r>
-              <a:rPr lang="en-US" sz="2400" b="0" dirty="0"/>
-              <a:t>Creating Immutable Classes</a:t>
-            </a:r>
-            <a:endParaRPr sz="2400" b="0" dirty="0"/>
-          </a:p>
-        </p:txBody>
-      </p:sp>
-      <p:sp>
-        <p:nvSpPr>
-          <p:cNvPr id="2" name="Прямоугольник 1"/>
-          <p:cNvSpPr/>
-          <p:nvPr/>
-        </p:nvSpPr>
-        <p:spPr>
-          <a:xfrm>
-            <a:off x="420398" y="655926"/>
-            <a:ext cx="7654360" cy="3262432"/>
-          </a:xfrm>
-          <a:prstGeom prst="rect">
-            <a:avLst/>
-          </a:prstGeom>
-        </p:spPr>
-        <p:txBody>
-          <a:bodyPr wrap="square">
-            <a:spAutoFit/>
-          </a:bodyPr>
-          <a:lstStyle/>
-          <a:p>
-            <a:endParaRPr lang="en-US" dirty="0" smtClean="0">
-              <a:latin typeface="Work Sans Light" panose="020B0604020202020204" charset="0"/>
-            </a:endParaRPr>
-          </a:p>
-          <a:p>
-            <a:endParaRPr lang="en-US" sz="1600" dirty="0">
-              <a:latin typeface="Work Sans Light" panose="020B0604020202020204" charset="0"/>
-            </a:endParaRPr>
-          </a:p>
-          <a:p>
-            <a:r>
-              <a:rPr lang="en-US" sz="1600" dirty="0">
-                <a:latin typeface="Work Sans Light" panose="020B0604020202020204" charset="0"/>
-              </a:rPr>
-              <a:t>Encapsulating data is helpful because it prevents callers from making uncontrolled </a:t>
-            </a:r>
-            <a:r>
-              <a:rPr lang="en-US" sz="1600" dirty="0" smtClean="0">
-                <a:latin typeface="Work Sans Light" panose="020B0604020202020204" charset="0"/>
-              </a:rPr>
-              <a:t>changes to </a:t>
-            </a:r>
-            <a:r>
-              <a:rPr lang="en-US" sz="1600" dirty="0">
-                <a:latin typeface="Work Sans Light" panose="020B0604020202020204" charset="0"/>
-              </a:rPr>
-              <a:t>your class. Another common technique is making classes immutable so they cannot </a:t>
-            </a:r>
-            <a:r>
-              <a:rPr lang="en-US" sz="1600" dirty="0" smtClean="0">
-                <a:latin typeface="Work Sans Light" panose="020B0604020202020204" charset="0"/>
-              </a:rPr>
-              <a:t>be changed </a:t>
-            </a:r>
-            <a:r>
-              <a:rPr lang="en-US" sz="1600" dirty="0">
-                <a:latin typeface="Work Sans Light" panose="020B0604020202020204" charset="0"/>
-              </a:rPr>
-              <a:t>at all</a:t>
-            </a:r>
-            <a:r>
-              <a:rPr lang="en-US" sz="1600" dirty="0" smtClean="0">
-                <a:latin typeface="Work Sans Light" panose="020B0604020202020204" charset="0"/>
-              </a:rPr>
-              <a:t>.</a:t>
-            </a:r>
-          </a:p>
-          <a:p>
-            <a:endParaRPr lang="en-US" sz="1600" dirty="0">
-              <a:latin typeface="Work Sans Light" panose="020B0604020202020204" charset="0"/>
-            </a:endParaRPr>
-          </a:p>
-          <a:p>
-            <a:r>
-              <a:rPr lang="en-US" sz="1600" dirty="0">
-                <a:latin typeface="Work Sans Light" panose="020B0604020202020204" charset="0"/>
-              </a:rPr>
-              <a:t>Immutable classes are helpful because you know they will always be the same. You </a:t>
-            </a:r>
-            <a:r>
-              <a:rPr lang="en-US" sz="1600" dirty="0" smtClean="0">
-                <a:latin typeface="Work Sans Light" panose="020B0604020202020204" charset="0"/>
-              </a:rPr>
-              <a:t>can pass </a:t>
-            </a:r>
-            <a:r>
-              <a:rPr lang="en-US" sz="1600" dirty="0">
-                <a:latin typeface="Work Sans Light" panose="020B0604020202020204" charset="0"/>
-              </a:rPr>
-              <a:t>them around your application with a guarantee that the caller didn’t change anything</a:t>
-            </a:r>
-            <a:r>
-              <a:rPr lang="en-US" sz="1600" dirty="0" smtClean="0">
-                <a:latin typeface="Work Sans Light" panose="020B0604020202020204" charset="0"/>
-              </a:rPr>
-              <a:t>.</a:t>
-            </a:r>
-          </a:p>
-          <a:p>
-            <a:endParaRPr lang="en-US" sz="1600" dirty="0">
-              <a:latin typeface="Work Sans Light" panose="020B0604020202020204" charset="0"/>
-            </a:endParaRPr>
-          </a:p>
-          <a:p>
-            <a:r>
-              <a:rPr lang="en-US" sz="1600" dirty="0">
-                <a:latin typeface="Work Sans Light" panose="020B0604020202020204" charset="0"/>
-              </a:rPr>
-              <a:t>This helps make programs easier to maintain. It also helps with performance by </a:t>
-            </a:r>
-            <a:r>
-              <a:rPr lang="en-US" sz="1600" dirty="0" smtClean="0">
-                <a:latin typeface="Work Sans Light" panose="020B0604020202020204" charset="0"/>
-              </a:rPr>
-              <a:t>limiting the </a:t>
-            </a:r>
-            <a:r>
-              <a:rPr lang="en-US" sz="1600" dirty="0">
-                <a:latin typeface="Work Sans Light" panose="020B0604020202020204" charset="0"/>
-              </a:rPr>
-              <a:t>number of copies, as you saw with String in Chapter 3, “Core Java APIs.”</a:t>
-            </a:r>
-            <a:endParaRPr lang="en-US" sz="1600" dirty="0">
-              <a:latin typeface="Work Sans Light" panose="020B0604020202020204" charset="0"/>
-            </a:endParaRPr>
-          </a:p>
-        </p:txBody>
-      </p:sp>
-    </p:spTree>
-    <p:extLst>
-      <p:ext uri="{BB962C8B-B14F-4D97-AF65-F5344CB8AC3E}">
-        <p14:creationId xmlns:p14="http://schemas.microsoft.com/office/powerpoint/2010/main" val="632099354"/>
-      </p:ext>
-    </p:extLst>
-  </p:cSld>
-  <p:clrMapOvr>
-    <a:masterClrMapping/>
-  </p:clrMapOvr>
-  <p:timing>
-    <p:tnLst>
-      <p:par>
-        <p:cTn id="1" dur="indefinite" restart="never" nodeType="tmRoot"/>
-      </p:par>
-    </p:tnLst>
-  </p:timing>
-</p:sld>
-</file>
-
 <file path=ppt/slides/slide24.xml><?xml version="1.0" encoding="utf-8"?>
 <p:sld xmlns:a="http://schemas.openxmlformats.org/drawingml/2006/main" xmlns:r="http://schemas.openxmlformats.org/officeDocument/2006/relationships" xmlns:p="http://schemas.openxmlformats.org/presentationml/2006/main">
   <p:cSld>
@@ -34501,8 +34175,8 @@
         </p:nvSpPr>
         <p:spPr>
           <a:xfrm>
-            <a:off x="516990" y="926383"/>
-            <a:ext cx="7654360" cy="3693319"/>
+            <a:off x="420398" y="655926"/>
+            <a:ext cx="7654360" cy="3262432"/>
           </a:xfrm>
           <a:prstGeom prst="rect">
             <a:avLst/>
@@ -34519,348 +34193,110 @@
             </a:endParaRPr>
           </a:p>
           <a:p>
-            <a:r>
-              <a:rPr lang="en-US" sz="1200" dirty="0">
-                <a:latin typeface="Work Sans Light" panose="020B0604020202020204" charset="0"/>
-              </a:rPr>
-              <a:t>One step in making a class immutable is to omit the setters. But wait: we still want the</a:t>
-            </a:r>
-          </a:p>
-          <a:p>
-            <a:r>
-              <a:rPr lang="en-US" sz="1200" dirty="0">
-                <a:latin typeface="Work Sans Light" panose="020B0604020202020204" charset="0"/>
-              </a:rPr>
-              <a:t>caller to be able to specify the initial value—we just don’t want it to change after the object</a:t>
-            </a:r>
-          </a:p>
-          <a:p>
-            <a:r>
-              <a:rPr lang="en-US" sz="1200" dirty="0">
-                <a:latin typeface="Work Sans Light" panose="020B0604020202020204" charset="0"/>
-              </a:rPr>
-              <a:t>is created. Constructors to the rescue</a:t>
-            </a:r>
-            <a:r>
-              <a:rPr lang="en-US" sz="1200" dirty="0" smtClean="0">
-                <a:latin typeface="Work Sans Light" panose="020B0604020202020204" charset="0"/>
-              </a:rPr>
-              <a:t>!</a:t>
-            </a:r>
-          </a:p>
-          <a:p>
-            <a:endParaRPr lang="en-US" sz="1200" dirty="0" smtClean="0">
+            <a:endParaRPr lang="en-US" sz="1600" dirty="0">
               <a:latin typeface="Work Sans Light" panose="020B0604020202020204" charset="0"/>
             </a:endParaRPr>
           </a:p>
           <a:p>
-            <a:pPr marL="228600" indent="-228600">
-              <a:buFont typeface="+mj-lt"/>
-              <a:buAutoNum type="arabicPeriod"/>
-            </a:pPr>
-            <a:r>
-              <a:rPr lang="en-US" sz="1200" dirty="0">
+            <a:r>
+              <a:rPr lang="en-US" sz="1600" dirty="0">
                 <a:latin typeface="Work Sans Light" panose="020B0604020202020204" charset="0"/>
               </a:rPr>
-              <a:t>public class </a:t>
-            </a:r>
-            <a:r>
-              <a:rPr lang="en-US" sz="1200" dirty="0" err="1">
+              <a:t>Encapsulating data is helpful because it prevents callers from making uncontrolled </a:t>
+            </a:r>
+            <a:r>
+              <a:rPr lang="en-US" sz="1600" dirty="0" smtClean="0">
                 <a:latin typeface="Work Sans Light" panose="020B0604020202020204" charset="0"/>
               </a:rPr>
-              <a:t>ImmutableSwan</a:t>
-            </a:r>
-            <a:r>
-              <a:rPr lang="en-US" sz="1200" dirty="0">
+              <a:t>changes to </a:t>
+            </a:r>
+            <a:r>
+              <a:rPr lang="en-US" sz="1600" dirty="0">
                 <a:latin typeface="Work Sans Light" panose="020B0604020202020204" charset="0"/>
               </a:rPr>
-              <a:t> {</a:t>
-            </a:r>
-          </a:p>
-          <a:p>
-            <a:pPr marL="228600" indent="-228600">
-              <a:buFont typeface="+mj-lt"/>
-              <a:buAutoNum type="arabicPeriod"/>
-            </a:pPr>
-            <a:r>
-              <a:rPr lang="en-US" sz="1200" dirty="0" smtClean="0">
+              <a:t>your class. Another common technique is making classes immutable so they cannot </a:t>
+            </a:r>
+            <a:r>
+              <a:rPr lang="en-US" sz="1600" dirty="0" smtClean="0">
                 <a:latin typeface="Work Sans Light" panose="020B0604020202020204" charset="0"/>
               </a:rPr>
-              <a:t>    private </a:t>
-            </a:r>
-            <a:r>
-              <a:rPr lang="en-US" sz="1200" dirty="0" err="1">
+              <a:t>be changed </a:t>
+            </a:r>
+            <a:r>
+              <a:rPr lang="en-US" sz="1600" dirty="0">
                 <a:latin typeface="Work Sans Light" panose="020B0604020202020204" charset="0"/>
               </a:rPr>
-              <a:t>int</a:t>
-            </a:r>
-            <a:r>
-              <a:rPr lang="en-US" sz="1200" dirty="0">
+              <a:t>at all</a:t>
+            </a:r>
+            <a:r>
+              <a:rPr lang="en-US" sz="1600" dirty="0" smtClean="0">
                 <a:latin typeface="Work Sans Light" panose="020B0604020202020204" charset="0"/>
               </a:rPr>
-              <a:t> </a:t>
-            </a:r>
-            <a:r>
-              <a:rPr lang="en-US" sz="1200" dirty="0" err="1">
-                <a:latin typeface="Work Sans Light" panose="020B0604020202020204" charset="0"/>
-              </a:rPr>
-              <a:t>numberEggs</a:t>
-            </a:r>
-            <a:r>
-              <a:rPr lang="en-US" sz="1200" dirty="0">
-                <a:latin typeface="Work Sans Light" panose="020B0604020202020204" charset="0"/>
-              </a:rPr>
-              <a:t>;</a:t>
-            </a:r>
-          </a:p>
-          <a:p>
-            <a:pPr marL="228600" indent="-228600">
-              <a:buFont typeface="+mj-lt"/>
-              <a:buAutoNum type="arabicPeriod"/>
-            </a:pPr>
-            <a:r>
-              <a:rPr lang="en-US" sz="1200" dirty="0" smtClean="0">
-                <a:latin typeface="Work Sans Light" panose="020B0604020202020204" charset="0"/>
-              </a:rPr>
-              <a:t>    public </a:t>
-            </a:r>
-            <a:r>
-              <a:rPr lang="en-US" sz="1200" dirty="0" err="1">
-                <a:latin typeface="Work Sans Light" panose="020B0604020202020204" charset="0"/>
-              </a:rPr>
-              <a:t>ImmutableSwan</a:t>
-            </a:r>
-            <a:r>
-              <a:rPr lang="en-US" sz="1200" dirty="0">
-                <a:latin typeface="Work Sans Light" panose="020B0604020202020204" charset="0"/>
-              </a:rPr>
-              <a:t>(</a:t>
-            </a:r>
-            <a:r>
-              <a:rPr lang="en-US" sz="1200" dirty="0" err="1">
-                <a:latin typeface="Work Sans Light" panose="020B0604020202020204" charset="0"/>
-              </a:rPr>
-              <a:t>int</a:t>
-            </a:r>
-            <a:r>
-              <a:rPr lang="en-US" sz="1200" dirty="0">
-                <a:latin typeface="Work Sans Light" panose="020B0604020202020204" charset="0"/>
-              </a:rPr>
-              <a:t> </a:t>
-            </a:r>
-            <a:r>
-              <a:rPr lang="en-US" sz="1200" dirty="0" err="1">
-                <a:latin typeface="Work Sans Light" panose="020B0604020202020204" charset="0"/>
-              </a:rPr>
-              <a:t>numberEggs</a:t>
-            </a:r>
-            <a:r>
-              <a:rPr lang="en-US" sz="1200" dirty="0">
-                <a:latin typeface="Work Sans Light" panose="020B0604020202020204" charset="0"/>
-              </a:rPr>
-              <a:t>) {</a:t>
-            </a:r>
-          </a:p>
-          <a:p>
-            <a:pPr marL="228600" indent="-228600">
-              <a:buFont typeface="+mj-lt"/>
-              <a:buAutoNum type="arabicPeriod"/>
-            </a:pPr>
-            <a:r>
-              <a:rPr lang="en-US" sz="1200" dirty="0" smtClean="0">
-                <a:latin typeface="Work Sans Light" panose="020B0604020202020204" charset="0"/>
-              </a:rPr>
-              <a:t>         </a:t>
-            </a:r>
-            <a:r>
-              <a:rPr lang="en-US" sz="1200" dirty="0" err="1" smtClean="0">
-                <a:latin typeface="Work Sans Light" panose="020B0604020202020204" charset="0"/>
-              </a:rPr>
-              <a:t>this.numberEggs</a:t>
-            </a:r>
-            <a:r>
-              <a:rPr lang="en-US" sz="1200" dirty="0" smtClean="0">
-                <a:latin typeface="Work Sans Light" panose="020B0604020202020204" charset="0"/>
-              </a:rPr>
-              <a:t> </a:t>
-            </a:r>
-            <a:r>
-              <a:rPr lang="en-US" sz="1200" dirty="0">
-                <a:latin typeface="Work Sans Light" panose="020B0604020202020204" charset="0"/>
-              </a:rPr>
-              <a:t>= </a:t>
-            </a:r>
-            <a:r>
-              <a:rPr lang="en-US" sz="1200" dirty="0" err="1">
-                <a:latin typeface="Work Sans Light" panose="020B0604020202020204" charset="0"/>
-              </a:rPr>
-              <a:t>numberEggs</a:t>
-            </a:r>
-            <a:r>
-              <a:rPr lang="en-US" sz="1200" dirty="0">
-                <a:latin typeface="Work Sans Light" panose="020B0604020202020204" charset="0"/>
-              </a:rPr>
-              <a:t>;</a:t>
-            </a:r>
-          </a:p>
-          <a:p>
-            <a:pPr marL="228600" indent="-228600">
-              <a:buFont typeface="+mj-lt"/>
-              <a:buAutoNum type="arabicPeriod"/>
-            </a:pPr>
-            <a:r>
-              <a:rPr lang="en-US" sz="1200" dirty="0" smtClean="0"/>
-              <a:t>     </a:t>
-            </a:r>
-            <a:r>
-              <a:rPr lang="ru-RU" sz="1200" dirty="0" smtClean="0"/>
-              <a:t>}</a:t>
-            </a:r>
-            <a:endParaRPr lang="ru-RU" sz="1200" dirty="0"/>
-          </a:p>
-          <a:p>
-            <a:pPr marL="228600" indent="-228600">
-              <a:buFont typeface="+mj-lt"/>
-              <a:buAutoNum type="arabicPeriod"/>
-            </a:pPr>
-            <a:r>
-              <a:rPr lang="en-US" sz="1200" dirty="0" smtClean="0">
-                <a:latin typeface="Work Sans Light" panose="020B0604020202020204" charset="0"/>
-              </a:rPr>
-              <a:t>    public </a:t>
-            </a:r>
-            <a:r>
-              <a:rPr lang="en-US" sz="1200" dirty="0" err="1">
-                <a:latin typeface="Work Sans Light" panose="020B0604020202020204" charset="0"/>
-              </a:rPr>
-              <a:t>int</a:t>
-            </a:r>
-            <a:r>
-              <a:rPr lang="en-US" sz="1200" dirty="0">
-                <a:latin typeface="Work Sans Light" panose="020B0604020202020204" charset="0"/>
-              </a:rPr>
-              <a:t> </a:t>
-            </a:r>
-            <a:r>
-              <a:rPr lang="en-US" sz="1200" dirty="0" err="1">
-                <a:latin typeface="Work Sans Light" panose="020B0604020202020204" charset="0"/>
-              </a:rPr>
-              <a:t>getNumberEggs</a:t>
-            </a:r>
-            <a:r>
-              <a:rPr lang="en-US" sz="1200" dirty="0">
-                <a:latin typeface="Work Sans Light" panose="020B0604020202020204" charset="0"/>
-              </a:rPr>
-              <a:t>() {</a:t>
-            </a:r>
-          </a:p>
-          <a:p>
-            <a:pPr marL="228600" indent="-228600">
-              <a:buFont typeface="+mj-lt"/>
-              <a:buAutoNum type="arabicPeriod"/>
-            </a:pPr>
-            <a:r>
-              <a:rPr lang="en-US" sz="1200" dirty="0" smtClean="0">
-                <a:latin typeface="Work Sans Light" panose="020B0604020202020204" charset="0"/>
-              </a:rPr>
-              <a:t>         return </a:t>
-            </a:r>
-            <a:r>
-              <a:rPr lang="en-US" sz="1200" dirty="0" err="1">
-                <a:latin typeface="Work Sans Light" panose="020B0604020202020204" charset="0"/>
-              </a:rPr>
-              <a:t>numberEggs</a:t>
-            </a:r>
-            <a:r>
-              <a:rPr lang="en-US" sz="1200" dirty="0">
-                <a:latin typeface="Work Sans Light" panose="020B0604020202020204" charset="0"/>
-              </a:rPr>
-              <a:t>;</a:t>
-            </a:r>
-          </a:p>
-          <a:p>
-            <a:pPr marL="228600" indent="-228600">
-              <a:buFont typeface="+mj-lt"/>
-              <a:buAutoNum type="arabicPeriod"/>
-            </a:pPr>
-            <a:r>
-              <a:rPr lang="ru-RU" sz="1200" dirty="0"/>
-              <a:t>} </a:t>
-            </a:r>
-            <a:r>
-              <a:rPr lang="ru-RU" sz="1200" dirty="0" smtClean="0"/>
-              <a:t>}</a:t>
-            </a:r>
-            <a:endParaRPr lang="en-US" sz="1200" dirty="0" smtClean="0"/>
-          </a:p>
-          <a:p>
-            <a:pPr marL="228600" indent="-228600">
-              <a:buFont typeface="+mj-lt"/>
-              <a:buAutoNum type="arabicPeriod"/>
-            </a:pPr>
-            <a:endParaRPr lang="en-US" sz="1200" dirty="0">
+              <a:t>.</a:t>
+            </a:r>
+          </a:p>
+          <a:p>
+            <a:endParaRPr lang="en-US" sz="1600" dirty="0">
               <a:latin typeface="Work Sans Light" panose="020B0604020202020204" charset="0"/>
             </a:endParaRPr>
           </a:p>
           <a:p>
             <a:r>
-              <a:rPr lang="en-US" sz="1200" dirty="0">
+              <a:rPr lang="en-US" sz="1600" dirty="0">
                 <a:latin typeface="Work Sans Light" panose="020B0604020202020204" charset="0"/>
               </a:rPr>
-              <a:t>In this example, we don't have a setter. We do have a constructor that allows a value to</a:t>
-            </a:r>
-          </a:p>
-          <a:p>
-            <a:r>
-              <a:rPr lang="en-US" sz="1200" dirty="0">
+              <a:t>Immutable classes are helpful because you know they will always be the same. You </a:t>
+            </a:r>
+            <a:r>
+              <a:rPr lang="en-US" sz="1600" dirty="0" smtClean="0">
                 <a:latin typeface="Work Sans Light" panose="020B0604020202020204" charset="0"/>
               </a:rPr>
-              <a:t>be set. Remember, immutable is only measured after the object is constructed. Immutable</a:t>
-            </a:r>
-          </a:p>
-          <a:p>
-            <a:r>
-              <a:rPr lang="en-US" sz="1200" dirty="0">
+              <a:t>can pass </a:t>
+            </a:r>
+            <a:r>
+              <a:rPr lang="en-US" sz="1600" dirty="0">
                 <a:latin typeface="Work Sans Light" panose="020B0604020202020204" charset="0"/>
               </a:rPr>
-              <a:t>classes are allowed to have values. They just can't change after instantiation</a:t>
-            </a:r>
-            <a:r>
-              <a:rPr lang="en-US" sz="1200" dirty="0" smtClean="0">
+              <a:t>them around your application with a guarantee that the caller didn’t change anything</a:t>
+            </a:r>
+            <a:r>
+              <a:rPr lang="en-US" sz="1600" dirty="0" smtClean="0">
                 <a:latin typeface="Work Sans Light" panose="020B0604020202020204" charset="0"/>
               </a:rPr>
               <a:t>.</a:t>
             </a:r>
           </a:p>
           <a:p>
-            <a:r>
-              <a:rPr lang="en-US" sz="1200" dirty="0">
-                <a:latin typeface="Work Sans Light" panose="020B0604020202020204" charset="0"/>
-              </a:rPr>
-              <a:t>To review, encapsulation refers to preventing callers from changing the instance </a:t>
-            </a:r>
-            <a:r>
-              <a:rPr lang="en-US" sz="1200" dirty="0" smtClean="0">
-                <a:latin typeface="Work Sans Light" panose="020B0604020202020204" charset="0"/>
-              </a:rPr>
-              <a:t>variables directly</a:t>
-            </a:r>
-            <a:r>
-              <a:rPr lang="en-US" sz="1200" dirty="0">
-                <a:latin typeface="Work Sans Light" panose="020B0604020202020204" charset="0"/>
-              </a:rPr>
-              <a:t>. Immutability refers to preventing callers from changing the instance variables at all.</a:t>
-            </a:r>
-            <a:endParaRPr lang="en-US" sz="1200" dirty="0">
+            <a:endParaRPr lang="en-US" sz="1600" dirty="0">
               <a:latin typeface="Work Sans Light" panose="020B0604020202020204" charset="0"/>
             </a:endParaRPr>
+          </a:p>
+          <a:p>
+            <a:r>
+              <a:rPr lang="en-US" sz="1600" dirty="0">
+                <a:latin typeface="Work Sans Light" panose="020B0604020202020204" charset="0"/>
+              </a:rPr>
+              <a:t>This helps make programs easier to maintain. It also helps with performance by </a:t>
+            </a:r>
+            <a:r>
+              <a:rPr lang="en-US" sz="1600" dirty="0" smtClean="0">
+                <a:latin typeface="Work Sans Light" panose="020B0604020202020204" charset="0"/>
+              </a:rPr>
+              <a:t>limiting the </a:t>
+            </a:r>
+            <a:r>
+              <a:rPr lang="en-US" sz="1600" dirty="0">
+                <a:latin typeface="Work Sans Light" panose="020B0604020202020204" charset="0"/>
+              </a:rPr>
+              <a:t>number of copies, as you saw with String in Chapter 3, “Core Java APIs.”</a:t>
+            </a:r>
           </a:p>
         </p:txBody>
       </p:sp>
     </p:spTree>
     <p:extLst>
       <p:ext uri="{BB962C8B-B14F-4D97-AF65-F5344CB8AC3E}">
-        <p14:creationId xmlns:p14="http://schemas.microsoft.com/office/powerpoint/2010/main" val="625753269"/>
+        <p14:creationId xmlns:p14="http://schemas.microsoft.com/office/powerpoint/2010/main" val="632099354"/>
       </p:ext>
     </p:extLst>
   </p:cSld>
@@ -35578,7 +35014,7 @@
             <a:pPr lvl="0"/>
             <a:r>
               <a:rPr lang="en-US" sz="2400" b="0" dirty="0"/>
-              <a:t>Writing Simple Lambdas</a:t>
+              <a:t>Creating Immutable Classes</a:t>
             </a:r>
             <a:endParaRPr sz="2400" b="0" dirty="0"/>
           </a:p>
@@ -35592,8 +35028,8 @@
         </p:nvSpPr>
         <p:spPr>
           <a:xfrm>
-            <a:off x="471913" y="552895"/>
-            <a:ext cx="7654360" cy="4216539"/>
+            <a:off x="516990" y="926383"/>
+            <a:ext cx="7654360" cy="3693319"/>
           </a:xfrm>
           <a:prstGeom prst="rect">
             <a:avLst/>
@@ -35610,228 +35046,338 @@
             </a:endParaRPr>
           </a:p>
           <a:p>
-            <a:endParaRPr lang="en-US" sz="1600" dirty="0">
+            <a:r>
+              <a:rPr lang="en-US" sz="1200" dirty="0">
+                <a:latin typeface="Work Sans Light" panose="020B0604020202020204" charset="0"/>
+              </a:rPr>
+              <a:t>One step in making a class immutable is to omit the setters. But wait: we still want the</a:t>
+            </a:r>
+          </a:p>
+          <a:p>
+            <a:r>
+              <a:rPr lang="en-US" sz="1200" dirty="0">
+                <a:latin typeface="Work Sans Light" panose="020B0604020202020204" charset="0"/>
+              </a:rPr>
+              <a:t>caller to be able to specify the initial value—we just don’t want it to change after the object</a:t>
+            </a:r>
+          </a:p>
+          <a:p>
+            <a:r>
+              <a:rPr lang="en-US" sz="1200" dirty="0">
+                <a:latin typeface="Work Sans Light" panose="020B0604020202020204" charset="0"/>
+              </a:rPr>
+              <a:t>is created. Constructors to the rescue</a:t>
+            </a:r>
+            <a:r>
+              <a:rPr lang="en-US" sz="1200" dirty="0" smtClean="0">
+                <a:latin typeface="Work Sans Light" panose="020B0604020202020204" charset="0"/>
+              </a:rPr>
+              <a:t>!</a:t>
+            </a:r>
+          </a:p>
+          <a:p>
+            <a:endParaRPr lang="en-US" sz="1200" dirty="0" smtClean="0">
               <a:latin typeface="Work Sans Light" panose="020B0604020202020204" charset="0"/>
             </a:endParaRPr>
           </a:p>
           <a:p>
-            <a:r>
-              <a:rPr lang="en-US" dirty="0">
+            <a:pPr marL="228600" indent="-228600">
+              <a:buFont typeface="+mj-lt"/>
+              <a:buAutoNum type="arabicPeriod"/>
+            </a:pPr>
+            <a:r>
+              <a:rPr lang="en-US" sz="1200" dirty="0">
                 <a:latin typeface="Work Sans Light" panose="020B0604020202020204" charset="0"/>
               </a:rPr>
-              <a:t>In </a:t>
-            </a:r>
-            <a:r>
-              <a:rPr lang="en-US" dirty="0" smtClean="0">
+              <a:t>public class </a:t>
+            </a:r>
+            <a:r>
+              <a:rPr lang="en-US" sz="1200" dirty="0" err="1">
                 <a:latin typeface="Work Sans Light" panose="020B0604020202020204" charset="0"/>
               </a:rPr>
-              <a:t>Java 8</a:t>
-            </a:r>
-            <a:r>
-              <a:rPr lang="en-US" dirty="0">
+              <a:t>ImmutableSwan</a:t>
+            </a:r>
+            <a:r>
+              <a:rPr lang="en-US" sz="1200" dirty="0">
                 <a:latin typeface="Work Sans Light" panose="020B0604020202020204" charset="0"/>
               </a:rPr>
-              <a:t>, the language added the ability to write code using another style. </a:t>
-            </a:r>
-            <a:r>
-              <a:rPr lang="en-US" i="1" dirty="0">
+              <a:t> {</a:t>
+            </a:r>
+          </a:p>
+          <a:p>
+            <a:pPr marL="228600" indent="-228600">
+              <a:buFont typeface="+mj-lt"/>
+              <a:buAutoNum type="arabicPeriod"/>
+            </a:pPr>
+            <a:r>
+              <a:rPr lang="en-US" sz="1200" dirty="0" smtClean="0">
                 <a:latin typeface="Work Sans Light" panose="020B0604020202020204" charset="0"/>
               </a:rPr>
-              <a:t>Functional </a:t>
-            </a:r>
-            <a:r>
-              <a:rPr lang="en-US" i="1" dirty="0" smtClean="0">
+              <a:t>    private </a:t>
+            </a:r>
+            <a:r>
+              <a:rPr lang="en-US" sz="1200" dirty="0" err="1">
                 <a:latin typeface="Work Sans Light" panose="020B0604020202020204" charset="0"/>
               </a:rPr>
-              <a:t>programming </a:t>
-            </a:r>
-            <a:r>
-              <a:rPr lang="en-US" dirty="0" smtClean="0">
+              <a:t>int</a:t>
+            </a:r>
+            <a:r>
+              <a:rPr lang="en-US" sz="1200" dirty="0">
                 <a:latin typeface="Work Sans Light" panose="020B0604020202020204" charset="0"/>
               </a:rPr>
-              <a:t>is </a:t>
-            </a:r>
-            <a:r>
-              <a:rPr lang="en-US" dirty="0">
+              <a:t> </a:t>
+            </a:r>
+            <a:r>
+              <a:rPr lang="en-US" sz="1200" dirty="0" err="1">
                 <a:latin typeface="Work Sans Light" panose="020B0604020202020204" charset="0"/>
               </a:rPr>
-              <a:t>a way of writing code more declaratively. You specify what you want to do </a:t>
-            </a:r>
-            <a:r>
-              <a:rPr lang="en-US" dirty="0" smtClean="0">
+              <a:t>numberEggs</a:t>
+            </a:r>
+            <a:r>
+              <a:rPr lang="en-US" sz="1200" dirty="0">
                 <a:latin typeface="Work Sans Light" panose="020B0604020202020204" charset="0"/>
               </a:rPr>
-              <a:t>rather than </a:t>
-            </a:r>
-            <a:r>
-              <a:rPr lang="en-US" dirty="0">
+              <a:t>;</a:t>
+            </a:r>
+          </a:p>
+          <a:p>
+            <a:pPr marL="228600" indent="-228600">
+              <a:buFont typeface="+mj-lt"/>
+              <a:buAutoNum type="arabicPeriod"/>
+            </a:pPr>
+            <a:r>
+              <a:rPr lang="en-US" sz="1200" dirty="0" smtClean="0">
                 <a:latin typeface="Work Sans Light" panose="020B0604020202020204" charset="0"/>
               </a:rPr>
-              <a:t>dealing with the state of objects. You focus more on expressions than loops.</a:t>
-            </a:r>
-          </a:p>
-          <a:p>
-            <a:r>
-              <a:rPr lang="en-US" dirty="0">
+              <a:t>    public </a:t>
+            </a:r>
+            <a:r>
+              <a:rPr lang="en-US" sz="1200" dirty="0" err="1">
                 <a:latin typeface="Work Sans Light" panose="020B0604020202020204" charset="0"/>
               </a:rPr>
-              <a:t>Functional programming uses lambda expressions to write code. A </a:t>
-            </a:r>
-            <a:r>
-              <a:rPr lang="en-US" i="1" dirty="0">
+              <a:t>ImmutableSwan</a:t>
+            </a:r>
+            <a:r>
+              <a:rPr lang="en-US" sz="1200" dirty="0">
                 <a:latin typeface="Work Sans Light" panose="020B0604020202020204" charset="0"/>
               </a:rPr>
-              <a:t>lambda expression</a:t>
-            </a:r>
-          </a:p>
-          <a:p>
-            <a:r>
-              <a:rPr lang="en-US" dirty="0">
+              <a:t>(</a:t>
+            </a:r>
+            <a:r>
+              <a:rPr lang="en-US" sz="1200" dirty="0" err="1">
                 <a:latin typeface="Work Sans Light" panose="020B0604020202020204" charset="0"/>
               </a:rPr>
-              <a:t>is a block of code that gets passed around. You can think of a lambda expression as </a:t>
-            </a:r>
-            <a:r>
-              <a:rPr lang="en-US" dirty="0" smtClean="0">
+              <a:t>int</a:t>
+            </a:r>
+            <a:r>
+              <a:rPr lang="en-US" sz="1200" dirty="0">
                 <a:latin typeface="Work Sans Light" panose="020B0604020202020204" charset="0"/>
               </a:rPr>
-              <a:t>an</a:t>
-            </a:r>
-          </a:p>
-          <a:p>
-            <a:r>
-              <a:rPr lang="en-US" dirty="0">
+              <a:t> </a:t>
+            </a:r>
+            <a:r>
+              <a:rPr lang="en-US" sz="1200" dirty="0" err="1">
                 <a:latin typeface="Work Sans Light" panose="020B0604020202020204" charset="0"/>
               </a:rPr>
-              <a:t>anonymous method. It has parameters and a body just like full-</a:t>
-            </a:r>
-            <a:r>
-              <a:rPr lang="en-US" dirty="0" err="1">
+              <a:t>numberEggs</a:t>
+            </a:r>
+            <a:r>
+              <a:rPr lang="en-US" sz="1200" dirty="0">
                 <a:latin typeface="Work Sans Light" panose="020B0604020202020204" charset="0"/>
               </a:rPr>
-              <a:t>fl</a:t>
-            </a:r>
-            <a:r>
-              <a:rPr lang="en-US" dirty="0">
+              <a:t>) {</a:t>
+            </a:r>
+          </a:p>
+          <a:p>
+            <a:pPr marL="228600" indent="-228600">
+              <a:buFont typeface="+mj-lt"/>
+              <a:buAutoNum type="arabicPeriod"/>
+            </a:pPr>
+            <a:r>
+              <a:rPr lang="en-US" sz="1200" dirty="0" smtClean="0">
                 <a:latin typeface="Work Sans Light" panose="020B0604020202020204" charset="0"/>
               </a:rPr>
-              <a:t> edged methods do, but </a:t>
-            </a:r>
-            <a:r>
-              <a:rPr lang="en-US" dirty="0" smtClean="0">
+              <a:t>         </a:t>
+            </a:r>
+            <a:r>
+              <a:rPr lang="en-US" sz="1200" dirty="0" err="1" smtClean="0">
                 <a:latin typeface="Work Sans Light" panose="020B0604020202020204" charset="0"/>
               </a:rPr>
-              <a:t>it doesn’t </a:t>
-            </a:r>
-            <a:r>
-              <a:rPr lang="en-US" dirty="0">
+              <a:t>this.numberEggs</a:t>
+            </a:r>
+            <a:r>
+              <a:rPr lang="en-US" sz="1200" dirty="0" smtClean="0">
                 <a:latin typeface="Work Sans Light" panose="020B0604020202020204" charset="0"/>
               </a:rPr>
-              <a:t>have a name like a real method. Lambda expressions are often referred to as </a:t>
-            </a:r>
-            <a:r>
-              <a:rPr lang="en-US" dirty="0" smtClean="0">
+              <a:t> </a:t>
+            </a:r>
+            <a:r>
+              <a:rPr lang="en-US" sz="1200" dirty="0">
                 <a:latin typeface="Work Sans Light" panose="020B0604020202020204" charset="0"/>
               </a:rPr>
-              <a:t>lambdas for </a:t>
-            </a:r>
-            <a:r>
-              <a:rPr lang="en-US" dirty="0">
+              <a:t>= </a:t>
+            </a:r>
+            <a:r>
+              <a:rPr lang="en-US" sz="1200" dirty="0" err="1">
                 <a:latin typeface="Work Sans Light" panose="020B0604020202020204" charset="0"/>
               </a:rPr>
-              <a:t>short. You might also know them as closures if Java isn’t your fi </a:t>
-            </a:r>
-            <a:r>
-              <a:rPr lang="en-US" dirty="0" err="1">
+              <a:t>numberEggs</a:t>
+            </a:r>
+            <a:r>
+              <a:rPr lang="en-US" sz="1200" dirty="0">
                 <a:latin typeface="Work Sans Light" panose="020B0604020202020204" charset="0"/>
               </a:rPr>
-              <a:t>rst</a:t>
-            </a:r>
-            <a:r>
-              <a:rPr lang="en-US" dirty="0">
+              <a:t>;</a:t>
+            </a:r>
+          </a:p>
+          <a:p>
+            <a:pPr marL="228600" indent="-228600">
+              <a:buFont typeface="+mj-lt"/>
+              <a:buAutoNum type="arabicPeriod"/>
+            </a:pPr>
+            <a:r>
+              <a:rPr lang="en-US" sz="1200" dirty="0" smtClean="0"/>
+              <a:t>     </a:t>
+            </a:r>
+            <a:r>
+              <a:rPr lang="ru-RU" sz="1200" dirty="0" smtClean="0"/>
+              <a:t>}</a:t>
+            </a:r>
+            <a:endParaRPr lang="ru-RU" sz="1200" dirty="0"/>
+          </a:p>
+          <a:p>
+            <a:pPr marL="228600" indent="-228600">
+              <a:buFont typeface="+mj-lt"/>
+              <a:buAutoNum type="arabicPeriod"/>
+            </a:pPr>
+            <a:r>
+              <a:rPr lang="en-US" sz="1200" dirty="0" smtClean="0">
                 <a:latin typeface="Work Sans Light" panose="020B0604020202020204" charset="0"/>
               </a:rPr>
-              <a:t> language. If </a:t>
-            </a:r>
-            <a:r>
-              <a:rPr lang="en-US" dirty="0" smtClean="0">
+              <a:t>    public </a:t>
+            </a:r>
+            <a:r>
+              <a:rPr lang="en-US" sz="1200" dirty="0" err="1">
                 <a:latin typeface="Work Sans Light" panose="020B0604020202020204" charset="0"/>
               </a:rPr>
-              <a:t>you had </a:t>
-            </a:r>
-            <a:r>
-              <a:rPr lang="en-US" dirty="0">
+              <a:t>int</a:t>
+            </a:r>
+            <a:r>
+              <a:rPr lang="en-US" sz="1200" dirty="0">
                 <a:latin typeface="Work Sans Light" panose="020B0604020202020204" charset="0"/>
               </a:rPr>
-              <a:t>a bad experience with closures in the past, don’t worry. They are far simpler in Java.</a:t>
-            </a:r>
-          </a:p>
-          <a:p>
-            <a:r>
-              <a:rPr lang="en-US" dirty="0">
+              <a:t> </a:t>
+            </a:r>
+            <a:r>
+              <a:rPr lang="en-US" sz="1200" dirty="0" err="1">
                 <a:latin typeface="Work Sans Light" panose="020B0604020202020204" charset="0"/>
               </a:rPr>
-              <a:t>In other words, a lambda expression is like a method that you can pass as if it were a</a:t>
-            </a:r>
-          </a:p>
-          <a:p>
-            <a:r>
-              <a:rPr lang="en-US" dirty="0">
+              <a:t>getNumberEggs</a:t>
+            </a:r>
+            <a:r>
+              <a:rPr lang="en-US" sz="1200" dirty="0">
                 <a:latin typeface="Work Sans Light" panose="020B0604020202020204" charset="0"/>
               </a:rPr>
-              <a:t>variable. For example, there are different ways to calculate age. One human year is </a:t>
-            </a:r>
-            <a:r>
-              <a:rPr lang="en-US" dirty="0" smtClean="0">
+              <a:t>() {</a:t>
+            </a:r>
+          </a:p>
+          <a:p>
+            <a:pPr marL="228600" indent="-228600">
+              <a:buFont typeface="+mj-lt"/>
+              <a:buAutoNum type="arabicPeriod"/>
+            </a:pPr>
+            <a:r>
+              <a:rPr lang="en-US" sz="1200" dirty="0" smtClean="0">
                 <a:latin typeface="Work Sans Light" panose="020B0604020202020204" charset="0"/>
               </a:rPr>
-              <a:t>equivalent to </a:t>
-            </a:r>
-            <a:r>
-              <a:rPr lang="en-US" dirty="0">
+              <a:t>         return </a:t>
+            </a:r>
+            <a:r>
+              <a:rPr lang="en-US" sz="1200" dirty="0" err="1">
                 <a:latin typeface="Work Sans Light" panose="020B0604020202020204" charset="0"/>
               </a:rPr>
-              <a:t>seven dog years. You want to write a method that that takes an age() method </a:t>
-            </a:r>
-            <a:r>
-              <a:rPr lang="en-US" dirty="0" smtClean="0">
+              <a:t>numberEggs</a:t>
+            </a:r>
+            <a:r>
+              <a:rPr lang="en-US" sz="1200" dirty="0">
                 <a:latin typeface="Work Sans Light" panose="020B0604020202020204" charset="0"/>
               </a:rPr>
-              <a:t>as input</a:t>
-            </a:r>
-            <a:r>
-              <a:rPr lang="en-US" dirty="0">
-                <a:latin typeface="Work Sans Light" panose="020B0604020202020204" charset="0"/>
-              </a:rPr>
-              <a:t>. To do this in an object-oriented program, you’d need to </a:t>
-            </a:r>
-            <a:r>
-              <a:rPr lang="en-US" dirty="0" err="1">
-                <a:latin typeface="Work Sans Light" panose="020B0604020202020204" charset="0"/>
-              </a:rPr>
-              <a:t>defi</a:t>
-            </a:r>
-            <a:r>
-              <a:rPr lang="en-US" dirty="0">
-                <a:latin typeface="Work Sans Light" panose="020B0604020202020204" charset="0"/>
-              </a:rPr>
-              <a:t> ne a Human subclass and </a:t>
-            </a:r>
-            <a:r>
-              <a:rPr lang="en-US" dirty="0" smtClean="0">
-                <a:latin typeface="Work Sans Light" panose="020B0604020202020204" charset="0"/>
-              </a:rPr>
-              <a:t>a Dog </a:t>
-            </a:r>
-            <a:r>
-              <a:rPr lang="en-US" dirty="0">
-                <a:latin typeface="Work Sans Light" panose="020B0604020202020204" charset="0"/>
-              </a:rPr>
-              <a:t>subclass. With lambdas, you can just pass in the relevant expression to calculate age.</a:t>
-            </a:r>
-            <a:endParaRPr lang="en-US" dirty="0">
+              <a:t>;</a:t>
+            </a:r>
+          </a:p>
+          <a:p>
+            <a:pPr marL="228600" indent="-228600">
+              <a:buFont typeface="+mj-lt"/>
+              <a:buAutoNum type="arabicPeriod"/>
+            </a:pPr>
+            <a:r>
+              <a:rPr lang="ru-RU" sz="1200" dirty="0"/>
+              <a:t>} </a:t>
+            </a:r>
+            <a:r>
+              <a:rPr lang="ru-RU" sz="1200" dirty="0" smtClean="0"/>
+              <a:t>}</a:t>
+            </a:r>
+            <a:endParaRPr lang="en-US" sz="1200" dirty="0" smtClean="0"/>
+          </a:p>
+          <a:p>
+            <a:pPr marL="228600" indent="-228600">
+              <a:buFont typeface="+mj-lt"/>
+              <a:buAutoNum type="arabicPeriod"/>
+            </a:pPr>
+            <a:endParaRPr lang="en-US" sz="1200" dirty="0">
               <a:latin typeface="Work Sans Light" panose="020B0604020202020204" charset="0"/>
             </a:endParaRPr>
+          </a:p>
+          <a:p>
+            <a:r>
+              <a:rPr lang="en-US" sz="1200" dirty="0">
+                <a:latin typeface="Work Sans Light" panose="020B0604020202020204" charset="0"/>
+              </a:rPr>
+              <a:t>In this example, we don't have a setter. We do have a constructor that allows a value to</a:t>
+            </a:r>
+          </a:p>
+          <a:p>
+            <a:r>
+              <a:rPr lang="en-US" sz="1200" dirty="0">
+                <a:latin typeface="Work Sans Light" panose="020B0604020202020204" charset="0"/>
+              </a:rPr>
+              <a:t>be set. Remember, immutable is only measured after the object is constructed. Immutable</a:t>
+            </a:r>
+          </a:p>
+          <a:p>
+            <a:r>
+              <a:rPr lang="en-US" sz="1200" dirty="0">
+                <a:latin typeface="Work Sans Light" panose="020B0604020202020204" charset="0"/>
+              </a:rPr>
+              <a:t>classes are allowed to have values. They just can't change after instantiation</a:t>
+            </a:r>
+            <a:r>
+              <a:rPr lang="en-US" sz="1200" dirty="0" smtClean="0">
+                <a:latin typeface="Work Sans Light" panose="020B0604020202020204" charset="0"/>
+              </a:rPr>
+              <a:t>.</a:t>
+            </a:r>
+          </a:p>
+          <a:p>
+            <a:r>
+              <a:rPr lang="en-US" sz="1200" dirty="0">
+                <a:latin typeface="Work Sans Light" panose="020B0604020202020204" charset="0"/>
+              </a:rPr>
+              <a:t>To review, encapsulation refers to preventing callers from changing the instance </a:t>
+            </a:r>
+            <a:r>
+              <a:rPr lang="en-US" sz="1200" dirty="0" smtClean="0">
+                <a:latin typeface="Work Sans Light" panose="020B0604020202020204" charset="0"/>
+              </a:rPr>
+              <a:t>variables directly</a:t>
+            </a:r>
+            <a:r>
+              <a:rPr lang="en-US" sz="1200" dirty="0">
+                <a:latin typeface="Work Sans Light" panose="020B0604020202020204" charset="0"/>
+              </a:rPr>
+              <a:t>. Immutability refers to preventing callers from changing the instance variables at all.</a:t>
+            </a:r>
           </a:p>
         </p:txBody>
       </p:sp>
@@ -36556,7 +36102,7 @@
             <a:pPr lvl="0"/>
             <a:r>
               <a:rPr lang="en-US" sz="2400" b="0" dirty="0"/>
-              <a:t>Lambda Example</a:t>
+              <a:t>Writing Simple Lambdas</a:t>
             </a:r>
             <a:endParaRPr sz="2400" b="0" dirty="0"/>
           </a:p>
@@ -36570,8 +36116,8 @@
         </p:nvSpPr>
         <p:spPr>
           <a:xfrm>
-            <a:off x="420398" y="655926"/>
-            <a:ext cx="7654360" cy="3754874"/>
+            <a:off x="471913" y="552895"/>
+            <a:ext cx="7654360" cy="4216539"/>
           </a:xfrm>
           <a:prstGeom prst="rect">
             <a:avLst/>
@@ -36588,438 +36134,225 @@
             </a:endParaRPr>
           </a:p>
           <a:p>
+            <a:endParaRPr lang="en-US" sz="1600" dirty="0">
+              <a:latin typeface="Work Sans Light" panose="020B0604020202020204" charset="0"/>
+            </a:endParaRPr>
+          </a:p>
+          <a:p>
             <a:r>
               <a:rPr lang="en-US" dirty="0">
                 <a:latin typeface="Work Sans Light" panose="020B0604020202020204" charset="0"/>
               </a:rPr>
-              <a:t>Our goal is to print out all the animals in a list according to some criteria. We’ll show you</a:t>
-            </a:r>
-          </a:p>
-          <a:p>
+              <a:t>In </a:t>
+            </a:r>
+            <a:r>
+              <a:rPr lang="en-US" dirty="0" smtClean="0">
+                <a:latin typeface="Work Sans Light" panose="020B0604020202020204" charset="0"/>
+              </a:rPr>
+              <a:t>Java 8</a:t>
+            </a:r>
             <a:r>
               <a:rPr lang="en-US" dirty="0">
                 <a:latin typeface="Work Sans Light" panose="020B0604020202020204" charset="0"/>
               </a:rPr>
-              <a:t>how to do this without lambdas to illustrate how lambdas are useful. We start out with </a:t>
+              <a:t>, the language added the ability to write code using another style. </a:t>
+            </a:r>
+            <a:r>
+              <a:rPr lang="en-US" i="1" dirty="0">
+                <a:latin typeface="Work Sans Light" panose="020B0604020202020204" charset="0"/>
+              </a:rPr>
+              <a:t>Functional </a:t>
+            </a:r>
+            <a:r>
+              <a:rPr lang="en-US" i="1" dirty="0" smtClean="0">
+                <a:latin typeface="Work Sans Light" panose="020B0604020202020204" charset="0"/>
+              </a:rPr>
+              <a:t>programming </a:t>
             </a:r>
             <a:r>
               <a:rPr lang="en-US" dirty="0" smtClean="0">
                 <a:latin typeface="Work Sans Light" panose="020B0604020202020204" charset="0"/>
               </a:rPr>
-              <a:t>the Animal </a:t>
+              <a:t>is </a:t>
             </a:r>
             <a:r>
               <a:rPr lang="en-US" dirty="0">
                 <a:latin typeface="Work Sans Light" panose="020B0604020202020204" charset="0"/>
               </a:rPr>
-              <a:t>class</a:t>
+              <a:t>a way of writing code more declaratively. You specify what you want to do </a:t>
             </a:r>
             <a:r>
               <a:rPr lang="en-US" dirty="0" smtClean="0">
                 <a:latin typeface="Work Sans Light" panose="020B0604020202020204" charset="0"/>
               </a:rPr>
-              <a:t>:</a:t>
-            </a:r>
-          </a:p>
-          <a:p>
-            <a:pPr marL="342900" indent="-342900">
-              <a:buFont typeface="+mj-lt"/>
-              <a:buAutoNum type="arabicPeriod"/>
-            </a:pPr>
+              <a:t>rather than </a:t>
+            </a:r>
             <a:r>
               <a:rPr lang="en-US" dirty="0">
                 <a:latin typeface="Work Sans Light" panose="020B0604020202020204" charset="0"/>
               </a:rPr>
-              <a:t>public class Animal {</a:t>
-            </a:r>
-          </a:p>
-          <a:p>
-            <a:pPr marL="342900" indent="-342900">
-              <a:buFont typeface="+mj-lt"/>
-              <a:buAutoNum type="arabicPeriod"/>
-            </a:pPr>
+              <a:t>dealing with the state of objects. You focus more on expressions than loops.</a:t>
+            </a:r>
+          </a:p>
+          <a:p>
+            <a:r>
+              <a:rPr lang="en-US" dirty="0">
+                <a:latin typeface="Work Sans Light" panose="020B0604020202020204" charset="0"/>
+              </a:rPr>
+              <a:t>Functional programming uses lambda expressions to write code. A </a:t>
+            </a:r>
+            <a:r>
+              <a:rPr lang="en-US" i="1" dirty="0">
+                <a:latin typeface="Work Sans Light" panose="020B0604020202020204" charset="0"/>
+              </a:rPr>
+              <a:t>lambda expression</a:t>
+            </a:r>
+          </a:p>
+          <a:p>
+            <a:r>
+              <a:rPr lang="en-US" dirty="0">
+                <a:latin typeface="Work Sans Light" panose="020B0604020202020204" charset="0"/>
+              </a:rPr>
+              <a:t>is a block of code that gets passed around. You can think of a lambda expression as </a:t>
+            </a:r>
             <a:r>
               <a:rPr lang="en-US" dirty="0" smtClean="0">
                 <a:latin typeface="Work Sans Light" panose="020B0604020202020204" charset="0"/>
               </a:rPr>
-              <a:t>    private </a:t>
-            </a:r>
+              <a:t>an</a:t>
+            </a:r>
+          </a:p>
+          <a:p>
             <a:r>
               <a:rPr lang="en-US" dirty="0">
                 <a:latin typeface="Work Sans Light" panose="020B0604020202020204" charset="0"/>
               </a:rPr>
-              <a:t>String species;</a:t>
-            </a:r>
-          </a:p>
-          <a:p>
-            <a:pPr marL="342900" indent="-342900">
-              <a:buFont typeface="+mj-lt"/>
-              <a:buAutoNum type="arabicPeriod"/>
-            </a:pPr>
+              <a:t>anonymous method. It has parameters and a body just like full-</a:t>
+            </a:r>
+            <a:r>
+              <a:rPr lang="en-US" dirty="0" err="1">
+                <a:latin typeface="Work Sans Light" panose="020B0604020202020204" charset="0"/>
+              </a:rPr>
+              <a:t>fl</a:t>
+            </a:r>
+            <a:r>
+              <a:rPr lang="en-US" dirty="0">
+                <a:latin typeface="Work Sans Light" panose="020B0604020202020204" charset="0"/>
+              </a:rPr>
+              <a:t> edged methods do, but </a:t>
+            </a:r>
             <a:r>
               <a:rPr lang="en-US" dirty="0" smtClean="0">
                 <a:latin typeface="Work Sans Light" panose="020B0604020202020204" charset="0"/>
               </a:rPr>
-              <a:t>    private </a:t>
+              <a:t>it doesn’t </a:t>
+            </a:r>
+            <a:r>
+              <a:rPr lang="en-US" dirty="0">
+                <a:latin typeface="Work Sans Light" panose="020B0604020202020204" charset="0"/>
+              </a:rPr>
+              <a:t>have a name like a real method. Lambda expressions are often referred to as </a:t>
+            </a:r>
+            <a:r>
+              <a:rPr lang="en-US" dirty="0" smtClean="0">
+                <a:latin typeface="Work Sans Light" panose="020B0604020202020204" charset="0"/>
+              </a:rPr>
+              <a:t>lambdas for </a:t>
+            </a:r>
+            <a:r>
+              <a:rPr lang="en-US" dirty="0">
+                <a:latin typeface="Work Sans Light" panose="020B0604020202020204" charset="0"/>
+              </a:rPr>
+              <a:t>short. You might also know them as closures if Java isn’t your fi </a:t>
             </a:r>
             <a:r>
               <a:rPr lang="en-US" dirty="0" err="1">
                 <a:latin typeface="Work Sans Light" panose="020B0604020202020204" charset="0"/>
               </a:rPr>
-              <a:t>boolean</a:t>
+              <a:t>rst</a:t>
             </a:r>
             <a:r>
               <a:rPr lang="en-US" dirty="0">
                 <a:latin typeface="Work Sans Light" panose="020B0604020202020204" charset="0"/>
               </a:rPr>
-              <a:t> </a:t>
+              <a:t> language. If </a:t>
+            </a:r>
+            <a:r>
+              <a:rPr lang="en-US" dirty="0" smtClean="0">
+                <a:latin typeface="Work Sans Light" panose="020B0604020202020204" charset="0"/>
+              </a:rPr>
+              <a:t>you had </a:t>
+            </a:r>
+            <a:r>
+              <a:rPr lang="en-US" dirty="0">
+                <a:latin typeface="Work Sans Light" panose="020B0604020202020204" charset="0"/>
+              </a:rPr>
+              <a:t>a bad experience with closures in the past, don’t worry. They are far simpler in Java.</a:t>
+            </a:r>
+          </a:p>
+          <a:p>
+            <a:r>
+              <a:rPr lang="en-US" dirty="0">
+                <a:latin typeface="Work Sans Light" panose="020B0604020202020204" charset="0"/>
+              </a:rPr>
+              <a:t>In other words, a lambda expression is like a method that you can pass as if it were a</a:t>
+            </a:r>
+          </a:p>
+          <a:p>
+            <a:r>
+              <a:rPr lang="en-US" dirty="0">
+                <a:latin typeface="Work Sans Light" panose="020B0604020202020204" charset="0"/>
+              </a:rPr>
+              <a:t>variable. For example, there are different ways to calculate age. One human year is </a:t>
+            </a:r>
+            <a:r>
+              <a:rPr lang="en-US" dirty="0" smtClean="0">
+                <a:latin typeface="Work Sans Light" panose="020B0604020202020204" charset="0"/>
+              </a:rPr>
+              <a:t>equivalent to </a:t>
+            </a:r>
+            <a:r>
+              <a:rPr lang="en-US" dirty="0">
+                <a:latin typeface="Work Sans Light" panose="020B0604020202020204" charset="0"/>
+              </a:rPr>
+              <a:t>seven dog years. You want to write a method that that takes an age() method </a:t>
+            </a:r>
+            <a:r>
+              <a:rPr lang="en-US" dirty="0" smtClean="0">
+                <a:latin typeface="Work Sans Light" panose="020B0604020202020204" charset="0"/>
+              </a:rPr>
+              <a:t>as input</a:t>
+            </a:r>
+            <a:r>
+              <a:rPr lang="en-US" dirty="0">
+                <a:latin typeface="Work Sans Light" panose="020B0604020202020204" charset="0"/>
+              </a:rPr>
+              <a:t>. To do this in an object-oriented program, you’d need to </a:t>
             </a:r>
             <a:r>
               <a:rPr lang="en-US" dirty="0" err="1">
                 <a:latin typeface="Work Sans Light" panose="020B0604020202020204" charset="0"/>
               </a:rPr>
-              <a:t>canHop</a:t>
+              <a:t>defi</a:t>
             </a:r>
             <a:r>
               <a:rPr lang="en-US" dirty="0">
                 <a:latin typeface="Work Sans Light" panose="020B0604020202020204" charset="0"/>
               </a:rPr>
-              <a:t>;</a:t>
-            </a:r>
-          </a:p>
-          <a:p>
-            <a:pPr marL="342900" indent="-342900">
-              <a:buFont typeface="+mj-lt"/>
-              <a:buAutoNum type="arabicPeriod"/>
-            </a:pPr>
+              <a:t> ne a Human subclass and </a:t>
+            </a:r>
             <a:r>
               <a:rPr lang="en-US" dirty="0" smtClean="0">
                 <a:latin typeface="Work Sans Light" panose="020B0604020202020204" charset="0"/>
               </a:rPr>
-              <a:t>    private </a:t>
-            </a:r>
-            <a:r>
-              <a:rPr lang="en-US" dirty="0" err="1">
-                <a:latin typeface="Work Sans Light" panose="020B0604020202020204" charset="0"/>
-              </a:rPr>
-              <a:t>boolean</a:t>
+              <a:t>a Dog </a:t>
             </a:r>
             <a:r>
               <a:rPr lang="en-US" dirty="0">
                 <a:latin typeface="Work Sans Light" panose="020B0604020202020204" charset="0"/>
               </a:rPr>
-              <a:t> </a:t>
-            </a:r>
-            <a:r>
-              <a:rPr lang="en-US" dirty="0" err="1">
-                <a:latin typeface="Work Sans Light" panose="020B0604020202020204" charset="0"/>
-              </a:rPr>
-              <a:t>canSwim</a:t>
-            </a:r>
-            <a:r>
-              <a:rPr lang="en-US" dirty="0">
-                <a:latin typeface="Work Sans Light" panose="020B0604020202020204" charset="0"/>
-              </a:rPr>
-              <a:t>;</a:t>
-            </a:r>
-          </a:p>
-          <a:p>
-            <a:pPr marL="342900" indent="-342900">
-              <a:buFont typeface="+mj-lt"/>
-              <a:buAutoNum type="arabicPeriod"/>
-            </a:pPr>
-            <a:r>
-              <a:rPr lang="en-US" dirty="0" smtClean="0">
-                <a:latin typeface="Work Sans Light" panose="020B0604020202020204" charset="0"/>
-              </a:rPr>
-              <a:t>    public </a:t>
-            </a:r>
-            <a:r>
-              <a:rPr lang="en-US" dirty="0">
-                <a:latin typeface="Work Sans Light" panose="020B0604020202020204" charset="0"/>
-              </a:rPr>
-              <a:t>Animal(String </a:t>
-            </a:r>
-            <a:r>
-              <a:rPr lang="en-US" dirty="0" err="1">
-                <a:latin typeface="Work Sans Light" panose="020B0604020202020204" charset="0"/>
-              </a:rPr>
-              <a:t>speciesName</a:t>
-            </a:r>
-            <a:r>
-              <a:rPr lang="en-US" dirty="0">
-                <a:latin typeface="Work Sans Light" panose="020B0604020202020204" charset="0"/>
-              </a:rPr>
-              <a:t>, </a:t>
-            </a:r>
-            <a:r>
-              <a:rPr lang="en-US" dirty="0" err="1">
-                <a:latin typeface="Work Sans Light" panose="020B0604020202020204" charset="0"/>
-              </a:rPr>
-              <a:t>boolean</a:t>
-            </a:r>
-            <a:r>
-              <a:rPr lang="en-US" dirty="0">
-                <a:latin typeface="Work Sans Light" panose="020B0604020202020204" charset="0"/>
-              </a:rPr>
-              <a:t> hopper, </a:t>
-            </a:r>
-            <a:r>
-              <a:rPr lang="en-US" dirty="0" err="1">
-                <a:latin typeface="Work Sans Light" panose="020B0604020202020204" charset="0"/>
-              </a:rPr>
-              <a:t>boolean</a:t>
-            </a:r>
-            <a:r>
-              <a:rPr lang="en-US" dirty="0">
-                <a:latin typeface="Work Sans Light" panose="020B0604020202020204" charset="0"/>
-              </a:rPr>
-              <a:t> swimmer) {</a:t>
-            </a:r>
-          </a:p>
-          <a:p>
-            <a:pPr marL="342900" indent="-342900">
-              <a:buFont typeface="+mj-lt"/>
-              <a:buAutoNum type="arabicPeriod"/>
-            </a:pPr>
-            <a:r>
-              <a:rPr lang="en-US" dirty="0" smtClean="0">
-                <a:latin typeface="Work Sans Light" panose="020B0604020202020204" charset="0"/>
-              </a:rPr>
-              <a:t>        species </a:t>
-            </a:r>
-            <a:r>
-              <a:rPr lang="en-US" dirty="0">
-                <a:latin typeface="Work Sans Light" panose="020B0604020202020204" charset="0"/>
-              </a:rPr>
-              <a:t>= </a:t>
-            </a:r>
-            <a:r>
-              <a:rPr lang="en-US" dirty="0" err="1">
-                <a:latin typeface="Work Sans Light" panose="020B0604020202020204" charset="0"/>
-              </a:rPr>
-              <a:t>speciesName</a:t>
-            </a:r>
-            <a:r>
-              <a:rPr lang="en-US" dirty="0">
-                <a:latin typeface="Work Sans Light" panose="020B0604020202020204" charset="0"/>
-              </a:rPr>
-              <a:t>;</a:t>
-            </a:r>
-          </a:p>
-          <a:p>
-            <a:pPr marL="342900" indent="-342900">
-              <a:buFont typeface="+mj-lt"/>
-              <a:buAutoNum type="arabicPeriod"/>
-            </a:pPr>
-            <a:r>
-              <a:rPr lang="en-US" dirty="0" smtClean="0">
-                <a:latin typeface="Work Sans Light" panose="020B0604020202020204" charset="0"/>
-              </a:rPr>
-              <a:t>        </a:t>
-            </a:r>
-            <a:r>
-              <a:rPr lang="en-US" dirty="0" err="1" smtClean="0">
-                <a:latin typeface="Work Sans Light" panose="020B0604020202020204" charset="0"/>
-              </a:rPr>
-              <a:t>canHop</a:t>
-            </a:r>
-            <a:r>
-              <a:rPr lang="en-US" dirty="0" smtClean="0">
-                <a:latin typeface="Work Sans Light" panose="020B0604020202020204" charset="0"/>
-              </a:rPr>
-              <a:t> </a:t>
-            </a:r>
-            <a:r>
-              <a:rPr lang="en-US" dirty="0">
-                <a:latin typeface="Work Sans Light" panose="020B0604020202020204" charset="0"/>
-              </a:rPr>
-              <a:t>= hopper;</a:t>
-            </a:r>
-          </a:p>
-          <a:p>
-            <a:pPr marL="342900" indent="-342900">
-              <a:buFont typeface="+mj-lt"/>
-              <a:buAutoNum type="arabicPeriod"/>
-            </a:pPr>
-            <a:r>
-              <a:rPr lang="en-US" dirty="0" smtClean="0">
-                <a:latin typeface="Work Sans Light" panose="020B0604020202020204" charset="0"/>
-              </a:rPr>
-              <a:t>        </a:t>
-            </a:r>
-            <a:r>
-              <a:rPr lang="en-US" dirty="0" err="1" smtClean="0">
-                <a:latin typeface="Work Sans Light" panose="020B0604020202020204" charset="0"/>
-              </a:rPr>
-              <a:t>canSwim</a:t>
-            </a:r>
-            <a:r>
-              <a:rPr lang="en-US" dirty="0" smtClean="0">
-                <a:latin typeface="Work Sans Light" panose="020B0604020202020204" charset="0"/>
-              </a:rPr>
-              <a:t> </a:t>
-            </a:r>
-            <a:r>
-              <a:rPr lang="en-US" dirty="0">
-                <a:latin typeface="Work Sans Light" panose="020B0604020202020204" charset="0"/>
-              </a:rPr>
-              <a:t>= swimmer;</a:t>
-            </a:r>
-          </a:p>
-          <a:p>
-            <a:pPr marL="342900" indent="-342900">
-              <a:buFont typeface="+mj-lt"/>
-              <a:buAutoNum type="arabicPeriod"/>
-            </a:pPr>
-            <a:r>
-              <a:rPr lang="en-US" dirty="0" smtClean="0"/>
-              <a:t>     </a:t>
-            </a:r>
-            <a:r>
-              <a:rPr lang="ru-RU" dirty="0" smtClean="0"/>
-              <a:t>}</a:t>
-            </a:r>
-            <a:endParaRPr lang="ru-RU" dirty="0"/>
-          </a:p>
-          <a:p>
-            <a:pPr marL="342900" indent="-342900">
-              <a:buFont typeface="+mj-lt"/>
-              <a:buAutoNum type="arabicPeriod"/>
-            </a:pPr>
-            <a:r>
-              <a:rPr lang="en-US" dirty="0" smtClean="0">
-                <a:latin typeface="Work Sans Light" panose="020B0604020202020204" charset="0"/>
-              </a:rPr>
-              <a:t>    public </a:t>
-            </a:r>
-            <a:r>
-              <a:rPr lang="en-US" dirty="0" err="1">
-                <a:latin typeface="Work Sans Light" panose="020B0604020202020204" charset="0"/>
-              </a:rPr>
-              <a:t>boolean</a:t>
-            </a:r>
-            <a:r>
-              <a:rPr lang="en-US" dirty="0">
-                <a:latin typeface="Work Sans Light" panose="020B0604020202020204" charset="0"/>
-              </a:rPr>
-              <a:t> </a:t>
-            </a:r>
-            <a:r>
-              <a:rPr lang="en-US" dirty="0" err="1">
-                <a:latin typeface="Work Sans Light" panose="020B0604020202020204" charset="0"/>
-              </a:rPr>
-              <a:t>canHop</a:t>
-            </a:r>
-            <a:r>
-              <a:rPr lang="en-US" dirty="0">
-                <a:latin typeface="Work Sans Light" panose="020B0604020202020204" charset="0"/>
-              </a:rPr>
-              <a:t>() { return </a:t>
-            </a:r>
-            <a:r>
-              <a:rPr lang="en-US" dirty="0" err="1">
-                <a:latin typeface="Work Sans Light" panose="020B0604020202020204" charset="0"/>
-              </a:rPr>
-              <a:t>canHop</a:t>
-            </a:r>
-            <a:r>
-              <a:rPr lang="en-US" dirty="0">
-                <a:latin typeface="Work Sans Light" panose="020B0604020202020204" charset="0"/>
-              </a:rPr>
-              <a:t>; }</a:t>
-            </a:r>
-          </a:p>
-          <a:p>
-            <a:pPr marL="342900" indent="-342900">
-              <a:buFont typeface="+mj-lt"/>
-              <a:buAutoNum type="arabicPeriod"/>
-            </a:pPr>
-            <a:r>
-              <a:rPr lang="en-US" dirty="0" smtClean="0">
-                <a:latin typeface="Work Sans Light" panose="020B0604020202020204" charset="0"/>
-              </a:rPr>
-              <a:t>    public </a:t>
-            </a:r>
-            <a:r>
-              <a:rPr lang="en-US" dirty="0" err="1">
-                <a:latin typeface="Work Sans Light" panose="020B0604020202020204" charset="0"/>
-              </a:rPr>
-              <a:t>boolean</a:t>
-            </a:r>
-            <a:r>
-              <a:rPr lang="en-US" dirty="0">
-                <a:latin typeface="Work Sans Light" panose="020B0604020202020204" charset="0"/>
-              </a:rPr>
-              <a:t> </a:t>
-            </a:r>
-            <a:r>
-              <a:rPr lang="en-US" dirty="0" err="1">
-                <a:latin typeface="Work Sans Light" panose="020B0604020202020204" charset="0"/>
-              </a:rPr>
-              <a:t>canSwim</a:t>
-            </a:r>
-            <a:r>
-              <a:rPr lang="en-US" dirty="0">
-                <a:latin typeface="Work Sans Light" panose="020B0604020202020204" charset="0"/>
-              </a:rPr>
-              <a:t>() { return </a:t>
-            </a:r>
-            <a:r>
-              <a:rPr lang="en-US" dirty="0" err="1">
-                <a:latin typeface="Work Sans Light" panose="020B0604020202020204" charset="0"/>
-              </a:rPr>
-              <a:t>canSwim</a:t>
-            </a:r>
-            <a:r>
-              <a:rPr lang="en-US" dirty="0">
-                <a:latin typeface="Work Sans Light" panose="020B0604020202020204" charset="0"/>
-              </a:rPr>
-              <a:t>; }</a:t>
-            </a:r>
-          </a:p>
-          <a:p>
-            <a:pPr marL="342900" indent="-342900">
-              <a:buFont typeface="+mj-lt"/>
-              <a:buAutoNum type="arabicPeriod"/>
-            </a:pPr>
-            <a:r>
-              <a:rPr lang="en-US" dirty="0" smtClean="0">
-                <a:latin typeface="Work Sans Light" panose="020B0604020202020204" charset="0"/>
-              </a:rPr>
-              <a:t>    public </a:t>
-            </a:r>
-            <a:r>
-              <a:rPr lang="en-US" dirty="0">
-                <a:latin typeface="Work Sans Light" panose="020B0604020202020204" charset="0"/>
-              </a:rPr>
-              <a:t>String </a:t>
-            </a:r>
-            <a:r>
-              <a:rPr lang="en-US" dirty="0" err="1">
-                <a:latin typeface="Work Sans Light" panose="020B0604020202020204" charset="0"/>
-              </a:rPr>
-              <a:t>toString</a:t>
-            </a:r>
-            <a:r>
-              <a:rPr lang="en-US" dirty="0">
-                <a:latin typeface="Work Sans Light" panose="020B0604020202020204" charset="0"/>
-              </a:rPr>
-              <a:t>() { return species; }</a:t>
-            </a:r>
-          </a:p>
-          <a:p>
-            <a:pPr marL="342900" indent="-342900">
-              <a:buFont typeface="+mj-lt"/>
-              <a:buAutoNum type="arabicPeriod"/>
-            </a:pPr>
-            <a:r>
-              <a:rPr lang="ru-RU" dirty="0"/>
-              <a:t>}</a:t>
-            </a:r>
-            <a:endParaRPr lang="en-US" dirty="0">
-              <a:latin typeface="Work Sans Light" panose="020B0604020202020204" charset="0"/>
-            </a:endParaRPr>
+              <a:t>subclass. With lambdas, you can just pass in the relevant expression to calculate age.</a:t>
+            </a:r>
           </a:p>
         </p:txBody>
       </p:sp>
@@ -37120,51 +36453,24 @@
             </a:endParaRPr>
           </a:p>
           <a:p>
-            <a:pPr marL="152400" indent="0">
-              <a:buNone/>
-            </a:pPr>
-            <a:r>
-              <a:rPr lang="en-US" sz="1200" dirty="0"/>
-              <a:t>The Animal class has three instance variables, which are set in the constructor. It </a:t>
-            </a:r>
-            <a:r>
-              <a:rPr lang="en-US" sz="1200" dirty="0" smtClean="0"/>
-              <a:t>has two </a:t>
-            </a:r>
-            <a:r>
-              <a:rPr lang="en-US" sz="1200" dirty="0"/>
-              <a:t>methods that get the state of whether the animal can hop or swim. It also has </a:t>
-            </a:r>
-            <a:r>
-              <a:rPr lang="en-US" sz="1200" dirty="0" smtClean="0"/>
-              <a:t>a </a:t>
-            </a:r>
-            <a:r>
-              <a:rPr lang="en-US" sz="1200" dirty="0" err="1" smtClean="0"/>
-              <a:t>toString</a:t>
-            </a:r>
-            <a:r>
-              <a:rPr lang="en-US" sz="1200" dirty="0"/>
-              <a:t>() method so we can easily identify the Animal in </a:t>
-            </a:r>
-            <a:r>
-              <a:rPr lang="en-US" sz="1200" dirty="0" smtClean="0"/>
-              <a:t>programs. </a:t>
-            </a:r>
-          </a:p>
-          <a:p>
-            <a:pPr marL="152400" indent="0">
-              <a:buNone/>
-            </a:pPr>
-            <a:r>
-              <a:rPr lang="en-US" sz="1200" dirty="0" smtClean="0"/>
-              <a:t>We </a:t>
-            </a:r>
-            <a:r>
-              <a:rPr lang="en-US" sz="1200" dirty="0"/>
-              <a:t>plan to write a lot of different checks, so we want an interface.</a:t>
-            </a:r>
-            <a:endParaRPr sz="1200" dirty="0">
+            <a:pPr marL="127000" marR="0" lvl="0" indent="0" algn="l" rtl="0">
+              <a:lnSpc>
+                <a:spcPct val="100000"/>
+              </a:lnSpc>
+              <a:spcBef>
+                <a:spcPts val="600"/>
+              </a:spcBef>
+              <a:spcAft>
+                <a:spcPts val="0"/>
+              </a:spcAft>
+              <a:buClr>
+                <a:schemeClr val="dk1"/>
+              </a:buClr>
+              <a:buSzPts val="1100"/>
+              <a:buFont typeface="Arial"/>
+              <a:buNone/>
+            </a:pPr>
+            <a:endParaRPr sz="1400" dirty="0">
               <a:solidFill>
                 <a:srgbClr val="000000"/>
               </a:solidFill>
@@ -37178,146 +36484,23 @@
             </a:endParaRPr>
           </a:p>
           <a:p>
-            <a:pPr marL="495300" indent="-342900">
-              <a:buFont typeface="+mj-lt"/>
-              <a:buAutoNum type="arabicPeriod"/>
-            </a:pPr>
-            <a:r>
-              <a:rPr lang="en-US" sz="1400" dirty="0"/>
-              <a:t>public interface </a:t>
-            </a:r>
-            <a:r>
-              <a:rPr lang="en-US" sz="1400" dirty="0" err="1"/>
-              <a:t>CheckTrait</a:t>
-            </a:r>
-            <a:r>
-              <a:rPr lang="en-US" sz="1400" dirty="0"/>
-              <a:t> {</a:t>
-            </a:r>
-          </a:p>
-          <a:p>
-            <a:pPr marL="495300" indent="-342900">
-              <a:buFont typeface="+mj-lt"/>
-              <a:buAutoNum type="arabicPeriod"/>
-            </a:pPr>
-            <a:r>
-              <a:rPr lang="en-US" sz="1400" dirty="0" smtClean="0"/>
-              <a:t>     </a:t>
-            </a:r>
-            <a:r>
-              <a:rPr lang="en-US" sz="1400" dirty="0" err="1" smtClean="0"/>
-              <a:t>boolean</a:t>
-            </a:r>
-            <a:r>
-              <a:rPr lang="en-US" sz="1400" dirty="0" smtClean="0"/>
-              <a:t> </a:t>
-            </a:r>
-            <a:r>
-              <a:rPr lang="en-US" sz="1400" dirty="0"/>
-              <a:t>test(Animal a);</a:t>
-            </a:r>
-          </a:p>
-          <a:p>
-            <a:pPr marL="495300" indent="-342900">
-              <a:buFont typeface="+mj-lt"/>
-              <a:buAutoNum type="arabicPeriod"/>
-            </a:pPr>
-            <a:r>
-              <a:rPr lang="ru-RU" sz="1400" dirty="0" smtClean="0"/>
-              <a:t>}</a:t>
-            </a:r>
-            <a:endParaRPr lang="en-US" sz="1400" dirty="0" smtClean="0"/>
-          </a:p>
-          <a:p>
-            <a:pPr marL="495300" indent="-342900">
-              <a:buFont typeface="+mj-lt"/>
-              <a:buAutoNum type="arabicPeriod"/>
-            </a:pPr>
-            <a:r>
-              <a:rPr lang="en-US" sz="1400" dirty="0" smtClean="0"/>
-              <a:t>public </a:t>
-            </a:r>
-            <a:r>
-              <a:rPr lang="en-US" sz="1400" dirty="0"/>
-              <a:t>class </a:t>
-            </a:r>
-            <a:r>
-              <a:rPr lang="en-US" sz="1400" dirty="0" err="1"/>
-              <a:t>CheckIfHopper</a:t>
-            </a:r>
-            <a:r>
-              <a:rPr lang="en-US" sz="1400" dirty="0"/>
-              <a:t> implements </a:t>
-            </a:r>
-            <a:r>
-              <a:rPr lang="en-US" sz="1400" dirty="0" err="1"/>
-              <a:t>CheckTrait</a:t>
-            </a:r>
-            <a:r>
-              <a:rPr lang="en-US" sz="1400" dirty="0"/>
-              <a:t> {</a:t>
-            </a:r>
-          </a:p>
-          <a:p>
-            <a:pPr marL="495300" indent="-342900">
-              <a:buFont typeface="+mj-lt"/>
-              <a:buAutoNum type="arabicPeriod"/>
-            </a:pPr>
-            <a:r>
-              <a:rPr lang="en-US" sz="1400" dirty="0" smtClean="0"/>
-              <a:t>     public </a:t>
-            </a:r>
-            <a:r>
-              <a:rPr lang="en-US" sz="1400" dirty="0" err="1"/>
-              <a:t>boolean</a:t>
-            </a:r>
-            <a:r>
-              <a:rPr lang="en-US" sz="1400" dirty="0"/>
-              <a:t> test(Animal a) {</a:t>
-            </a:r>
-          </a:p>
-          <a:p>
-            <a:pPr marL="495300" indent="-342900">
-              <a:buFont typeface="+mj-lt"/>
-              <a:buAutoNum type="arabicPeriod"/>
-            </a:pPr>
-            <a:r>
-              <a:rPr lang="en-US" sz="1400" dirty="0" smtClean="0"/>
-              <a:t>           return </a:t>
-            </a:r>
-            <a:r>
-              <a:rPr lang="en-US" sz="1400" dirty="0" err="1"/>
-              <a:t>a.canHop</a:t>
-            </a:r>
-            <a:r>
-              <a:rPr lang="en-US" sz="1400" dirty="0"/>
-              <a:t>();</a:t>
-            </a:r>
-          </a:p>
-          <a:p>
-            <a:pPr marL="495300" indent="-342900">
-              <a:buFont typeface="+mj-lt"/>
-              <a:buAutoNum type="arabicPeriod"/>
-            </a:pPr>
-            <a:r>
-              <a:rPr lang="en-US" sz="1400" dirty="0" smtClean="0"/>
-              <a:t>     </a:t>
-            </a:r>
-            <a:r>
-              <a:rPr lang="ru-RU" sz="1400" dirty="0" smtClean="0"/>
-              <a:t>}</a:t>
-            </a:r>
-            <a:endParaRPr lang="ru-RU" sz="1400" dirty="0"/>
-          </a:p>
-          <a:p>
-            <a:pPr marL="495300" indent="-342900">
-              <a:buFont typeface="+mj-lt"/>
-              <a:buAutoNum type="arabicPeriod"/>
-            </a:pPr>
-            <a:r>
-              <a:rPr lang="ru-RU" sz="1400" dirty="0"/>
-              <a:t>}</a:t>
-            </a:r>
+            <a:pPr marL="127000" marR="0" lvl="0" indent="0" algn="l" rtl="0">
+              <a:lnSpc>
+                <a:spcPct val="100000"/>
+              </a:lnSpc>
+              <a:spcBef>
+                <a:spcPts val="600"/>
+              </a:spcBef>
+              <a:spcAft>
+                <a:spcPts val="0"/>
+              </a:spcAft>
+              <a:buClr>
+                <a:schemeClr val="dk1"/>
+              </a:buClr>
+              <a:buSzPts val="1100"/>
+              <a:buFont typeface="Arial"/>
+              <a:buNone/>
+            </a:pPr>
             <a:endParaRPr sz="1400" dirty="0">
               <a:solidFill>
                 <a:srgbClr val="000000"/>
@@ -37900,10 +37083,471 @@
           </a:p>
         </p:txBody>
       </p:sp>
+      <p:sp>
+        <p:nvSpPr>
+          <p:cNvPr id="2" name="Прямоугольник 1"/>
+          <p:cNvSpPr/>
+          <p:nvPr/>
+        </p:nvSpPr>
+        <p:spPr>
+          <a:xfrm>
+            <a:off x="420398" y="655926"/>
+            <a:ext cx="7654360" cy="3754874"/>
+          </a:xfrm>
+          <a:prstGeom prst="rect">
+            <a:avLst/>
+          </a:prstGeom>
+        </p:spPr>
+        <p:txBody>
+          <a:bodyPr wrap="square">
+            <a:spAutoFit/>
+          </a:bodyPr>
+          <a:lstStyle/>
+          <a:p>
+            <a:endParaRPr lang="en-US" dirty="0" smtClean="0">
+              <a:latin typeface="Work Sans Light" panose="020B0604020202020204" charset="0"/>
+            </a:endParaRPr>
+          </a:p>
+          <a:p>
+            <a:r>
+              <a:rPr lang="en-US" dirty="0">
+                <a:latin typeface="Work Sans Light" panose="020B0604020202020204" charset="0"/>
+              </a:rPr>
+              <a:t>Our goal is to print out all the animals in a list according to some criteria. We’ll show you</a:t>
+            </a:r>
+          </a:p>
+          <a:p>
+            <a:r>
+              <a:rPr lang="en-US" dirty="0">
+                <a:latin typeface="Work Sans Light" panose="020B0604020202020204" charset="0"/>
+              </a:rPr>
+              <a:t>how to do this without lambdas to illustrate how lambdas are useful. We start out with </a:t>
+            </a:r>
+            <a:r>
+              <a:rPr lang="en-US" dirty="0" smtClean="0">
+                <a:latin typeface="Work Sans Light" panose="020B0604020202020204" charset="0"/>
+              </a:rPr>
+              <a:t>the Animal </a:t>
+            </a:r>
+            <a:r>
+              <a:rPr lang="en-US" dirty="0">
+                <a:latin typeface="Work Sans Light" panose="020B0604020202020204" charset="0"/>
+              </a:rPr>
+              <a:t>class</a:t>
+            </a:r>
+            <a:r>
+              <a:rPr lang="en-US" dirty="0" smtClean="0">
+                <a:latin typeface="Work Sans Light" panose="020B0604020202020204" charset="0"/>
+              </a:rPr>
+              <a:t>:</a:t>
+            </a:r>
+          </a:p>
+          <a:p>
+            <a:pPr marL="342900" indent="-342900">
+              <a:buFont typeface="+mj-lt"/>
+              <a:buAutoNum type="arabicPeriod"/>
+            </a:pPr>
+            <a:r>
+              <a:rPr lang="en-US" dirty="0">
+                <a:latin typeface="Work Sans Light" panose="020B0604020202020204" charset="0"/>
+              </a:rPr>
+              <a:t>public class Animal {</a:t>
+            </a:r>
+          </a:p>
+          <a:p>
+            <a:pPr marL="342900" indent="-342900">
+              <a:buFont typeface="+mj-lt"/>
+              <a:buAutoNum type="arabicPeriod"/>
+            </a:pPr>
+            <a:r>
+              <a:rPr lang="en-US" dirty="0" smtClean="0">
+                <a:latin typeface="Work Sans Light" panose="020B0604020202020204" charset="0"/>
+              </a:rPr>
+              <a:t>    private </a:t>
+            </a:r>
+            <a:r>
+              <a:rPr lang="en-US" dirty="0">
+                <a:latin typeface="Work Sans Light" panose="020B0604020202020204" charset="0"/>
+              </a:rPr>
+              <a:t>String species;</a:t>
+            </a:r>
+          </a:p>
+          <a:p>
+            <a:pPr marL="342900" indent="-342900">
+              <a:buFont typeface="+mj-lt"/>
+              <a:buAutoNum type="arabicPeriod"/>
+            </a:pPr>
+            <a:r>
+              <a:rPr lang="en-US" dirty="0" smtClean="0">
+                <a:latin typeface="Work Sans Light" panose="020B0604020202020204" charset="0"/>
+              </a:rPr>
+              <a:t>    private </a:t>
+            </a:r>
+            <a:r>
+              <a:rPr lang="en-US" dirty="0" err="1">
+                <a:latin typeface="Work Sans Light" panose="020B0604020202020204" charset="0"/>
+              </a:rPr>
+              <a:t>boolean</a:t>
+            </a:r>
+            <a:r>
+              <a:rPr lang="en-US" dirty="0">
+                <a:latin typeface="Work Sans Light" panose="020B0604020202020204" charset="0"/>
+              </a:rPr>
+              <a:t> </a:t>
+            </a:r>
+            <a:r>
+              <a:rPr lang="en-US" dirty="0" err="1">
+                <a:latin typeface="Work Sans Light" panose="020B0604020202020204" charset="0"/>
+              </a:rPr>
+              <a:t>canHop</a:t>
+            </a:r>
+            <a:r>
+              <a:rPr lang="en-US" dirty="0">
+                <a:latin typeface="Work Sans Light" panose="020B0604020202020204" charset="0"/>
+              </a:rPr>
+              <a:t>;</a:t>
+            </a:r>
+          </a:p>
+          <a:p>
+            <a:pPr marL="342900" indent="-342900">
+              <a:buFont typeface="+mj-lt"/>
+              <a:buAutoNum type="arabicPeriod"/>
+            </a:pPr>
+            <a:r>
+              <a:rPr lang="en-US" dirty="0" smtClean="0">
+                <a:latin typeface="Work Sans Light" panose="020B0604020202020204" charset="0"/>
+              </a:rPr>
+              <a:t>    private </a:t>
+            </a:r>
+            <a:r>
+              <a:rPr lang="en-US" dirty="0" err="1">
+                <a:latin typeface="Work Sans Light" panose="020B0604020202020204" charset="0"/>
+              </a:rPr>
+              <a:t>boolean</a:t>
+            </a:r>
+            <a:r>
+              <a:rPr lang="en-US" dirty="0">
+                <a:latin typeface="Work Sans Light" panose="020B0604020202020204" charset="0"/>
+              </a:rPr>
+              <a:t> </a:t>
+            </a:r>
+            <a:r>
+              <a:rPr lang="en-US" dirty="0" err="1">
+                <a:latin typeface="Work Sans Light" panose="020B0604020202020204" charset="0"/>
+              </a:rPr>
+              <a:t>canSwim</a:t>
+            </a:r>
+            <a:r>
+              <a:rPr lang="en-US" dirty="0">
+                <a:latin typeface="Work Sans Light" panose="020B0604020202020204" charset="0"/>
+              </a:rPr>
+              <a:t>;</a:t>
+            </a:r>
+          </a:p>
+          <a:p>
+            <a:pPr marL="342900" indent="-342900">
+              <a:buFont typeface="+mj-lt"/>
+              <a:buAutoNum type="arabicPeriod"/>
+            </a:pPr>
+            <a:r>
+              <a:rPr lang="en-US" dirty="0" smtClean="0">
+                <a:latin typeface="Work Sans Light" panose="020B0604020202020204" charset="0"/>
+              </a:rPr>
+              <a:t>    public </a:t>
+            </a:r>
+            <a:r>
+              <a:rPr lang="en-US" dirty="0">
+                <a:latin typeface="Work Sans Light" panose="020B0604020202020204" charset="0"/>
+              </a:rPr>
+              <a:t>Animal(String </a:t>
+            </a:r>
+            <a:r>
+              <a:rPr lang="en-US" dirty="0" err="1">
+                <a:latin typeface="Work Sans Light" panose="020B0604020202020204" charset="0"/>
+              </a:rPr>
+              <a:t>speciesName</a:t>
+            </a:r>
+            <a:r>
+              <a:rPr lang="en-US" dirty="0">
+                <a:latin typeface="Work Sans Light" panose="020B0604020202020204" charset="0"/>
+              </a:rPr>
+              <a:t>, </a:t>
+            </a:r>
+            <a:r>
+              <a:rPr lang="en-US" dirty="0" err="1">
+                <a:latin typeface="Work Sans Light" panose="020B0604020202020204" charset="0"/>
+              </a:rPr>
+              <a:t>boolean</a:t>
+            </a:r>
+            <a:r>
+              <a:rPr lang="en-US" dirty="0">
+                <a:latin typeface="Work Sans Light" panose="020B0604020202020204" charset="0"/>
+              </a:rPr>
+              <a:t> hopper, </a:t>
+            </a:r>
+            <a:r>
+              <a:rPr lang="en-US" dirty="0" err="1">
+                <a:latin typeface="Work Sans Light" panose="020B0604020202020204" charset="0"/>
+              </a:rPr>
+              <a:t>boolean</a:t>
+            </a:r>
+            <a:r>
+              <a:rPr lang="en-US" dirty="0">
+                <a:latin typeface="Work Sans Light" panose="020B0604020202020204" charset="0"/>
+              </a:rPr>
+              <a:t> swimmer) {</a:t>
+            </a:r>
+          </a:p>
+          <a:p>
+            <a:pPr marL="342900" indent="-342900">
+              <a:buFont typeface="+mj-lt"/>
+              <a:buAutoNum type="arabicPeriod"/>
+            </a:pPr>
+            <a:r>
+              <a:rPr lang="en-US" dirty="0" smtClean="0">
+                <a:latin typeface="Work Sans Light" panose="020B0604020202020204" charset="0"/>
+              </a:rPr>
+              <a:t>        species </a:t>
+            </a:r>
+            <a:r>
+              <a:rPr lang="en-US" dirty="0">
+                <a:latin typeface="Work Sans Light" panose="020B0604020202020204" charset="0"/>
+              </a:rPr>
+              <a:t>= </a:t>
+            </a:r>
+            <a:r>
+              <a:rPr lang="en-US" dirty="0" err="1">
+                <a:latin typeface="Work Sans Light" panose="020B0604020202020204" charset="0"/>
+              </a:rPr>
+              <a:t>speciesName</a:t>
+            </a:r>
+            <a:r>
+              <a:rPr lang="en-US" dirty="0">
+                <a:latin typeface="Work Sans Light" panose="020B0604020202020204" charset="0"/>
+              </a:rPr>
+              <a:t>;</a:t>
+            </a:r>
+          </a:p>
+          <a:p>
+            <a:pPr marL="342900" indent="-342900">
+              <a:buFont typeface="+mj-lt"/>
+              <a:buAutoNum type="arabicPeriod"/>
+            </a:pPr>
+            <a:r>
+              <a:rPr lang="en-US" dirty="0" smtClean="0">
+                <a:latin typeface="Work Sans Light" panose="020B0604020202020204" charset="0"/>
+              </a:rPr>
+              <a:t>        </a:t>
+            </a:r>
+            <a:r>
+              <a:rPr lang="en-US" dirty="0" err="1" smtClean="0">
+                <a:latin typeface="Work Sans Light" panose="020B0604020202020204" charset="0"/>
+              </a:rPr>
+              <a:t>canHop</a:t>
+            </a:r>
+            <a:r>
+              <a:rPr lang="en-US" dirty="0" smtClean="0">
+                <a:latin typeface="Work Sans Light" panose="020B0604020202020204" charset="0"/>
+              </a:rPr>
+              <a:t> </a:t>
+            </a:r>
+            <a:r>
+              <a:rPr lang="en-US" dirty="0">
+                <a:latin typeface="Work Sans Light" panose="020B0604020202020204" charset="0"/>
+              </a:rPr>
+              <a:t>= hopper;</a:t>
+            </a:r>
+          </a:p>
+          <a:p>
+            <a:pPr marL="342900" indent="-342900">
+              <a:buFont typeface="+mj-lt"/>
+              <a:buAutoNum type="arabicPeriod"/>
+            </a:pPr>
+            <a:r>
+              <a:rPr lang="en-US" dirty="0" smtClean="0">
+                <a:latin typeface="Work Sans Light" panose="020B0604020202020204" charset="0"/>
+              </a:rPr>
+              <a:t>        </a:t>
+            </a:r>
+            <a:r>
+              <a:rPr lang="en-US" dirty="0" err="1" smtClean="0">
+                <a:latin typeface="Work Sans Light" panose="020B0604020202020204" charset="0"/>
+              </a:rPr>
+              <a:t>canSwim</a:t>
+            </a:r>
+            <a:r>
+              <a:rPr lang="en-US" dirty="0" smtClean="0">
+                <a:latin typeface="Work Sans Light" panose="020B0604020202020204" charset="0"/>
+              </a:rPr>
+              <a:t> </a:t>
+            </a:r>
+            <a:r>
+              <a:rPr lang="en-US" dirty="0">
+                <a:latin typeface="Work Sans Light" panose="020B0604020202020204" charset="0"/>
+              </a:rPr>
+              <a:t>= swimmer;</a:t>
+            </a:r>
+          </a:p>
+          <a:p>
+            <a:pPr marL="342900" indent="-342900">
+              <a:buFont typeface="+mj-lt"/>
+              <a:buAutoNum type="arabicPeriod"/>
+            </a:pPr>
+            <a:r>
+              <a:rPr lang="en-US" dirty="0" smtClean="0"/>
+              <a:t>     </a:t>
+            </a:r>
+            <a:r>
+              <a:rPr lang="ru-RU" dirty="0" smtClean="0"/>
+              <a:t>}</a:t>
+            </a:r>
+            <a:endParaRPr lang="ru-RU" dirty="0"/>
+          </a:p>
+          <a:p>
+            <a:pPr marL="342900" indent="-342900">
+              <a:buFont typeface="+mj-lt"/>
+              <a:buAutoNum type="arabicPeriod"/>
+            </a:pPr>
+            <a:r>
+              <a:rPr lang="en-US" dirty="0" smtClean="0">
+                <a:latin typeface="Work Sans Light" panose="020B0604020202020204" charset="0"/>
+              </a:rPr>
+              <a:t>    public </a:t>
+            </a:r>
+            <a:r>
+              <a:rPr lang="en-US" dirty="0" err="1">
+                <a:latin typeface="Work Sans Light" panose="020B0604020202020204" charset="0"/>
+              </a:rPr>
+              <a:t>boolean</a:t>
+            </a:r>
+            <a:r>
+              <a:rPr lang="en-US" dirty="0">
+                <a:latin typeface="Work Sans Light" panose="020B0604020202020204" charset="0"/>
+              </a:rPr>
+              <a:t> </a:t>
+            </a:r>
+            <a:r>
+              <a:rPr lang="en-US" dirty="0" err="1">
+                <a:latin typeface="Work Sans Light" panose="020B0604020202020204" charset="0"/>
+              </a:rPr>
+              <a:t>canHop</a:t>
+            </a:r>
+            <a:r>
+              <a:rPr lang="en-US" dirty="0">
+                <a:latin typeface="Work Sans Light" panose="020B0604020202020204" charset="0"/>
+              </a:rPr>
+              <a:t>() { return </a:t>
+            </a:r>
+            <a:r>
+              <a:rPr lang="en-US" dirty="0" err="1">
+                <a:latin typeface="Work Sans Light" panose="020B0604020202020204" charset="0"/>
+              </a:rPr>
+              <a:t>canHop</a:t>
+            </a:r>
+            <a:r>
+              <a:rPr lang="en-US" dirty="0">
+                <a:latin typeface="Work Sans Light" panose="020B0604020202020204" charset="0"/>
+              </a:rPr>
+              <a:t>; }</a:t>
+            </a:r>
+          </a:p>
+          <a:p>
+            <a:pPr marL="342900" indent="-342900">
+              <a:buFont typeface="+mj-lt"/>
+              <a:buAutoNum type="arabicPeriod"/>
+            </a:pPr>
+            <a:r>
+              <a:rPr lang="en-US" dirty="0" smtClean="0">
+                <a:latin typeface="Work Sans Light" panose="020B0604020202020204" charset="0"/>
+              </a:rPr>
+              <a:t>    public </a:t>
+            </a:r>
+            <a:r>
+              <a:rPr lang="en-US" dirty="0" err="1">
+                <a:latin typeface="Work Sans Light" panose="020B0604020202020204" charset="0"/>
+              </a:rPr>
+              <a:t>boolean</a:t>
+            </a:r>
+            <a:r>
+              <a:rPr lang="en-US" dirty="0">
+                <a:latin typeface="Work Sans Light" panose="020B0604020202020204" charset="0"/>
+              </a:rPr>
+              <a:t> </a:t>
+            </a:r>
+            <a:r>
+              <a:rPr lang="en-US" dirty="0" err="1">
+                <a:latin typeface="Work Sans Light" panose="020B0604020202020204" charset="0"/>
+              </a:rPr>
+              <a:t>canSwim</a:t>
+            </a:r>
+            <a:r>
+              <a:rPr lang="en-US" dirty="0">
+                <a:latin typeface="Work Sans Light" panose="020B0604020202020204" charset="0"/>
+              </a:rPr>
+              <a:t>() { return </a:t>
+            </a:r>
+            <a:r>
+              <a:rPr lang="en-US" dirty="0" err="1">
+                <a:latin typeface="Work Sans Light" panose="020B0604020202020204" charset="0"/>
+              </a:rPr>
+              <a:t>canSwim</a:t>
+            </a:r>
+            <a:r>
+              <a:rPr lang="en-US" dirty="0">
+                <a:latin typeface="Work Sans Light" panose="020B0604020202020204" charset="0"/>
+              </a:rPr>
+              <a:t>; }</a:t>
+            </a:r>
+          </a:p>
+          <a:p>
+            <a:pPr marL="342900" indent="-342900">
+              <a:buFont typeface="+mj-lt"/>
+              <a:buAutoNum type="arabicPeriod"/>
+            </a:pPr>
+            <a:r>
+              <a:rPr lang="en-US" dirty="0" smtClean="0">
+                <a:latin typeface="Work Sans Light" panose="020B0604020202020204" charset="0"/>
+              </a:rPr>
+              <a:t>    public </a:t>
+            </a:r>
+            <a:r>
+              <a:rPr lang="en-US" dirty="0">
+                <a:latin typeface="Work Sans Light" panose="020B0604020202020204" charset="0"/>
+              </a:rPr>
+              <a:t>String </a:t>
+            </a:r>
+            <a:r>
+              <a:rPr lang="en-US" dirty="0" err="1">
+                <a:latin typeface="Work Sans Light" panose="020B0604020202020204" charset="0"/>
+              </a:rPr>
+              <a:t>toString</a:t>
+            </a:r>
+            <a:r>
+              <a:rPr lang="en-US" dirty="0">
+                <a:latin typeface="Work Sans Light" panose="020B0604020202020204" charset="0"/>
+              </a:rPr>
+              <a:t>() { return species; }</a:t>
+            </a:r>
+          </a:p>
+          <a:p>
+            <a:pPr marL="342900" indent="-342900">
+              <a:buFont typeface="+mj-lt"/>
+              <a:buAutoNum type="arabicPeriod"/>
+            </a:pPr>
+            <a:r>
+              <a:rPr lang="ru-RU" dirty="0"/>
+              <a:t>}</a:t>
+            </a:r>
+            <a:endParaRPr lang="en-US" dirty="0">
+              <a:latin typeface="Work Sans Light" panose="020B0604020202020204" charset="0"/>
+            </a:endParaRPr>
+          </a:p>
+        </p:txBody>
+      </p:sp>
     </p:spTree>
     <p:extLst>
       <p:ext uri="{BB962C8B-B14F-4D97-AF65-F5344CB8AC3E}">
-        <p14:creationId xmlns:p14="http://schemas.microsoft.com/office/powerpoint/2010/main" val="1580976537"/>
+        <p14:creationId xmlns:p14="http://schemas.microsoft.com/office/powerpoint/2010/main" val="625753269"/>
       </p:ext>
     </p:extLst>
   </p:cSld>
@@ -37949,7 +37593,7 @@
         </p:nvSpPr>
         <p:spPr>
           <a:xfrm>
-            <a:off x="484205" y="809814"/>
+            <a:off x="471326" y="642996"/>
             <a:ext cx="7244400" cy="2077500"/>
           </a:xfrm>
           <a:prstGeom prst="rect">
@@ -38001,16 +37645,32 @@
               <a:buNone/>
             </a:pPr>
             <a:r>
-              <a:rPr lang="en-US" sz="1050" dirty="0"/>
-              <a:t>1: public class </a:t>
-            </a:r>
-            <a:r>
-              <a:rPr lang="en-US" sz="1050" dirty="0" err="1"/>
-              <a:t>TraditionalSearch</a:t>
-            </a:r>
-            <a:r>
-              <a:rPr lang="en-US" sz="1050" dirty="0"/>
-              <a:t> {</a:t>
+              <a:rPr lang="en-US" sz="1200" dirty="0"/>
+              <a:t>The Animal class has three instance variables, which are set in the constructor. It </a:t>
+            </a:r>
+            <a:r>
+              <a:rPr lang="en-US" sz="1200" dirty="0" smtClean="0"/>
+              <a:t>has two </a:t>
+            </a:r>
+            <a:r>
+              <a:rPr lang="en-US" sz="1200" dirty="0"/>
+              <a:t>methods that get the state of whether the animal can hop or swim. It also has </a:t>
+            </a:r>
+            <a:r>
+              <a:rPr lang="en-US" sz="1200" dirty="0" smtClean="0"/>
+              <a:t>a </a:t>
+            </a:r>
+            <a:r>
+              <a:rPr lang="en-US" sz="1200" dirty="0" err="1" smtClean="0"/>
+              <a:t>toString</a:t>
+            </a:r>
+            <a:r>
+              <a:rPr lang="en-US" sz="1200" dirty="0"/>
+              <a:t>() method so we can easily identify the Animal in </a:t>
+            </a:r>
+            <a:r>
+              <a:rPr lang="en-US" sz="1200" dirty="0" smtClean="0"/>
+              <a:t>programs. </a:t>
             </a:r>
           </a:p>
           <a:p>
@@ -38018,333 +37678,14 @@
               <a:buNone/>
             </a:pPr>
             <a:r>
-              <a:rPr lang="en-US" sz="1050" dirty="0"/>
-              <a:t>2: </a:t>
-            </a:r>
-            <a:r>
-              <a:rPr lang="en-US" sz="1050" dirty="0" smtClean="0"/>
-              <a:t>      public </a:t>
-            </a:r>
-            <a:r>
-              <a:rPr lang="en-US" sz="1050" dirty="0"/>
-              <a:t>static void main(String[] </a:t>
-            </a:r>
-            <a:r>
-              <a:rPr lang="en-US" sz="1050" dirty="0" err="1"/>
-              <a:t>args</a:t>
-            </a:r>
-            <a:r>
-              <a:rPr lang="en-US" sz="1050" dirty="0"/>
-              <a:t>) {</a:t>
-            </a:r>
-          </a:p>
-          <a:p>
-            <a:pPr marL="152400" indent="0">
-              <a:buNone/>
-            </a:pPr>
-            <a:r>
-              <a:rPr lang="en-US" sz="1050" dirty="0"/>
-              <a:t>3: </a:t>
-            </a:r>
-            <a:r>
-              <a:rPr lang="en-US" sz="1050" dirty="0" smtClean="0"/>
-              <a:t>           List&lt;Animal</a:t>
-            </a:r>
-            <a:r>
-              <a:rPr lang="en-US" sz="1050" dirty="0"/>
-              <a:t>&gt; animals = new </a:t>
-            </a:r>
-            <a:r>
-              <a:rPr lang="en-US" sz="1050" dirty="0" err="1"/>
-              <a:t>ArrayList</a:t>
-            </a:r>
-            <a:r>
-              <a:rPr lang="en-US" sz="1050" dirty="0"/>
-              <a:t>&lt;Animal&gt;(); // list of animals</a:t>
-            </a:r>
-          </a:p>
-          <a:p>
-            <a:pPr marL="152400" indent="0">
-              <a:buNone/>
-            </a:pPr>
-            <a:r>
-              <a:rPr lang="en-US" sz="1050" dirty="0"/>
-              <a:t>4: </a:t>
-            </a:r>
-            <a:r>
-              <a:rPr lang="en-US" sz="1050" dirty="0" smtClean="0"/>
-              <a:t>           </a:t>
-            </a:r>
-            <a:r>
-              <a:rPr lang="en-US" sz="1050" dirty="0" err="1" smtClean="0"/>
-              <a:t>animals.add</a:t>
-            </a:r>
-            <a:r>
-              <a:rPr lang="en-US" sz="1050" dirty="0" smtClean="0"/>
-              <a:t>(new </a:t>
-            </a:r>
-            <a:r>
-              <a:rPr lang="en-US" sz="1050" dirty="0"/>
-              <a:t>Animal("fish", false, true));</a:t>
-            </a:r>
-          </a:p>
-          <a:p>
-            <a:pPr marL="152400" indent="0">
-              <a:buNone/>
-            </a:pPr>
-            <a:r>
-              <a:rPr lang="en-US" sz="1050" dirty="0"/>
-              <a:t>5: </a:t>
-            </a:r>
-            <a:r>
-              <a:rPr lang="en-US" sz="1050" dirty="0" smtClean="0"/>
-              <a:t>           </a:t>
-            </a:r>
-            <a:r>
-              <a:rPr lang="en-US" sz="1050" dirty="0" err="1" smtClean="0"/>
-              <a:t>animals.add</a:t>
-            </a:r>
-            <a:r>
-              <a:rPr lang="en-US" sz="1050" dirty="0" smtClean="0"/>
-              <a:t>(new </a:t>
-            </a:r>
-            <a:r>
-              <a:rPr lang="en-US" sz="1050" dirty="0"/>
-              <a:t>Animal("kangaroo", true, false));</a:t>
-            </a:r>
-          </a:p>
-          <a:p>
-            <a:pPr marL="152400" indent="0">
-              <a:buNone/>
-            </a:pPr>
-            <a:r>
-              <a:rPr lang="en-US" sz="1050" dirty="0"/>
-              <a:t>6: </a:t>
-            </a:r>
-            <a:r>
-              <a:rPr lang="en-US" sz="1050" dirty="0" smtClean="0"/>
-              <a:t>           </a:t>
-            </a:r>
-            <a:r>
-              <a:rPr lang="en-US" sz="1050" dirty="0" err="1" smtClean="0"/>
-              <a:t>animals.add</a:t>
-            </a:r>
-            <a:r>
-              <a:rPr lang="en-US" sz="1050" dirty="0" smtClean="0"/>
-              <a:t>(new </a:t>
-            </a:r>
-            <a:r>
-              <a:rPr lang="en-US" sz="1050" dirty="0"/>
-              <a:t>Animal("rabbit", true, false));</a:t>
-            </a:r>
-          </a:p>
-          <a:p>
-            <a:pPr marL="152400" indent="0">
-              <a:buNone/>
-            </a:pPr>
-            <a:r>
-              <a:rPr lang="en-US" sz="1050" dirty="0"/>
-              <a:t>7: </a:t>
-            </a:r>
-            <a:r>
-              <a:rPr lang="en-US" sz="1050" dirty="0" smtClean="0"/>
-              <a:t>           </a:t>
-            </a:r>
-            <a:r>
-              <a:rPr lang="en-US" sz="1050" dirty="0" err="1" smtClean="0"/>
-              <a:t>animals.add</a:t>
-            </a:r>
-            <a:r>
-              <a:rPr lang="en-US" sz="1050" dirty="0" smtClean="0"/>
-              <a:t>(new </a:t>
-            </a:r>
-            <a:r>
-              <a:rPr lang="en-US" sz="1050" dirty="0"/>
-              <a:t>Animal("turtle", false, true</a:t>
-            </a:r>
-            <a:r>
-              <a:rPr lang="en-US" sz="1050" dirty="0" smtClean="0"/>
-              <a:t>));</a:t>
-            </a:r>
-            <a:endParaRPr lang="ru-RU" sz="1050" dirty="0"/>
-          </a:p>
-          <a:p>
-            <a:pPr marL="152400" indent="0">
-              <a:buNone/>
-            </a:pPr>
-            <a:r>
-              <a:rPr lang="en-US" sz="1050" dirty="0"/>
-              <a:t>9: </a:t>
-            </a:r>
-            <a:r>
-              <a:rPr lang="en-US" sz="1050" dirty="0" smtClean="0"/>
-              <a:t>          print(animals</a:t>
-            </a:r>
-            <a:r>
-              <a:rPr lang="en-US" sz="1050" dirty="0"/>
-              <a:t>, new </a:t>
-            </a:r>
-            <a:r>
-              <a:rPr lang="en-US" sz="1050" dirty="0" err="1"/>
-              <a:t>CheckIfHopper</a:t>
-            </a:r>
-            <a:r>
-              <a:rPr lang="en-US" sz="1050" dirty="0"/>
-              <a:t>()); // pass class that does check</a:t>
-            </a:r>
-          </a:p>
-          <a:p>
-            <a:pPr marL="152400" indent="0">
-              <a:buNone/>
-            </a:pPr>
-            <a:r>
-              <a:rPr lang="ru-RU" sz="1050" dirty="0"/>
-              <a:t>10: </a:t>
-            </a:r>
-            <a:r>
-              <a:rPr lang="en-US" sz="1050" dirty="0" smtClean="0"/>
-              <a:t>   </a:t>
-            </a:r>
-            <a:r>
-              <a:rPr lang="ru-RU" sz="1050" dirty="0" smtClean="0"/>
-              <a:t>}</a:t>
-            </a:r>
-            <a:endParaRPr lang="ru-RU" sz="1050" dirty="0"/>
-          </a:p>
-          <a:p>
-            <a:pPr marL="152400" indent="0">
-              <a:buNone/>
-            </a:pPr>
-            <a:r>
-              <a:rPr lang="en-US" sz="1050" dirty="0"/>
-              <a:t>11: </a:t>
-            </a:r>
-            <a:r>
-              <a:rPr lang="en-US" sz="1050" dirty="0" smtClean="0"/>
-              <a:t>    private </a:t>
-            </a:r>
-            <a:r>
-              <a:rPr lang="en-US" sz="1050" dirty="0"/>
-              <a:t>static void print(List&lt;Animal&gt; animals, </a:t>
-            </a:r>
-            <a:r>
-              <a:rPr lang="en-US" sz="1050" dirty="0" err="1"/>
-              <a:t>CheckTrait</a:t>
-            </a:r>
-            <a:r>
-              <a:rPr lang="en-US" sz="1050" dirty="0"/>
-              <a:t> checker) {</a:t>
-            </a:r>
-          </a:p>
-          <a:p>
-            <a:pPr marL="152400" indent="0">
-              <a:buNone/>
-            </a:pPr>
-            <a:r>
-              <a:rPr lang="en-US" sz="1050" dirty="0"/>
-              <a:t>12: </a:t>
-            </a:r>
-            <a:r>
-              <a:rPr lang="en-US" sz="1050" dirty="0" smtClean="0"/>
-              <a:t>       for </a:t>
-            </a:r>
-            <a:r>
-              <a:rPr lang="en-US" sz="1050" dirty="0"/>
-              <a:t>(Animal </a:t>
-            </a:r>
-            <a:r>
-              <a:rPr lang="en-US" sz="1050" dirty="0" err="1"/>
-              <a:t>animal</a:t>
-            </a:r>
-            <a:r>
-              <a:rPr lang="en-US" sz="1050" dirty="0"/>
-              <a:t> : animals) {</a:t>
-            </a:r>
-          </a:p>
-          <a:p>
-            <a:pPr marL="152400" indent="0">
-              <a:buNone/>
-            </a:pPr>
-            <a:r>
-              <a:rPr lang="en-US" sz="1050" dirty="0"/>
-              <a:t>13: </a:t>
-            </a:r>
-            <a:r>
-              <a:rPr lang="en-US" sz="1050" dirty="0" smtClean="0"/>
-              <a:t>           if </a:t>
-            </a:r>
-            <a:r>
-              <a:rPr lang="en-US" sz="1050" dirty="0"/>
-              <a:t>(</a:t>
-            </a:r>
-            <a:r>
-              <a:rPr lang="en-US" sz="1050" dirty="0" err="1"/>
-              <a:t>checker.test</a:t>
-            </a:r>
-            <a:r>
-              <a:rPr lang="en-US" sz="1050" dirty="0"/>
-              <a:t>(animal)) // the general check</a:t>
-            </a:r>
-          </a:p>
-          <a:p>
-            <a:pPr marL="152400" indent="0">
-              <a:buNone/>
-            </a:pPr>
-            <a:r>
-              <a:rPr lang="en-US" sz="1050" dirty="0"/>
-              <a:t>14: </a:t>
-            </a:r>
-            <a:r>
-              <a:rPr lang="en-US" sz="1050" dirty="0" smtClean="0"/>
-              <a:t>                </a:t>
-            </a:r>
-            <a:r>
-              <a:rPr lang="en-US" sz="1050" dirty="0" err="1" smtClean="0"/>
-              <a:t>System.out.print</a:t>
-            </a:r>
-            <a:r>
-              <a:rPr lang="en-US" sz="1050" dirty="0" smtClean="0"/>
-              <a:t>(animal </a:t>
-            </a:r>
-            <a:r>
-              <a:rPr lang="en-US" sz="1050" dirty="0"/>
-              <a:t>+ " </a:t>
-            </a:r>
-            <a:r>
-              <a:rPr lang="en-US" sz="1050" dirty="0" smtClean="0"/>
-              <a:t>");</a:t>
-            </a:r>
-            <a:r>
-              <a:rPr lang="ru-RU" sz="1050" dirty="0" smtClean="0"/>
-              <a:t>}</a:t>
-            </a:r>
-            <a:endParaRPr lang="ru-RU" sz="1050" dirty="0"/>
-          </a:p>
-          <a:p>
-            <a:pPr marL="152400" indent="0">
-              <a:buNone/>
-            </a:pPr>
-            <a:r>
-              <a:rPr lang="en-US" sz="1050" dirty="0"/>
-              <a:t>16: </a:t>
-            </a:r>
-            <a:r>
-              <a:rPr lang="en-US" sz="1050" dirty="0" smtClean="0"/>
-              <a:t>      </a:t>
-            </a:r>
-            <a:r>
-              <a:rPr lang="en-US" sz="1050" dirty="0" err="1" smtClean="0"/>
-              <a:t>System.out.println</a:t>
-            </a:r>
-            <a:r>
-              <a:rPr lang="en-US" sz="1050" dirty="0" smtClean="0"/>
-              <a:t>();</a:t>
-            </a:r>
-            <a:r>
-              <a:rPr lang="ru-RU" sz="1050" dirty="0" smtClean="0"/>
-              <a:t>}}</a:t>
-            </a:r>
-            <a:endParaRPr sz="1050" dirty="0">
+              <a:rPr lang="en-US" sz="1200" dirty="0" smtClean="0"/>
+              <a:t>We </a:t>
+            </a:r>
+            <a:r>
+              <a:rPr lang="en-US" sz="1200" dirty="0"/>
+              <a:t>plan to write a lot of different checks, so we want an interface.</a:t>
+            </a:r>
+            <a:endParaRPr sz="1200" dirty="0">
               <a:solidFill>
                 <a:srgbClr val="000000"/>
               </a:solidFill>
@@ -38358,23 +37699,146 @@
             </a:endParaRPr>
           </a:p>
           <a:p>
-            <a:pPr marL="127000" marR="0" lvl="0" indent="0" algn="l" rtl="0">
-              <a:lnSpc>
-                <a:spcPct val="100000"/>
-              </a:lnSpc>
-              <a:spcBef>
-                <a:spcPts val="600"/>
-              </a:spcBef>
-              <a:spcAft>
-                <a:spcPts val="0"/>
-              </a:spcAft>
-              <a:buClr>
-                <a:schemeClr val="dk1"/>
-              </a:buClr>
-              <a:buSzPts val="1100"/>
-              <a:buFont typeface="Arial"/>
-              <a:buNone/>
-            </a:pPr>
+            <a:pPr marL="495300" indent="-342900">
+              <a:buFont typeface="+mj-lt"/>
+              <a:buAutoNum type="arabicPeriod"/>
+            </a:pPr>
+            <a:r>
+              <a:rPr lang="en-US" sz="1400" dirty="0"/>
+              <a:t>public interface </a:t>
+            </a:r>
+            <a:r>
+              <a:rPr lang="en-US" sz="1400" dirty="0" err="1"/>
+              <a:t>CheckTrait</a:t>
+            </a:r>
+            <a:r>
+              <a:rPr lang="en-US" sz="1400" dirty="0"/>
+              <a:t> {</a:t>
+            </a:r>
+          </a:p>
+          <a:p>
+            <a:pPr marL="495300" indent="-342900">
+              <a:buFont typeface="+mj-lt"/>
+              <a:buAutoNum type="arabicPeriod"/>
+            </a:pPr>
+            <a:r>
+              <a:rPr lang="en-US" sz="1400" dirty="0" smtClean="0"/>
+              <a:t>     </a:t>
+            </a:r>
+            <a:r>
+              <a:rPr lang="en-US" sz="1400" dirty="0" err="1" smtClean="0"/>
+              <a:t>boolean</a:t>
+            </a:r>
+            <a:r>
+              <a:rPr lang="en-US" sz="1400" dirty="0" smtClean="0"/>
+              <a:t> </a:t>
+            </a:r>
+            <a:r>
+              <a:rPr lang="en-US" sz="1400" dirty="0"/>
+              <a:t>test(Animal a);</a:t>
+            </a:r>
+          </a:p>
+          <a:p>
+            <a:pPr marL="495300" indent="-342900">
+              <a:buFont typeface="+mj-lt"/>
+              <a:buAutoNum type="arabicPeriod"/>
+            </a:pPr>
+            <a:r>
+              <a:rPr lang="ru-RU" sz="1400" dirty="0" smtClean="0"/>
+              <a:t>}</a:t>
+            </a:r>
+            <a:endParaRPr lang="en-US" sz="1400" dirty="0" smtClean="0"/>
+          </a:p>
+          <a:p>
+            <a:pPr marL="495300" indent="-342900">
+              <a:buFont typeface="+mj-lt"/>
+              <a:buAutoNum type="arabicPeriod"/>
+            </a:pPr>
+            <a:r>
+              <a:rPr lang="en-US" sz="1400" dirty="0" smtClean="0"/>
+              <a:t>public </a:t>
+            </a:r>
+            <a:r>
+              <a:rPr lang="en-US" sz="1400" dirty="0"/>
+              <a:t>class </a:t>
+            </a:r>
+            <a:r>
+              <a:rPr lang="en-US" sz="1400" dirty="0" err="1"/>
+              <a:t>CheckIfHopper</a:t>
+            </a:r>
+            <a:r>
+              <a:rPr lang="en-US" sz="1400" dirty="0"/>
+              <a:t> implements </a:t>
+            </a:r>
+            <a:r>
+              <a:rPr lang="en-US" sz="1400" dirty="0" err="1"/>
+              <a:t>CheckTrait</a:t>
+            </a:r>
+            <a:r>
+              <a:rPr lang="en-US" sz="1400" dirty="0"/>
+              <a:t> {</a:t>
+            </a:r>
+          </a:p>
+          <a:p>
+            <a:pPr marL="495300" indent="-342900">
+              <a:buFont typeface="+mj-lt"/>
+              <a:buAutoNum type="arabicPeriod"/>
+            </a:pPr>
+            <a:r>
+              <a:rPr lang="en-US" sz="1400" dirty="0" smtClean="0"/>
+              <a:t>     public </a:t>
+            </a:r>
+            <a:r>
+              <a:rPr lang="en-US" sz="1400" dirty="0" err="1"/>
+              <a:t>boolean</a:t>
+            </a:r>
+            <a:r>
+              <a:rPr lang="en-US" sz="1400" dirty="0"/>
+              <a:t> test(Animal a) {</a:t>
+            </a:r>
+          </a:p>
+          <a:p>
+            <a:pPr marL="495300" indent="-342900">
+              <a:buFont typeface="+mj-lt"/>
+              <a:buAutoNum type="arabicPeriod"/>
+            </a:pPr>
+            <a:r>
+              <a:rPr lang="en-US" sz="1400" dirty="0" smtClean="0"/>
+              <a:t>           return </a:t>
+            </a:r>
+            <a:r>
+              <a:rPr lang="en-US" sz="1400" dirty="0" err="1"/>
+              <a:t>a.canHop</a:t>
+            </a:r>
+            <a:r>
+              <a:rPr lang="en-US" sz="1400" dirty="0"/>
+              <a:t>();</a:t>
+            </a:r>
+          </a:p>
+          <a:p>
+            <a:pPr marL="495300" indent="-342900">
+              <a:buFont typeface="+mj-lt"/>
+              <a:buAutoNum type="arabicPeriod"/>
+            </a:pPr>
+            <a:r>
+              <a:rPr lang="en-US" sz="1400" dirty="0" smtClean="0"/>
+              <a:t>     </a:t>
+            </a:r>
+            <a:r>
+              <a:rPr lang="ru-RU" sz="1400" dirty="0" smtClean="0"/>
+              <a:t>}</a:t>
+            </a:r>
+            <a:endParaRPr lang="ru-RU" sz="1400" dirty="0"/>
+          </a:p>
+          <a:p>
+            <a:pPr marL="495300" indent="-342900">
+              <a:buFont typeface="+mj-lt"/>
+              <a:buAutoNum type="arabicPeriod"/>
+            </a:pPr>
+            <a:r>
+              <a:rPr lang="ru-RU" sz="1400" dirty="0"/>
+              <a:t>}</a:t>
+            </a:r>
             <a:endParaRPr sz="1400" dirty="0">
               <a:solidFill>
                 <a:srgbClr val="000000"/>
@@ -38906,6 +38370,1063 @@
                 <a:sym typeface="Work Sans"/>
               </a:rPr>
               <a:t>28</a:t>
+            </a:fld>
+            <a:endParaRPr sz="1300" b="1" i="0" u="none" strike="noStrike" cap="none">
+              <a:solidFill>
+                <a:schemeClr val="dk1"/>
+              </a:solidFill>
+              <a:latin typeface="Work Sans"/>
+              <a:ea typeface="Work Sans"/>
+              <a:cs typeface="Work Sans"/>
+              <a:sym typeface="Work Sans"/>
+            </a:endParaRPr>
+          </a:p>
+        </p:txBody>
+      </p:sp>
+      <p:sp>
+        <p:nvSpPr>
+          <p:cNvPr id="431" name="Google Shape;431;p51"/>
+          <p:cNvSpPr txBox="1">
+            <a:spLocks noGrp="1"/>
+          </p:cNvSpPr>
+          <p:nvPr>
+            <p:ph type="title"/>
+          </p:nvPr>
+        </p:nvSpPr>
+        <p:spPr>
+          <a:xfrm>
+            <a:off x="584368" y="62736"/>
+            <a:ext cx="7290300" cy="903300"/>
+          </a:xfrm>
+          <a:prstGeom prst="rect">
+            <a:avLst/>
+          </a:prstGeom>
+          <a:noFill/>
+          <a:ln>
+            <a:noFill/>
+          </a:ln>
+        </p:spPr>
+        <p:txBody>
+          <a:bodyPr spcFirstLastPara="1" wrap="square" lIns="91425" tIns="91425" rIns="91425" bIns="91425" anchor="b" anchorCtr="0">
+            <a:noAutofit/>
+          </a:bodyPr>
+          <a:lstStyle/>
+          <a:p>
+            <a:pPr lvl="0"/>
+            <a:r>
+              <a:rPr lang="en-US" sz="2400" b="0" dirty="0"/>
+              <a:t>Lambda Example</a:t>
+            </a:r>
+            <a:endParaRPr sz="2400" b="0" dirty="0"/>
+          </a:p>
+        </p:txBody>
+      </p:sp>
+    </p:spTree>
+    <p:extLst>
+      <p:ext uri="{BB962C8B-B14F-4D97-AF65-F5344CB8AC3E}">
+        <p14:creationId xmlns:p14="http://schemas.microsoft.com/office/powerpoint/2010/main" val="1580976537"/>
+      </p:ext>
+    </p:extLst>
+  </p:cSld>
+  <p:clrMapOvr>
+    <a:masterClrMapping/>
+  </p:clrMapOvr>
+  <p:timing>
+    <p:tnLst>
+      <p:par>
+        <p:cTn id="1" dur="indefinite" restart="never" nodeType="tmRoot"/>
+      </p:par>
+    </p:tnLst>
+  </p:timing>
+</p:sld>
+</file>
+
+<file path=ppt/slides/slide29.xml><?xml version="1.0" encoding="utf-8"?>
+<p:sld xmlns:a="http://schemas.openxmlformats.org/drawingml/2006/main" xmlns:r="http://schemas.openxmlformats.org/officeDocument/2006/relationships" xmlns:p="http://schemas.openxmlformats.org/presentationml/2006/main">
+  <p:cSld>
+    <p:spTree>
+      <p:nvGrpSpPr>
+        <p:cNvPr id="1" name="Shape 424"/>
+        <p:cNvGrpSpPr/>
+        <p:nvPr/>
+      </p:nvGrpSpPr>
+      <p:grpSpPr>
+        <a:xfrm>
+          <a:off x="0" y="0"/>
+          <a:ext cx="0" cy="0"/>
+          <a:chOff x="0" y="0"/>
+          <a:chExt cx="0" cy="0"/>
+        </a:xfrm>
+      </p:grpSpPr>
+      <p:sp>
+        <p:nvSpPr>
+          <p:cNvPr id="425" name="Google Shape;425;p51"/>
+          <p:cNvSpPr txBox="1">
+            <a:spLocks noGrp="1"/>
+          </p:cNvSpPr>
+          <p:nvPr>
+            <p:ph type="body" idx="1"/>
+          </p:nvPr>
+        </p:nvSpPr>
+        <p:spPr>
+          <a:xfrm>
+            <a:off x="484205" y="809814"/>
+            <a:ext cx="7244400" cy="2077500"/>
+          </a:xfrm>
+          <a:prstGeom prst="rect">
+            <a:avLst/>
+          </a:prstGeom>
+          <a:noFill/>
+          <a:ln>
+            <a:noFill/>
+          </a:ln>
+        </p:spPr>
+        <p:txBody>
+          <a:bodyPr spcFirstLastPara="1" wrap="square" lIns="91425" tIns="91425" rIns="91425" bIns="91425" anchor="t" anchorCtr="0">
+            <a:noAutofit/>
+          </a:bodyPr>
+          <a:lstStyle/>
+          <a:p>
+            <a:pPr marL="127000" marR="0" lvl="0" indent="0" algn="l" rtl="0">
+              <a:lnSpc>
+                <a:spcPct val="100000"/>
+              </a:lnSpc>
+              <a:spcBef>
+                <a:spcPts val="600"/>
+              </a:spcBef>
+              <a:spcAft>
+                <a:spcPts val="0"/>
+              </a:spcAft>
+              <a:buClr>
+                <a:schemeClr val="dk1"/>
+              </a:buClr>
+              <a:buSzPts val="1100"/>
+              <a:buFont typeface="Arial"/>
+              <a:buNone/>
+            </a:pPr>
+            <a:endParaRPr sz="1400" dirty="0" smtClean="0">
+              <a:solidFill>
+                <a:srgbClr val="000000"/>
+              </a:solidFill>
+              <a:highlight>
+                <a:srgbClr val="FFFFFF"/>
+              </a:highlight>
+              <a:latin typeface="Arial"/>
+              <a:ea typeface="Arial"/>
+              <a:cs typeface="Arial"/>
+              <a:sym typeface="Arial"/>
+            </a:endParaRPr>
+          </a:p>
+          <a:p>
+            <a:pPr marL="152400" indent="0">
+              <a:buNone/>
+            </a:pPr>
+            <a:r>
+              <a:rPr lang="en-US" sz="1050" dirty="0"/>
+              <a:t>1: public class </a:t>
+            </a:r>
+            <a:r>
+              <a:rPr lang="en-US" sz="1050" dirty="0" err="1"/>
+              <a:t>TraditionalSearch</a:t>
+            </a:r>
+            <a:r>
+              <a:rPr lang="en-US" sz="1050" dirty="0"/>
+              <a:t> {</a:t>
+            </a:r>
+          </a:p>
+          <a:p>
+            <a:pPr marL="152400" indent="0">
+              <a:buNone/>
+            </a:pPr>
+            <a:r>
+              <a:rPr lang="en-US" sz="1050" dirty="0"/>
+              <a:t>2: </a:t>
+            </a:r>
+            <a:r>
+              <a:rPr lang="en-US" sz="1050" dirty="0" smtClean="0"/>
+              <a:t>      public </a:t>
+            </a:r>
+            <a:r>
+              <a:rPr lang="en-US" sz="1050" dirty="0"/>
+              <a:t>static void main(String[] </a:t>
+            </a:r>
+            <a:r>
+              <a:rPr lang="en-US" sz="1050" dirty="0" err="1"/>
+              <a:t>args</a:t>
+            </a:r>
+            <a:r>
+              <a:rPr lang="en-US" sz="1050" dirty="0"/>
+              <a:t>) {</a:t>
+            </a:r>
+          </a:p>
+          <a:p>
+            <a:pPr marL="152400" indent="0">
+              <a:buNone/>
+            </a:pPr>
+            <a:r>
+              <a:rPr lang="en-US" sz="1050" dirty="0"/>
+              <a:t>3: </a:t>
+            </a:r>
+            <a:r>
+              <a:rPr lang="en-US" sz="1050" dirty="0" smtClean="0"/>
+              <a:t>           List&lt;Animal</a:t>
+            </a:r>
+            <a:r>
+              <a:rPr lang="en-US" sz="1050" dirty="0"/>
+              <a:t>&gt; animals = new </a:t>
+            </a:r>
+            <a:r>
+              <a:rPr lang="en-US" sz="1050" dirty="0" err="1"/>
+              <a:t>ArrayList</a:t>
+            </a:r>
+            <a:r>
+              <a:rPr lang="en-US" sz="1050" dirty="0"/>
+              <a:t>&lt;Animal&gt;(); // list of animals</a:t>
+            </a:r>
+          </a:p>
+          <a:p>
+            <a:pPr marL="152400" indent="0">
+              <a:buNone/>
+            </a:pPr>
+            <a:r>
+              <a:rPr lang="en-US" sz="1050" dirty="0"/>
+              <a:t>4: </a:t>
+            </a:r>
+            <a:r>
+              <a:rPr lang="en-US" sz="1050" dirty="0" smtClean="0"/>
+              <a:t>           </a:t>
+            </a:r>
+            <a:r>
+              <a:rPr lang="en-US" sz="1050" dirty="0" err="1" smtClean="0"/>
+              <a:t>animals.add</a:t>
+            </a:r>
+            <a:r>
+              <a:rPr lang="en-US" sz="1050" dirty="0" smtClean="0"/>
+              <a:t>(new </a:t>
+            </a:r>
+            <a:r>
+              <a:rPr lang="en-US" sz="1050" dirty="0"/>
+              <a:t>Animal("fish", false, true));</a:t>
+            </a:r>
+          </a:p>
+          <a:p>
+            <a:pPr marL="152400" indent="0">
+              <a:buNone/>
+            </a:pPr>
+            <a:r>
+              <a:rPr lang="en-US" sz="1050" dirty="0"/>
+              <a:t>5: </a:t>
+            </a:r>
+            <a:r>
+              <a:rPr lang="en-US" sz="1050" dirty="0" smtClean="0"/>
+              <a:t>           </a:t>
+            </a:r>
+            <a:r>
+              <a:rPr lang="en-US" sz="1050" dirty="0" err="1" smtClean="0"/>
+              <a:t>animals.add</a:t>
+            </a:r>
+            <a:r>
+              <a:rPr lang="en-US" sz="1050" dirty="0" smtClean="0"/>
+              <a:t>(new </a:t>
+            </a:r>
+            <a:r>
+              <a:rPr lang="en-US" sz="1050" dirty="0"/>
+              <a:t>Animal("kangaroo", true, false));</a:t>
+            </a:r>
+          </a:p>
+          <a:p>
+            <a:pPr marL="152400" indent="0">
+              <a:buNone/>
+            </a:pPr>
+            <a:r>
+              <a:rPr lang="en-US" sz="1050" dirty="0"/>
+              <a:t>6: </a:t>
+            </a:r>
+            <a:r>
+              <a:rPr lang="en-US" sz="1050" dirty="0" smtClean="0"/>
+              <a:t>           </a:t>
+            </a:r>
+            <a:r>
+              <a:rPr lang="en-US" sz="1050" dirty="0" err="1" smtClean="0"/>
+              <a:t>animals.add</a:t>
+            </a:r>
+            <a:r>
+              <a:rPr lang="en-US" sz="1050" dirty="0" smtClean="0"/>
+              <a:t>(new </a:t>
+            </a:r>
+            <a:r>
+              <a:rPr lang="en-US" sz="1050" dirty="0"/>
+              <a:t>Animal("rabbit", true, false));</a:t>
+            </a:r>
+          </a:p>
+          <a:p>
+            <a:pPr marL="152400" indent="0">
+              <a:buNone/>
+            </a:pPr>
+            <a:r>
+              <a:rPr lang="en-US" sz="1050" dirty="0"/>
+              <a:t>7: </a:t>
+            </a:r>
+            <a:r>
+              <a:rPr lang="en-US" sz="1050" dirty="0" smtClean="0"/>
+              <a:t>           </a:t>
+            </a:r>
+            <a:r>
+              <a:rPr lang="en-US" sz="1050" dirty="0" err="1" smtClean="0"/>
+              <a:t>animals.add</a:t>
+            </a:r>
+            <a:r>
+              <a:rPr lang="en-US" sz="1050" dirty="0" smtClean="0"/>
+              <a:t>(new </a:t>
+            </a:r>
+            <a:r>
+              <a:rPr lang="en-US" sz="1050" dirty="0"/>
+              <a:t>Animal("turtle", false, true</a:t>
+            </a:r>
+            <a:r>
+              <a:rPr lang="en-US" sz="1050" dirty="0" smtClean="0"/>
+              <a:t>));</a:t>
+            </a:r>
+            <a:endParaRPr lang="ru-RU" sz="1050" dirty="0"/>
+          </a:p>
+          <a:p>
+            <a:pPr marL="152400" indent="0">
+              <a:buNone/>
+            </a:pPr>
+            <a:r>
+              <a:rPr lang="en-US" sz="1050" dirty="0"/>
+              <a:t>9: </a:t>
+            </a:r>
+            <a:r>
+              <a:rPr lang="en-US" sz="1050" dirty="0" smtClean="0"/>
+              <a:t>          print(animals</a:t>
+            </a:r>
+            <a:r>
+              <a:rPr lang="en-US" sz="1050" dirty="0"/>
+              <a:t>, new </a:t>
+            </a:r>
+            <a:r>
+              <a:rPr lang="en-US" sz="1050" dirty="0" err="1"/>
+              <a:t>CheckIfHopper</a:t>
+            </a:r>
+            <a:r>
+              <a:rPr lang="en-US" sz="1050" dirty="0"/>
+              <a:t>()); // pass class that does check</a:t>
+            </a:r>
+          </a:p>
+          <a:p>
+            <a:pPr marL="152400" indent="0">
+              <a:buNone/>
+            </a:pPr>
+            <a:r>
+              <a:rPr lang="ru-RU" sz="1050" dirty="0"/>
+              <a:t>10: </a:t>
+            </a:r>
+            <a:r>
+              <a:rPr lang="en-US" sz="1050" dirty="0" smtClean="0"/>
+              <a:t>   </a:t>
+            </a:r>
+            <a:r>
+              <a:rPr lang="ru-RU" sz="1050" dirty="0" smtClean="0"/>
+              <a:t>}</a:t>
+            </a:r>
+            <a:endParaRPr lang="ru-RU" sz="1050" dirty="0"/>
+          </a:p>
+          <a:p>
+            <a:pPr marL="152400" indent="0">
+              <a:buNone/>
+            </a:pPr>
+            <a:r>
+              <a:rPr lang="en-US" sz="1050" dirty="0"/>
+              <a:t>11: </a:t>
+            </a:r>
+            <a:r>
+              <a:rPr lang="en-US" sz="1050" dirty="0" smtClean="0"/>
+              <a:t>    private </a:t>
+            </a:r>
+            <a:r>
+              <a:rPr lang="en-US" sz="1050" dirty="0"/>
+              <a:t>static void print(List&lt;Animal&gt; animals, </a:t>
+            </a:r>
+            <a:r>
+              <a:rPr lang="en-US" sz="1050" dirty="0" err="1"/>
+              <a:t>CheckTrait</a:t>
+            </a:r>
+            <a:r>
+              <a:rPr lang="en-US" sz="1050" dirty="0"/>
+              <a:t> checker) {</a:t>
+            </a:r>
+          </a:p>
+          <a:p>
+            <a:pPr marL="152400" indent="0">
+              <a:buNone/>
+            </a:pPr>
+            <a:r>
+              <a:rPr lang="en-US" sz="1050" dirty="0"/>
+              <a:t>12: </a:t>
+            </a:r>
+            <a:r>
+              <a:rPr lang="en-US" sz="1050" dirty="0" smtClean="0"/>
+              <a:t>       for </a:t>
+            </a:r>
+            <a:r>
+              <a:rPr lang="en-US" sz="1050" dirty="0"/>
+              <a:t>(Animal </a:t>
+            </a:r>
+            <a:r>
+              <a:rPr lang="en-US" sz="1050" dirty="0" err="1"/>
+              <a:t>animal</a:t>
+            </a:r>
+            <a:r>
+              <a:rPr lang="en-US" sz="1050" dirty="0"/>
+              <a:t> : animals) {</a:t>
+            </a:r>
+          </a:p>
+          <a:p>
+            <a:pPr marL="152400" indent="0">
+              <a:buNone/>
+            </a:pPr>
+            <a:r>
+              <a:rPr lang="en-US" sz="1050" dirty="0"/>
+              <a:t>13: </a:t>
+            </a:r>
+            <a:r>
+              <a:rPr lang="en-US" sz="1050" dirty="0" smtClean="0"/>
+              <a:t>           if </a:t>
+            </a:r>
+            <a:r>
+              <a:rPr lang="en-US" sz="1050" dirty="0"/>
+              <a:t>(</a:t>
+            </a:r>
+            <a:r>
+              <a:rPr lang="en-US" sz="1050" dirty="0" err="1"/>
+              <a:t>checker.test</a:t>
+            </a:r>
+            <a:r>
+              <a:rPr lang="en-US" sz="1050" dirty="0"/>
+              <a:t>(animal)) // the general check</a:t>
+            </a:r>
+          </a:p>
+          <a:p>
+            <a:pPr marL="152400" indent="0">
+              <a:buNone/>
+            </a:pPr>
+            <a:r>
+              <a:rPr lang="en-US" sz="1050" dirty="0"/>
+              <a:t>14: </a:t>
+            </a:r>
+            <a:r>
+              <a:rPr lang="en-US" sz="1050" dirty="0" smtClean="0"/>
+              <a:t>                </a:t>
+            </a:r>
+            <a:r>
+              <a:rPr lang="en-US" sz="1050" dirty="0" err="1" smtClean="0"/>
+              <a:t>System.out.print</a:t>
+            </a:r>
+            <a:r>
+              <a:rPr lang="en-US" sz="1050" dirty="0" smtClean="0"/>
+              <a:t>(animal </a:t>
+            </a:r>
+            <a:r>
+              <a:rPr lang="en-US" sz="1050" dirty="0"/>
+              <a:t>+ " </a:t>
+            </a:r>
+            <a:r>
+              <a:rPr lang="en-US" sz="1050" dirty="0" smtClean="0"/>
+              <a:t>");</a:t>
+            </a:r>
+            <a:r>
+              <a:rPr lang="ru-RU" sz="1050" dirty="0" smtClean="0"/>
+              <a:t>}</a:t>
+            </a:r>
+            <a:endParaRPr lang="ru-RU" sz="1050" dirty="0"/>
+          </a:p>
+          <a:p>
+            <a:pPr marL="152400" indent="0">
+              <a:buNone/>
+            </a:pPr>
+            <a:r>
+              <a:rPr lang="en-US" sz="1050" dirty="0"/>
+              <a:t>16: </a:t>
+            </a:r>
+            <a:r>
+              <a:rPr lang="en-US" sz="1050" dirty="0" smtClean="0"/>
+              <a:t>      </a:t>
+            </a:r>
+            <a:r>
+              <a:rPr lang="en-US" sz="1050" dirty="0" err="1" smtClean="0"/>
+              <a:t>System.out.println</a:t>
+            </a:r>
+            <a:r>
+              <a:rPr lang="en-US" sz="1050" dirty="0" smtClean="0"/>
+              <a:t>();</a:t>
+            </a:r>
+            <a:r>
+              <a:rPr lang="ru-RU" sz="1050" dirty="0" smtClean="0"/>
+              <a:t>}}</a:t>
+            </a:r>
+            <a:endParaRPr sz="1050" dirty="0">
+              <a:solidFill>
+                <a:srgbClr val="000000"/>
+              </a:solidFill>
+              <a:highlight>
+                <a:srgbClr val="FFFFFF"/>
+              </a:highlight>
+              <a:latin typeface="Arial"/>
+              <a:ea typeface="Arial"/>
+              <a:cs typeface="Arial"/>
+              <a:sym typeface="Arial"/>
+            </a:endParaRPr>
+          </a:p>
+          <a:p>
+            <a:pPr marL="127000" marR="0" lvl="0" indent="0" algn="l" rtl="0">
+              <a:lnSpc>
+                <a:spcPct val="100000"/>
+              </a:lnSpc>
+              <a:spcBef>
+                <a:spcPts val="600"/>
+              </a:spcBef>
+              <a:spcAft>
+                <a:spcPts val="0"/>
+              </a:spcAft>
+              <a:buClr>
+                <a:schemeClr val="dk1"/>
+              </a:buClr>
+              <a:buSzPts val="1100"/>
+              <a:buFont typeface="Arial"/>
+              <a:buNone/>
+            </a:pPr>
+            <a:endParaRPr sz="1400" dirty="0">
+              <a:solidFill>
+                <a:srgbClr val="000000"/>
+              </a:solidFill>
+              <a:highlight>
+                <a:srgbClr val="FFFFFF"/>
+              </a:highlight>
+              <a:latin typeface="Arial"/>
+              <a:ea typeface="Arial"/>
+              <a:cs typeface="Arial"/>
+              <a:sym typeface="Arial"/>
+            </a:endParaRPr>
+          </a:p>
+          <a:p>
+            <a:pPr marL="127000" marR="0" lvl="0" indent="0" algn="l" rtl="0">
+              <a:lnSpc>
+                <a:spcPct val="100000"/>
+              </a:lnSpc>
+              <a:spcBef>
+                <a:spcPts val="600"/>
+              </a:spcBef>
+              <a:spcAft>
+                <a:spcPts val="0"/>
+              </a:spcAft>
+              <a:buClr>
+                <a:schemeClr val="dk1"/>
+              </a:buClr>
+              <a:buSzPts val="1100"/>
+              <a:buFont typeface="Arial"/>
+              <a:buNone/>
+            </a:pPr>
+            <a:endParaRPr sz="1400" b="1" dirty="0" smtClean="0">
+              <a:solidFill>
+                <a:srgbClr val="000000"/>
+              </a:solidFill>
+              <a:highlight>
+                <a:srgbClr val="FFFFFF"/>
+              </a:highlight>
+              <a:latin typeface="Courier New"/>
+              <a:ea typeface="Courier New"/>
+              <a:cs typeface="Courier New"/>
+              <a:sym typeface="Courier New"/>
+            </a:endParaRPr>
+          </a:p>
+          <a:p>
+            <a:pPr marL="127000" marR="0" lvl="0" indent="0" algn="l" rtl="0">
+              <a:lnSpc>
+                <a:spcPct val="100000"/>
+              </a:lnSpc>
+              <a:spcBef>
+                <a:spcPts val="600"/>
+              </a:spcBef>
+              <a:spcAft>
+                <a:spcPts val="0"/>
+              </a:spcAft>
+              <a:buClr>
+                <a:schemeClr val="dk1"/>
+              </a:buClr>
+              <a:buSzPts val="1100"/>
+              <a:buFont typeface="Arial"/>
+              <a:buNone/>
+            </a:pPr>
+            <a:endParaRPr sz="1400" b="1" dirty="0">
+              <a:solidFill>
+                <a:srgbClr val="000000"/>
+              </a:solidFill>
+              <a:highlight>
+                <a:srgbClr val="FFFFFF"/>
+              </a:highlight>
+              <a:latin typeface="Courier New"/>
+              <a:ea typeface="Courier New"/>
+              <a:cs typeface="Courier New"/>
+              <a:sym typeface="Courier New"/>
+            </a:endParaRPr>
+          </a:p>
+          <a:p>
+            <a:pPr marL="127000" marR="0" lvl="0" indent="0" algn="l" rtl="0">
+              <a:lnSpc>
+                <a:spcPct val="100000"/>
+              </a:lnSpc>
+              <a:spcBef>
+                <a:spcPts val="600"/>
+              </a:spcBef>
+              <a:spcAft>
+                <a:spcPts val="0"/>
+              </a:spcAft>
+              <a:buClr>
+                <a:schemeClr val="dk1"/>
+              </a:buClr>
+              <a:buSzPts val="1100"/>
+              <a:buFont typeface="Arial"/>
+              <a:buNone/>
+            </a:pPr>
+            <a:endParaRPr sz="1400" dirty="0">
+              <a:solidFill>
+                <a:srgbClr val="000000"/>
+              </a:solidFill>
+              <a:highlight>
+                <a:srgbClr val="FFFFFF"/>
+              </a:highlight>
+              <a:latin typeface="Arial"/>
+              <a:ea typeface="Arial"/>
+              <a:cs typeface="Arial"/>
+              <a:sym typeface="Arial"/>
+            </a:endParaRPr>
+          </a:p>
+          <a:p>
+            <a:pPr marL="127000" marR="0" lvl="0" indent="0" algn="l" rtl="0">
+              <a:lnSpc>
+                <a:spcPct val="100000"/>
+              </a:lnSpc>
+              <a:spcBef>
+                <a:spcPts val="600"/>
+              </a:spcBef>
+              <a:spcAft>
+                <a:spcPts val="0"/>
+              </a:spcAft>
+              <a:buClr>
+                <a:schemeClr val="dk1"/>
+              </a:buClr>
+              <a:buSzPts val="1100"/>
+              <a:buFont typeface="Arial"/>
+              <a:buNone/>
+            </a:pPr>
+            <a:endParaRPr sz="1400" b="1" dirty="0">
+              <a:solidFill>
+                <a:srgbClr val="000000"/>
+              </a:solidFill>
+              <a:highlight>
+                <a:srgbClr val="FFFFFF"/>
+              </a:highlight>
+              <a:latin typeface="Courier New"/>
+              <a:ea typeface="Courier New"/>
+              <a:cs typeface="Courier New"/>
+              <a:sym typeface="Courier New"/>
+            </a:endParaRPr>
+          </a:p>
+          <a:p>
+            <a:pPr marL="127000" marR="0" lvl="0" indent="0" algn="l" rtl="0">
+              <a:lnSpc>
+                <a:spcPct val="100000"/>
+              </a:lnSpc>
+              <a:spcBef>
+                <a:spcPts val="600"/>
+              </a:spcBef>
+              <a:spcAft>
+                <a:spcPts val="0"/>
+              </a:spcAft>
+              <a:buClr>
+                <a:schemeClr val="dk1"/>
+              </a:buClr>
+              <a:buSzPts val="1100"/>
+              <a:buFont typeface="Arial"/>
+              <a:buNone/>
+            </a:pPr>
+            <a:endParaRPr sz="1400" dirty="0">
+              <a:solidFill>
+                <a:srgbClr val="000000"/>
+              </a:solidFill>
+              <a:highlight>
+                <a:srgbClr val="FFFFFF"/>
+              </a:highlight>
+              <a:latin typeface="Arial"/>
+              <a:ea typeface="Arial"/>
+              <a:cs typeface="Arial"/>
+              <a:sym typeface="Arial"/>
+            </a:endParaRPr>
+          </a:p>
+          <a:p>
+            <a:pPr marL="127000" marR="0" lvl="0" indent="0" algn="l" rtl="0">
+              <a:lnSpc>
+                <a:spcPct val="100000"/>
+              </a:lnSpc>
+              <a:spcBef>
+                <a:spcPts val="600"/>
+              </a:spcBef>
+              <a:spcAft>
+                <a:spcPts val="0"/>
+              </a:spcAft>
+              <a:buClr>
+                <a:schemeClr val="dk1"/>
+              </a:buClr>
+              <a:buSzPts val="1100"/>
+              <a:buFont typeface="Arial"/>
+              <a:buNone/>
+            </a:pPr>
+            <a:endParaRPr sz="1400" b="1" dirty="0">
+              <a:solidFill>
+                <a:srgbClr val="000000"/>
+              </a:solidFill>
+              <a:highlight>
+                <a:srgbClr val="FFFFFF"/>
+              </a:highlight>
+              <a:latin typeface="Courier New"/>
+              <a:ea typeface="Courier New"/>
+              <a:cs typeface="Courier New"/>
+              <a:sym typeface="Courier New"/>
+            </a:endParaRPr>
+          </a:p>
+          <a:p>
+            <a:pPr marL="127000" marR="0" lvl="0" indent="0" algn="l" rtl="0">
+              <a:lnSpc>
+                <a:spcPct val="100000"/>
+              </a:lnSpc>
+              <a:spcBef>
+                <a:spcPts val="600"/>
+              </a:spcBef>
+              <a:spcAft>
+                <a:spcPts val="0"/>
+              </a:spcAft>
+              <a:buClr>
+                <a:schemeClr val="dk1"/>
+              </a:buClr>
+              <a:buSzPts val="1100"/>
+              <a:buFont typeface="Arial"/>
+              <a:buNone/>
+            </a:pPr>
+            <a:endParaRPr sz="1400" b="1" dirty="0">
+              <a:solidFill>
+                <a:srgbClr val="000000"/>
+              </a:solidFill>
+              <a:highlight>
+                <a:srgbClr val="FFFFFF"/>
+              </a:highlight>
+              <a:latin typeface="Courier New"/>
+              <a:ea typeface="Courier New"/>
+              <a:cs typeface="Courier New"/>
+              <a:sym typeface="Courier New"/>
+            </a:endParaRPr>
+          </a:p>
+          <a:p>
+            <a:pPr marL="127000" marR="0" lvl="0" indent="0" algn="l" rtl="0">
+              <a:lnSpc>
+                <a:spcPct val="100000"/>
+              </a:lnSpc>
+              <a:spcBef>
+                <a:spcPts val="600"/>
+              </a:spcBef>
+              <a:spcAft>
+                <a:spcPts val="0"/>
+              </a:spcAft>
+              <a:buClr>
+                <a:schemeClr val="dk1"/>
+              </a:buClr>
+              <a:buSzPts val="1100"/>
+              <a:buFont typeface="Arial"/>
+              <a:buNone/>
+            </a:pPr>
+            <a:endParaRPr sz="1400" b="1" dirty="0">
+              <a:solidFill>
+                <a:srgbClr val="000000"/>
+              </a:solidFill>
+              <a:highlight>
+                <a:srgbClr val="FFFFFF"/>
+              </a:highlight>
+              <a:latin typeface="Courier New"/>
+              <a:ea typeface="Courier New"/>
+              <a:cs typeface="Courier New"/>
+              <a:sym typeface="Courier New"/>
+            </a:endParaRPr>
+          </a:p>
+          <a:p>
+            <a:pPr marL="127000" marR="0" lvl="0" indent="0" algn="l" rtl="0">
+              <a:lnSpc>
+                <a:spcPct val="100000"/>
+              </a:lnSpc>
+              <a:spcBef>
+                <a:spcPts val="600"/>
+              </a:spcBef>
+              <a:spcAft>
+                <a:spcPts val="0"/>
+              </a:spcAft>
+              <a:buClr>
+                <a:schemeClr val="dk1"/>
+              </a:buClr>
+              <a:buSzPts val="1100"/>
+              <a:buFont typeface="Arial"/>
+              <a:buNone/>
+            </a:pPr>
+            <a:endParaRPr sz="1400" b="1" dirty="0">
+              <a:solidFill>
+                <a:srgbClr val="000000"/>
+              </a:solidFill>
+              <a:highlight>
+                <a:srgbClr val="FFFFFF"/>
+              </a:highlight>
+              <a:latin typeface="Courier New"/>
+              <a:ea typeface="Courier New"/>
+              <a:cs typeface="Courier New"/>
+              <a:sym typeface="Courier New"/>
+            </a:endParaRPr>
+          </a:p>
+          <a:p>
+            <a:pPr marL="127000" marR="0" lvl="0" indent="0" algn="l" rtl="0">
+              <a:lnSpc>
+                <a:spcPct val="100000"/>
+              </a:lnSpc>
+              <a:spcBef>
+                <a:spcPts val="600"/>
+              </a:spcBef>
+              <a:spcAft>
+                <a:spcPts val="0"/>
+              </a:spcAft>
+              <a:buClr>
+                <a:schemeClr val="dk1"/>
+              </a:buClr>
+              <a:buSzPts val="1100"/>
+              <a:buFont typeface="Arial"/>
+              <a:buNone/>
+            </a:pPr>
+            <a:endParaRPr sz="1400" dirty="0">
+              <a:solidFill>
+                <a:srgbClr val="000000"/>
+              </a:solidFill>
+              <a:highlight>
+                <a:srgbClr val="FFFFFF"/>
+              </a:highlight>
+              <a:latin typeface="Arial"/>
+              <a:ea typeface="Arial"/>
+              <a:cs typeface="Arial"/>
+              <a:sym typeface="Arial"/>
+            </a:endParaRPr>
+          </a:p>
+          <a:p>
+            <a:pPr marL="127000" marR="0" lvl="0" indent="0" algn="l" rtl="0">
+              <a:lnSpc>
+                <a:spcPct val="100000"/>
+              </a:lnSpc>
+              <a:spcBef>
+                <a:spcPts val="600"/>
+              </a:spcBef>
+              <a:spcAft>
+                <a:spcPts val="0"/>
+              </a:spcAft>
+              <a:buClr>
+                <a:schemeClr val="dk1"/>
+              </a:buClr>
+              <a:buSzPts val="1100"/>
+              <a:buFont typeface="Arial"/>
+              <a:buNone/>
+            </a:pPr>
+            <a:endParaRPr sz="1400" dirty="0">
+              <a:solidFill>
+                <a:srgbClr val="000000"/>
+              </a:solidFill>
+              <a:highlight>
+                <a:srgbClr val="FFFFFF"/>
+              </a:highlight>
+              <a:latin typeface="Arial"/>
+              <a:ea typeface="Arial"/>
+              <a:cs typeface="Arial"/>
+              <a:sym typeface="Arial"/>
+            </a:endParaRPr>
+          </a:p>
+          <a:p>
+            <a:pPr marL="127000" marR="0" lvl="0" indent="0" algn="l" rtl="0">
+              <a:lnSpc>
+                <a:spcPct val="100000"/>
+              </a:lnSpc>
+              <a:spcBef>
+                <a:spcPts val="600"/>
+              </a:spcBef>
+              <a:spcAft>
+                <a:spcPts val="0"/>
+              </a:spcAft>
+              <a:buClr>
+                <a:schemeClr val="dk1"/>
+              </a:buClr>
+              <a:buSzPts val="1100"/>
+              <a:buFont typeface="Arial"/>
+              <a:buNone/>
+            </a:pPr>
+            <a:endParaRPr sz="1400" dirty="0">
+              <a:solidFill>
+                <a:srgbClr val="000000"/>
+              </a:solidFill>
+              <a:highlight>
+                <a:srgbClr val="FFFFFF"/>
+              </a:highlight>
+              <a:latin typeface="Arial"/>
+              <a:ea typeface="Arial"/>
+              <a:cs typeface="Arial"/>
+              <a:sym typeface="Arial"/>
+            </a:endParaRPr>
+          </a:p>
+          <a:p>
+            <a:pPr marL="127000" marR="0" lvl="0" indent="0" algn="l" rtl="0">
+              <a:lnSpc>
+                <a:spcPct val="100000"/>
+              </a:lnSpc>
+              <a:spcBef>
+                <a:spcPts val="600"/>
+              </a:spcBef>
+              <a:spcAft>
+                <a:spcPts val="0"/>
+              </a:spcAft>
+              <a:buClr>
+                <a:schemeClr val="dk1"/>
+              </a:buClr>
+              <a:buSzPts val="1100"/>
+              <a:buFont typeface="Arial"/>
+              <a:buNone/>
+            </a:pPr>
+            <a:endParaRPr sz="1800" dirty="0">
+              <a:solidFill>
+                <a:srgbClr val="000000"/>
+              </a:solidFill>
+              <a:highlight>
+                <a:srgbClr val="FFFFFF"/>
+              </a:highlight>
+              <a:latin typeface="Arial"/>
+              <a:ea typeface="Arial"/>
+              <a:cs typeface="Arial"/>
+              <a:sym typeface="Arial"/>
+            </a:endParaRPr>
+          </a:p>
+          <a:p>
+            <a:pPr marL="0" marR="0" lvl="0" indent="0" algn="l" rtl="0">
+              <a:lnSpc>
+                <a:spcPct val="100000"/>
+              </a:lnSpc>
+              <a:spcBef>
+                <a:spcPts val="600"/>
+              </a:spcBef>
+              <a:spcAft>
+                <a:spcPts val="0"/>
+              </a:spcAft>
+              <a:buClr>
+                <a:schemeClr val="dk1"/>
+              </a:buClr>
+              <a:buSzPts val="800"/>
+              <a:buFont typeface="Arial"/>
+              <a:buNone/>
+            </a:pPr>
+            <a:endParaRPr sz="1050" dirty="0">
+              <a:solidFill>
+                <a:srgbClr val="000000"/>
+              </a:solidFill>
+              <a:highlight>
+                <a:srgbClr val="FFFFFF"/>
+              </a:highlight>
+              <a:latin typeface="Arial"/>
+              <a:ea typeface="Arial"/>
+              <a:cs typeface="Arial"/>
+              <a:sym typeface="Arial"/>
+            </a:endParaRPr>
+          </a:p>
+          <a:p>
+            <a:pPr marL="127000" marR="0" lvl="0" indent="0" algn="l" rtl="0">
+              <a:lnSpc>
+                <a:spcPct val="100000"/>
+              </a:lnSpc>
+              <a:spcBef>
+                <a:spcPts val="600"/>
+              </a:spcBef>
+              <a:spcAft>
+                <a:spcPts val="0"/>
+              </a:spcAft>
+              <a:buClr>
+                <a:schemeClr val="dk1"/>
+              </a:buClr>
+              <a:buSzPts val="1200"/>
+              <a:buFont typeface="Work Sans Light"/>
+              <a:buNone/>
+            </a:pPr>
+            <a:endParaRPr dirty="0">
+              <a:latin typeface="Work Sans"/>
+              <a:ea typeface="Work Sans"/>
+              <a:cs typeface="Work Sans"/>
+              <a:sym typeface="Work Sans"/>
+            </a:endParaRPr>
+          </a:p>
+        </p:txBody>
+      </p:sp>
+      <p:sp>
+        <p:nvSpPr>
+          <p:cNvPr id="430" name="Google Shape;430;p51"/>
+          <p:cNvSpPr txBox="1">
+            <a:spLocks noGrp="1"/>
+          </p:cNvSpPr>
+          <p:nvPr>
+            <p:ph type="sldNum" idx="12"/>
+          </p:nvPr>
+        </p:nvSpPr>
+        <p:spPr>
+          <a:xfrm>
+            <a:off x="8159499" y="4393278"/>
+            <a:ext cx="548700" cy="393600"/>
+          </a:xfrm>
+          <a:prstGeom prst="rect">
+            <a:avLst/>
+          </a:prstGeom>
+          <a:noFill/>
+          <a:ln>
+            <a:noFill/>
+          </a:ln>
+        </p:spPr>
+        <p:txBody>
+          <a:bodyPr spcFirstLastPara="1" wrap="square" lIns="91425" tIns="91425" rIns="91425" bIns="91425" anchor="ctr" anchorCtr="0">
+            <a:noAutofit/>
+          </a:bodyPr>
+          <a:lstStyle/>
+          <a:p>
+            <a:pPr marL="0" marR="0" lvl="0" indent="0" algn="r" rtl="0">
+              <a:lnSpc>
+                <a:spcPct val="100000"/>
+              </a:lnSpc>
+              <a:spcBef>
+                <a:spcPts val="0"/>
+              </a:spcBef>
+              <a:spcAft>
+                <a:spcPts val="0"/>
+              </a:spcAft>
+              <a:buClr>
+                <a:srgbClr val="000000"/>
+              </a:buClr>
+              <a:buSzPts val="1300"/>
+              <a:buFont typeface="Arial"/>
+              <a:buNone/>
+            </a:pPr>
+            <a:fld id="{00000000-1234-1234-1234-123412341234}" type="slidenum">
+              <a:rPr lang="en" sz="1300" b="1" i="0" u="none" strike="noStrike" cap="none">
+                <a:solidFill>
+                  <a:schemeClr val="dk1"/>
+                </a:solidFill>
+                <a:latin typeface="Work Sans"/>
+                <a:ea typeface="Work Sans"/>
+                <a:cs typeface="Work Sans"/>
+                <a:sym typeface="Work Sans"/>
+              </a:rPr>
+              <a:t>29</a:t>
             </a:fld>
             <a:endParaRPr sz="1300" b="1" i="0" u="none" strike="noStrike" cap="none">
               <a:solidFill>
@@ -42019,12 +42540,12 @@
               <a:t>first </a:t>
             </a:r>
             <a:r>
-              <a:rPr lang="en-US" sz="1200" dirty="0" err="1"/>
-              <a:t>noncommented</a:t>
+              <a:rPr lang="en-US" sz="1200" dirty="0" smtClean="0"/>
+              <a:t>non-commented </a:t>
             </a:r>
             <a:r>
               <a:rPr lang="en-US" sz="1200" dirty="0"/>
-              <a:t> statement in the constructor.</a:t>
+              <a:t>statement in the constructor.</a:t>
             </a:r>
             <a:endParaRPr sz="1200" dirty="0">
               <a:latin typeface="Work Sans"/>
